--- a/assets/lectures/BPW_Lecture_14.pptx
+++ b/assets/lectures/BPW_Lecture_14.pptx
@@ -7,9 +7,17 @@
   <p:sldIdLst>
     <p:sldId id="256" r:id="rId2"/>
     <p:sldId id="257" r:id="rId3"/>
-    <p:sldId id="303" r:id="rId4"/>
-    <p:sldId id="302" r:id="rId5"/>
-    <p:sldId id="317" r:id="rId6"/>
+    <p:sldId id="322" r:id="rId4"/>
+    <p:sldId id="323" r:id="rId5"/>
+    <p:sldId id="324" r:id="rId6"/>
+    <p:sldId id="331" r:id="rId7"/>
+    <p:sldId id="325" r:id="rId8"/>
+    <p:sldId id="326" r:id="rId9"/>
+    <p:sldId id="327" r:id="rId10"/>
+    <p:sldId id="329" r:id="rId11"/>
+    <p:sldId id="328" r:id="rId12"/>
+    <p:sldId id="330" r:id="rId13"/>
+    <p:sldId id="317" r:id="rId14"/>
   </p:sldIdLst>
   <p:sldSz cx="12192000" cy="6858000"/>
   <p:notesSz cx="6858000" cy="9144000"/>
@@ -286,7 +294,7 @@
           <a:p>
             <a:fld id="{F57857CC-207A-4D73-9A20-C856A5068D10}" type="datetimeFigureOut">
               <a:rPr lang="en-US" smtClean="0"/>
-              <a:t>1/6/19</a:t>
+              <a:t>1/7/19</a:t>
             </a:fld>
             <a:endParaRPr lang="en-US"/>
           </a:p>
@@ -484,7 +492,7 @@
           <a:p>
             <a:fld id="{F57857CC-207A-4D73-9A20-C856A5068D10}" type="datetimeFigureOut">
               <a:rPr lang="en-US" smtClean="0"/>
-              <a:t>1/6/19</a:t>
+              <a:t>1/7/19</a:t>
             </a:fld>
             <a:endParaRPr lang="en-US"/>
           </a:p>
@@ -692,7 +700,7 @@
           <a:p>
             <a:fld id="{F57857CC-207A-4D73-9A20-C856A5068D10}" type="datetimeFigureOut">
               <a:rPr lang="en-US" smtClean="0"/>
-              <a:t>1/6/19</a:t>
+              <a:t>1/7/19</a:t>
             </a:fld>
             <a:endParaRPr lang="en-US"/>
           </a:p>
@@ -890,7 +898,7 @@
           <a:p>
             <a:fld id="{F57857CC-207A-4D73-9A20-C856A5068D10}" type="datetimeFigureOut">
               <a:rPr lang="en-US" smtClean="0"/>
-              <a:t>1/6/19</a:t>
+              <a:t>1/7/19</a:t>
             </a:fld>
             <a:endParaRPr lang="en-US"/>
           </a:p>
@@ -1165,7 +1173,7 @@
           <a:p>
             <a:fld id="{F57857CC-207A-4D73-9A20-C856A5068D10}" type="datetimeFigureOut">
               <a:rPr lang="en-US" smtClean="0"/>
-              <a:t>1/6/19</a:t>
+              <a:t>1/7/19</a:t>
             </a:fld>
             <a:endParaRPr lang="en-US"/>
           </a:p>
@@ -1430,7 +1438,7 @@
           <a:p>
             <a:fld id="{F57857CC-207A-4D73-9A20-C856A5068D10}" type="datetimeFigureOut">
               <a:rPr lang="en-US" smtClean="0"/>
-              <a:t>1/6/19</a:t>
+              <a:t>1/7/19</a:t>
             </a:fld>
             <a:endParaRPr lang="en-US"/>
           </a:p>
@@ -1842,7 +1850,7 @@
           <a:p>
             <a:fld id="{F57857CC-207A-4D73-9A20-C856A5068D10}" type="datetimeFigureOut">
               <a:rPr lang="en-US" smtClean="0"/>
-              <a:t>1/6/19</a:t>
+              <a:t>1/7/19</a:t>
             </a:fld>
             <a:endParaRPr lang="en-US"/>
           </a:p>
@@ -1983,7 +1991,7 @@
           <a:p>
             <a:fld id="{F57857CC-207A-4D73-9A20-C856A5068D10}" type="datetimeFigureOut">
               <a:rPr lang="en-US" smtClean="0"/>
-              <a:t>1/6/19</a:t>
+              <a:t>1/7/19</a:t>
             </a:fld>
             <a:endParaRPr lang="en-US"/>
           </a:p>
@@ -2096,7 +2104,7 @@
           <a:p>
             <a:fld id="{F57857CC-207A-4D73-9A20-C856A5068D10}" type="datetimeFigureOut">
               <a:rPr lang="en-US" smtClean="0"/>
-              <a:t>1/6/19</a:t>
+              <a:t>1/7/19</a:t>
             </a:fld>
             <a:endParaRPr lang="en-US"/>
           </a:p>
@@ -2407,7 +2415,7 @@
           <a:p>
             <a:fld id="{F57857CC-207A-4D73-9A20-C856A5068D10}" type="datetimeFigureOut">
               <a:rPr lang="en-US" smtClean="0"/>
-              <a:t>1/6/19</a:t>
+              <a:t>1/7/19</a:t>
             </a:fld>
             <a:endParaRPr lang="en-US"/>
           </a:p>
@@ -2695,7 +2703,7 @@
           <a:p>
             <a:fld id="{F57857CC-207A-4D73-9A20-C856A5068D10}" type="datetimeFigureOut">
               <a:rPr lang="en-US" smtClean="0"/>
-              <a:t>1/6/19</a:t>
+              <a:t>1/7/19</a:t>
             </a:fld>
             <a:endParaRPr lang="en-US"/>
           </a:p>
@@ -2936,7 +2944,7 @@
           <a:p>
             <a:fld id="{F57857CC-207A-4D73-9A20-C856A5068D10}" type="datetimeFigureOut">
               <a:rPr lang="en-US" smtClean="0"/>
-              <a:t>1/6/19</a:t>
+              <a:t>1/7/19</a:t>
             </a:fld>
             <a:endParaRPr lang="en-US"/>
           </a:p>
@@ -3589,6 +3597,1974 @@
 </p:sld>
 </file>
 
+<file path=ppt/slides/slide10.xml><?xml version="1.0" encoding="utf-8"?>
+<p:sld xmlns:a="http://schemas.openxmlformats.org/drawingml/2006/main" xmlns:r="http://schemas.openxmlformats.org/officeDocument/2006/relationships" xmlns:p="http://schemas.openxmlformats.org/presentationml/2006/main">
+  <p:cSld>
+    <p:bg>
+      <p:bgPr>
+        <a:solidFill>
+          <a:schemeClr val="bg2"/>
+        </a:solidFill>
+        <a:effectLst/>
+      </p:bgPr>
+    </p:bg>
+    <p:spTree>
+      <p:nvGrpSpPr>
+        <p:cNvPr id="1" name=""/>
+        <p:cNvGrpSpPr/>
+        <p:nvPr/>
+      </p:nvGrpSpPr>
+      <p:grpSpPr>
+        <a:xfrm>
+          <a:off x="0" y="0"/>
+          <a:ext cx="0" cy="0"/>
+          <a:chOff x="0" y="0"/>
+          <a:chExt cx="0" cy="0"/>
+        </a:xfrm>
+      </p:grpSpPr>
+      <p:sp>
+        <p:nvSpPr>
+          <p:cNvPr id="4" name="Rectangle 3">
+            <a:extLst>
+              <a:ext uri="{FF2B5EF4-FFF2-40B4-BE49-F238E27FC236}">
+                <a16:creationId xmlns:a16="http://schemas.microsoft.com/office/drawing/2014/main" id="{678F1DA2-2833-49FF-9287-44720AC6C8D2}"/>
+              </a:ext>
+            </a:extLst>
+          </p:cNvPr>
+          <p:cNvSpPr/>
+          <p:nvPr/>
+        </p:nvSpPr>
+        <p:spPr>
+          <a:xfrm>
+            <a:off x="0" y="6581001"/>
+            <a:ext cx="9976268" cy="276999"/>
+          </a:xfrm>
+          <a:prstGeom prst="rect">
+            <a:avLst/>
+          </a:prstGeom>
+          <a:solidFill>
+            <a:srgbClr val="92D050"/>
+          </a:solidFill>
+          <a:ln>
+            <a:noFill/>
+          </a:ln>
+        </p:spPr>
+        <p:style>
+          <a:lnRef idx="2">
+            <a:schemeClr val="accent1">
+              <a:shade val="50000"/>
+            </a:schemeClr>
+          </a:lnRef>
+          <a:fillRef idx="1">
+            <a:schemeClr val="accent1"/>
+          </a:fillRef>
+          <a:effectRef idx="0">
+            <a:schemeClr val="accent1"/>
+          </a:effectRef>
+          <a:fontRef idx="minor">
+            <a:schemeClr val="lt1"/>
+          </a:fontRef>
+        </p:style>
+        <p:txBody>
+          <a:bodyPr rtlCol="0" anchor="ctr"/>
+          <a:lstStyle/>
+          <a:p>
+            <a:pPr algn="ctr"/>
+            <a:endParaRPr lang="en-US" dirty="0"/>
+          </a:p>
+        </p:txBody>
+      </p:sp>
+      <p:sp>
+        <p:nvSpPr>
+          <p:cNvPr id="5" name="TextBox 4">
+            <a:extLst>
+              <a:ext uri="{FF2B5EF4-FFF2-40B4-BE49-F238E27FC236}">
+                <a16:creationId xmlns:a16="http://schemas.microsoft.com/office/drawing/2014/main" id="{9758F7A4-2143-4CCD-B8B3-8B4A1461ECF9}"/>
+              </a:ext>
+            </a:extLst>
+          </p:cNvPr>
+          <p:cNvSpPr txBox="1"/>
+          <p:nvPr/>
+        </p:nvSpPr>
+        <p:spPr>
+          <a:xfrm>
+            <a:off x="36674" y="6583215"/>
+            <a:ext cx="2682077" cy="276999"/>
+          </a:xfrm>
+          <a:prstGeom prst="rect">
+            <a:avLst/>
+          </a:prstGeom>
+          <a:noFill/>
+        </p:spPr>
+        <p:txBody>
+          <a:bodyPr wrap="square" rtlCol="0">
+            <a:spAutoFit/>
+          </a:bodyPr>
+          <a:lstStyle/>
+          <a:p>
+            <a:r>
+              <a:rPr lang="en-US" sz="1200" dirty="0">
+                <a:solidFill>
+                  <a:schemeClr val="bg1"/>
+                </a:solidFill>
+              </a:rPr>
+              <a:t>Building Personal Websites</a:t>
+            </a:r>
+          </a:p>
+        </p:txBody>
+      </p:sp>
+      <p:sp>
+        <p:nvSpPr>
+          <p:cNvPr id="6" name="Rectangle 5">
+            <a:extLst>
+              <a:ext uri="{FF2B5EF4-FFF2-40B4-BE49-F238E27FC236}">
+                <a16:creationId xmlns:a16="http://schemas.microsoft.com/office/drawing/2014/main" id="{40845236-8634-4353-BA0D-8817FE36EC7A}"/>
+              </a:ext>
+            </a:extLst>
+          </p:cNvPr>
+          <p:cNvSpPr/>
+          <p:nvPr/>
+        </p:nvSpPr>
+        <p:spPr>
+          <a:xfrm>
+            <a:off x="9921514" y="6581001"/>
+            <a:ext cx="2270485" cy="276999"/>
+          </a:xfrm>
+          <a:prstGeom prst="rect">
+            <a:avLst/>
+          </a:prstGeom>
+          <a:solidFill>
+            <a:srgbClr val="00B0F0"/>
+          </a:solidFill>
+          <a:ln>
+            <a:noFill/>
+          </a:ln>
+        </p:spPr>
+        <p:style>
+          <a:lnRef idx="2">
+            <a:schemeClr val="accent1">
+              <a:shade val="50000"/>
+            </a:schemeClr>
+          </a:lnRef>
+          <a:fillRef idx="1">
+            <a:schemeClr val="accent1"/>
+          </a:fillRef>
+          <a:effectRef idx="0">
+            <a:schemeClr val="accent1"/>
+          </a:effectRef>
+          <a:fontRef idx="minor">
+            <a:schemeClr val="lt1"/>
+          </a:fontRef>
+        </p:style>
+        <p:txBody>
+          <a:bodyPr rtlCol="0" anchor="ctr"/>
+          <a:lstStyle/>
+          <a:p>
+            <a:pPr algn="ctr"/>
+            <a:endParaRPr lang="en-US" dirty="0"/>
+          </a:p>
+        </p:txBody>
+      </p:sp>
+      <p:sp>
+        <p:nvSpPr>
+          <p:cNvPr id="8" name="TextBox 7">
+            <a:extLst>
+              <a:ext uri="{FF2B5EF4-FFF2-40B4-BE49-F238E27FC236}">
+                <a16:creationId xmlns:a16="http://schemas.microsoft.com/office/drawing/2014/main" id="{6403EA4A-E7EB-4525-B0D2-13B3997D5780}"/>
+              </a:ext>
+            </a:extLst>
+          </p:cNvPr>
+          <p:cNvSpPr txBox="1"/>
+          <p:nvPr/>
+        </p:nvSpPr>
+        <p:spPr>
+          <a:xfrm>
+            <a:off x="9958188" y="6578787"/>
+            <a:ext cx="2682077" cy="276999"/>
+          </a:xfrm>
+          <a:prstGeom prst="rect">
+            <a:avLst/>
+          </a:prstGeom>
+          <a:noFill/>
+        </p:spPr>
+        <p:txBody>
+          <a:bodyPr wrap="square" rtlCol="0">
+            <a:spAutoFit/>
+          </a:bodyPr>
+          <a:lstStyle/>
+          <a:p>
+            <a:r>
+              <a:rPr lang="en-US" sz="1200" dirty="0">
+                <a:solidFill>
+                  <a:schemeClr val="bg1"/>
+                </a:solidFill>
+              </a:rPr>
+              <a:t>Lecture 14 | Interactive Elements</a:t>
+            </a:r>
+          </a:p>
+        </p:txBody>
+      </p:sp>
+      <p:sp>
+        <p:nvSpPr>
+          <p:cNvPr id="7" name="TextBox 6">
+            <a:extLst>
+              <a:ext uri="{FF2B5EF4-FFF2-40B4-BE49-F238E27FC236}">
+                <a16:creationId xmlns:a16="http://schemas.microsoft.com/office/drawing/2014/main" id="{5760102D-7801-5740-8ECF-B54D06E9F1EA}"/>
+              </a:ext>
+            </a:extLst>
+          </p:cNvPr>
+          <p:cNvSpPr txBox="1"/>
+          <p:nvPr/>
+        </p:nvSpPr>
+        <p:spPr>
+          <a:xfrm>
+            <a:off x="3474369" y="10633"/>
+            <a:ext cx="5310478" cy="1003031"/>
+          </a:xfrm>
+          <a:prstGeom prst="rect">
+            <a:avLst/>
+          </a:prstGeom>
+          <a:noFill/>
+        </p:spPr>
+        <p:txBody>
+          <a:bodyPr wrap="square" rtlCol="0">
+            <a:spAutoFit/>
+          </a:bodyPr>
+          <a:lstStyle/>
+          <a:p>
+            <a:pPr algn="ctr">
+              <a:lnSpc>
+                <a:spcPct val="150000"/>
+              </a:lnSpc>
+            </a:pPr>
+            <a:r>
+              <a:rPr lang="en-US" sz="4400" dirty="0"/>
+              <a:t>Min &amp; Max Height</a:t>
+            </a:r>
+          </a:p>
+        </p:txBody>
+      </p:sp>
+      <p:cxnSp>
+        <p:nvCxnSpPr>
+          <p:cNvPr id="9" name="Straight Connector 8">
+            <a:extLst>
+              <a:ext uri="{FF2B5EF4-FFF2-40B4-BE49-F238E27FC236}">
+                <a16:creationId xmlns:a16="http://schemas.microsoft.com/office/drawing/2014/main" id="{646ED5A1-C2B9-0946-81D8-FEC995F80ADC}"/>
+              </a:ext>
+            </a:extLst>
+          </p:cNvPr>
+          <p:cNvCxnSpPr>
+            <a:cxnSpLocks/>
+          </p:cNvCxnSpPr>
+          <p:nvPr/>
+        </p:nvCxnSpPr>
+        <p:spPr>
+          <a:xfrm>
+            <a:off x="5930248" y="1013664"/>
+            <a:ext cx="419986" cy="0"/>
+          </a:xfrm>
+          <a:prstGeom prst="line">
+            <a:avLst/>
+          </a:prstGeom>
+          <a:ln w="28575"/>
+        </p:spPr>
+        <p:style>
+          <a:lnRef idx="1">
+            <a:schemeClr val="dk1"/>
+          </a:lnRef>
+          <a:fillRef idx="0">
+            <a:schemeClr val="dk1"/>
+          </a:fillRef>
+          <a:effectRef idx="0">
+            <a:schemeClr val="dk1"/>
+          </a:effectRef>
+          <a:fontRef idx="minor">
+            <a:schemeClr val="tx1"/>
+          </a:fontRef>
+        </p:style>
+      </p:cxnSp>
+      <p:sp>
+        <p:nvSpPr>
+          <p:cNvPr id="15" name="Rectangle 14">
+            <a:extLst>
+              <a:ext uri="{FF2B5EF4-FFF2-40B4-BE49-F238E27FC236}">
+                <a16:creationId xmlns:a16="http://schemas.microsoft.com/office/drawing/2014/main" id="{D2EC83E7-7C84-FC4F-9BB0-3724B50C8C54}"/>
+              </a:ext>
+            </a:extLst>
+          </p:cNvPr>
+          <p:cNvSpPr/>
+          <p:nvPr/>
+        </p:nvSpPr>
+        <p:spPr>
+          <a:xfrm>
+            <a:off x="751199" y="2387771"/>
+            <a:ext cx="10484937" cy="673312"/>
+          </a:xfrm>
+          <a:prstGeom prst="rect">
+            <a:avLst/>
+          </a:prstGeom>
+          <a:solidFill>
+            <a:schemeClr val="bg1">
+              <a:lumMod val="95000"/>
+            </a:schemeClr>
+          </a:solidFill>
+          <a:ln w="3175">
+            <a:solidFill>
+              <a:schemeClr val="bg1">
+                <a:lumMod val="85000"/>
+              </a:schemeClr>
+            </a:solidFill>
+          </a:ln>
+        </p:spPr>
+        <p:style>
+          <a:lnRef idx="2">
+            <a:schemeClr val="accent1">
+              <a:shade val="50000"/>
+            </a:schemeClr>
+          </a:lnRef>
+          <a:fillRef idx="1">
+            <a:schemeClr val="accent1"/>
+          </a:fillRef>
+          <a:effectRef idx="0">
+            <a:schemeClr val="accent1"/>
+          </a:effectRef>
+          <a:fontRef idx="minor">
+            <a:schemeClr val="lt1"/>
+          </a:fontRef>
+        </p:style>
+        <p:txBody>
+          <a:bodyPr rtlCol="0" anchor="ctr"/>
+          <a:lstStyle/>
+          <a:p>
+            <a:pPr lvl="1"/>
+            <a:r>
+              <a:rPr lang="en-US" dirty="0">
+                <a:solidFill>
+                  <a:schemeClr val="accent1"/>
+                </a:solidFill>
+              </a:rPr>
+              <a:t>min-height: 100px;</a:t>
+            </a:r>
+          </a:p>
+        </p:txBody>
+      </p:sp>
+      <p:sp>
+        <p:nvSpPr>
+          <p:cNvPr id="16" name="TextBox 15">
+            <a:extLst>
+              <a:ext uri="{FF2B5EF4-FFF2-40B4-BE49-F238E27FC236}">
+                <a16:creationId xmlns:a16="http://schemas.microsoft.com/office/drawing/2014/main" id="{5D91C9F7-BCF2-F84A-98B9-D98E90915AA5}"/>
+              </a:ext>
+            </a:extLst>
+          </p:cNvPr>
+          <p:cNvSpPr txBox="1"/>
+          <p:nvPr/>
+        </p:nvSpPr>
+        <p:spPr>
+          <a:xfrm>
+            <a:off x="675384" y="1960041"/>
+            <a:ext cx="5009448" cy="464871"/>
+          </a:xfrm>
+          <a:prstGeom prst="rect">
+            <a:avLst/>
+          </a:prstGeom>
+          <a:noFill/>
+        </p:spPr>
+        <p:txBody>
+          <a:bodyPr wrap="none" rtlCol="0">
+            <a:spAutoFit/>
+          </a:bodyPr>
+          <a:lstStyle/>
+          <a:p>
+            <a:pPr>
+              <a:lnSpc>
+                <a:spcPct val="150000"/>
+              </a:lnSpc>
+            </a:pPr>
+            <a:r>
+              <a:rPr lang="en-US" dirty="0"/>
+              <a:t>Sets height to ‘auto’ or 100px, whichever is greater:</a:t>
+            </a:r>
+          </a:p>
+        </p:txBody>
+      </p:sp>
+      <p:sp>
+        <p:nvSpPr>
+          <p:cNvPr id="17" name="Rectangle 16">
+            <a:extLst>
+              <a:ext uri="{FF2B5EF4-FFF2-40B4-BE49-F238E27FC236}">
+                <a16:creationId xmlns:a16="http://schemas.microsoft.com/office/drawing/2014/main" id="{7EB79739-F1D9-2445-8603-65C23110D6FC}"/>
+              </a:ext>
+            </a:extLst>
+          </p:cNvPr>
+          <p:cNvSpPr/>
+          <p:nvPr/>
+        </p:nvSpPr>
+        <p:spPr>
+          <a:xfrm>
+            <a:off x="751199" y="3594995"/>
+            <a:ext cx="10484937" cy="673312"/>
+          </a:xfrm>
+          <a:prstGeom prst="rect">
+            <a:avLst/>
+          </a:prstGeom>
+          <a:solidFill>
+            <a:schemeClr val="bg1">
+              <a:lumMod val="95000"/>
+            </a:schemeClr>
+          </a:solidFill>
+          <a:ln w="3175">
+            <a:solidFill>
+              <a:schemeClr val="bg1">
+                <a:lumMod val="85000"/>
+              </a:schemeClr>
+            </a:solidFill>
+          </a:ln>
+        </p:spPr>
+        <p:style>
+          <a:lnRef idx="2">
+            <a:schemeClr val="accent1">
+              <a:shade val="50000"/>
+            </a:schemeClr>
+          </a:lnRef>
+          <a:fillRef idx="1">
+            <a:schemeClr val="accent1"/>
+          </a:fillRef>
+          <a:effectRef idx="0">
+            <a:schemeClr val="accent1"/>
+          </a:effectRef>
+          <a:fontRef idx="minor">
+            <a:schemeClr val="lt1"/>
+          </a:fontRef>
+        </p:style>
+        <p:txBody>
+          <a:bodyPr rtlCol="0" anchor="ctr"/>
+          <a:lstStyle/>
+          <a:p>
+            <a:pPr lvl="1"/>
+            <a:r>
+              <a:rPr lang="en-US" dirty="0">
+                <a:solidFill>
+                  <a:schemeClr val="accent1"/>
+                </a:solidFill>
+              </a:rPr>
+              <a:t>max-height: 100px;</a:t>
+            </a:r>
+          </a:p>
+        </p:txBody>
+      </p:sp>
+      <p:sp>
+        <p:nvSpPr>
+          <p:cNvPr id="18" name="TextBox 17">
+            <a:extLst>
+              <a:ext uri="{FF2B5EF4-FFF2-40B4-BE49-F238E27FC236}">
+                <a16:creationId xmlns:a16="http://schemas.microsoft.com/office/drawing/2014/main" id="{4927BFED-B0E0-FD4E-ABE3-6FCAAE012807}"/>
+              </a:ext>
+            </a:extLst>
+          </p:cNvPr>
+          <p:cNvSpPr txBox="1"/>
+          <p:nvPr/>
+        </p:nvSpPr>
+        <p:spPr>
+          <a:xfrm>
+            <a:off x="675384" y="3167265"/>
+            <a:ext cx="4677242" cy="464871"/>
+          </a:xfrm>
+          <a:prstGeom prst="rect">
+            <a:avLst/>
+          </a:prstGeom>
+          <a:noFill/>
+        </p:spPr>
+        <p:txBody>
+          <a:bodyPr wrap="none" rtlCol="0">
+            <a:spAutoFit/>
+          </a:bodyPr>
+          <a:lstStyle/>
+          <a:p>
+            <a:pPr>
+              <a:lnSpc>
+                <a:spcPct val="150000"/>
+              </a:lnSpc>
+            </a:pPr>
+            <a:r>
+              <a:rPr lang="en-US" dirty="0"/>
+              <a:t>Sets height to ‘auto’ or 100px, whichever is less:</a:t>
+            </a:r>
+          </a:p>
+        </p:txBody>
+      </p:sp>
+    </p:spTree>
+    <p:extLst>
+      <p:ext uri="{BB962C8B-B14F-4D97-AF65-F5344CB8AC3E}">
+        <p14:creationId xmlns:p14="http://schemas.microsoft.com/office/powerpoint/2010/main" val="315370448"/>
+      </p:ext>
+    </p:extLst>
+  </p:cSld>
+  <p:clrMapOvr>
+    <a:masterClrMapping/>
+  </p:clrMapOvr>
+</p:sld>
+</file>
+
+<file path=ppt/slides/slide11.xml><?xml version="1.0" encoding="utf-8"?>
+<p:sld xmlns:a="http://schemas.openxmlformats.org/drawingml/2006/main" xmlns:r="http://schemas.openxmlformats.org/officeDocument/2006/relationships" xmlns:p="http://schemas.openxmlformats.org/presentationml/2006/main">
+  <p:cSld>
+    <p:bg>
+      <p:bgPr>
+        <a:solidFill>
+          <a:schemeClr val="bg2"/>
+        </a:solidFill>
+        <a:effectLst/>
+      </p:bgPr>
+    </p:bg>
+    <p:spTree>
+      <p:nvGrpSpPr>
+        <p:cNvPr id="1" name=""/>
+        <p:cNvGrpSpPr/>
+        <p:nvPr/>
+      </p:nvGrpSpPr>
+      <p:grpSpPr>
+        <a:xfrm>
+          <a:off x="0" y="0"/>
+          <a:ext cx="0" cy="0"/>
+          <a:chOff x="0" y="0"/>
+          <a:chExt cx="0" cy="0"/>
+        </a:xfrm>
+      </p:grpSpPr>
+      <p:sp>
+        <p:nvSpPr>
+          <p:cNvPr id="4" name="Rectangle 3">
+            <a:extLst>
+              <a:ext uri="{FF2B5EF4-FFF2-40B4-BE49-F238E27FC236}">
+                <a16:creationId xmlns:a16="http://schemas.microsoft.com/office/drawing/2014/main" id="{678F1DA2-2833-49FF-9287-44720AC6C8D2}"/>
+              </a:ext>
+            </a:extLst>
+          </p:cNvPr>
+          <p:cNvSpPr/>
+          <p:nvPr/>
+        </p:nvSpPr>
+        <p:spPr>
+          <a:xfrm>
+            <a:off x="0" y="6581001"/>
+            <a:ext cx="9976268" cy="276999"/>
+          </a:xfrm>
+          <a:prstGeom prst="rect">
+            <a:avLst/>
+          </a:prstGeom>
+          <a:solidFill>
+            <a:srgbClr val="92D050"/>
+          </a:solidFill>
+          <a:ln>
+            <a:noFill/>
+          </a:ln>
+        </p:spPr>
+        <p:style>
+          <a:lnRef idx="2">
+            <a:schemeClr val="accent1">
+              <a:shade val="50000"/>
+            </a:schemeClr>
+          </a:lnRef>
+          <a:fillRef idx="1">
+            <a:schemeClr val="accent1"/>
+          </a:fillRef>
+          <a:effectRef idx="0">
+            <a:schemeClr val="accent1"/>
+          </a:effectRef>
+          <a:fontRef idx="minor">
+            <a:schemeClr val="lt1"/>
+          </a:fontRef>
+        </p:style>
+        <p:txBody>
+          <a:bodyPr rtlCol="0" anchor="ctr"/>
+          <a:lstStyle/>
+          <a:p>
+            <a:pPr algn="ctr"/>
+            <a:endParaRPr lang="en-US" dirty="0"/>
+          </a:p>
+        </p:txBody>
+      </p:sp>
+      <p:sp>
+        <p:nvSpPr>
+          <p:cNvPr id="5" name="TextBox 4">
+            <a:extLst>
+              <a:ext uri="{FF2B5EF4-FFF2-40B4-BE49-F238E27FC236}">
+                <a16:creationId xmlns:a16="http://schemas.microsoft.com/office/drawing/2014/main" id="{9758F7A4-2143-4CCD-B8B3-8B4A1461ECF9}"/>
+              </a:ext>
+            </a:extLst>
+          </p:cNvPr>
+          <p:cNvSpPr txBox="1"/>
+          <p:nvPr/>
+        </p:nvSpPr>
+        <p:spPr>
+          <a:xfrm>
+            <a:off x="36674" y="6583215"/>
+            <a:ext cx="2682077" cy="276999"/>
+          </a:xfrm>
+          <a:prstGeom prst="rect">
+            <a:avLst/>
+          </a:prstGeom>
+          <a:noFill/>
+        </p:spPr>
+        <p:txBody>
+          <a:bodyPr wrap="square" rtlCol="0">
+            <a:spAutoFit/>
+          </a:bodyPr>
+          <a:lstStyle/>
+          <a:p>
+            <a:r>
+              <a:rPr lang="en-US" sz="1200" dirty="0">
+                <a:solidFill>
+                  <a:schemeClr val="bg1"/>
+                </a:solidFill>
+              </a:rPr>
+              <a:t>Building Personal Websites</a:t>
+            </a:r>
+          </a:p>
+        </p:txBody>
+      </p:sp>
+      <p:sp>
+        <p:nvSpPr>
+          <p:cNvPr id="6" name="Rectangle 5">
+            <a:extLst>
+              <a:ext uri="{FF2B5EF4-FFF2-40B4-BE49-F238E27FC236}">
+                <a16:creationId xmlns:a16="http://schemas.microsoft.com/office/drawing/2014/main" id="{40845236-8634-4353-BA0D-8817FE36EC7A}"/>
+              </a:ext>
+            </a:extLst>
+          </p:cNvPr>
+          <p:cNvSpPr/>
+          <p:nvPr/>
+        </p:nvSpPr>
+        <p:spPr>
+          <a:xfrm>
+            <a:off x="9921514" y="6581001"/>
+            <a:ext cx="2270485" cy="276999"/>
+          </a:xfrm>
+          <a:prstGeom prst="rect">
+            <a:avLst/>
+          </a:prstGeom>
+          <a:solidFill>
+            <a:srgbClr val="00B0F0"/>
+          </a:solidFill>
+          <a:ln>
+            <a:noFill/>
+          </a:ln>
+        </p:spPr>
+        <p:style>
+          <a:lnRef idx="2">
+            <a:schemeClr val="accent1">
+              <a:shade val="50000"/>
+            </a:schemeClr>
+          </a:lnRef>
+          <a:fillRef idx="1">
+            <a:schemeClr val="accent1"/>
+          </a:fillRef>
+          <a:effectRef idx="0">
+            <a:schemeClr val="accent1"/>
+          </a:effectRef>
+          <a:fontRef idx="minor">
+            <a:schemeClr val="lt1"/>
+          </a:fontRef>
+        </p:style>
+        <p:txBody>
+          <a:bodyPr rtlCol="0" anchor="ctr"/>
+          <a:lstStyle/>
+          <a:p>
+            <a:pPr algn="ctr"/>
+            <a:endParaRPr lang="en-US" dirty="0"/>
+          </a:p>
+        </p:txBody>
+      </p:sp>
+      <p:sp>
+        <p:nvSpPr>
+          <p:cNvPr id="8" name="TextBox 7">
+            <a:extLst>
+              <a:ext uri="{FF2B5EF4-FFF2-40B4-BE49-F238E27FC236}">
+                <a16:creationId xmlns:a16="http://schemas.microsoft.com/office/drawing/2014/main" id="{6403EA4A-E7EB-4525-B0D2-13B3997D5780}"/>
+              </a:ext>
+            </a:extLst>
+          </p:cNvPr>
+          <p:cNvSpPr txBox="1"/>
+          <p:nvPr/>
+        </p:nvSpPr>
+        <p:spPr>
+          <a:xfrm>
+            <a:off x="9958188" y="6578787"/>
+            <a:ext cx="2682077" cy="276999"/>
+          </a:xfrm>
+          <a:prstGeom prst="rect">
+            <a:avLst/>
+          </a:prstGeom>
+          <a:noFill/>
+        </p:spPr>
+        <p:txBody>
+          <a:bodyPr wrap="square" rtlCol="0">
+            <a:spAutoFit/>
+          </a:bodyPr>
+          <a:lstStyle/>
+          <a:p>
+            <a:r>
+              <a:rPr lang="en-US" sz="1200" dirty="0">
+                <a:solidFill>
+                  <a:schemeClr val="bg1"/>
+                </a:solidFill>
+              </a:rPr>
+              <a:t>Lecture 14 | Interactive Elements</a:t>
+            </a:r>
+          </a:p>
+        </p:txBody>
+      </p:sp>
+      <p:sp>
+        <p:nvSpPr>
+          <p:cNvPr id="7" name="TextBox 6">
+            <a:extLst>
+              <a:ext uri="{FF2B5EF4-FFF2-40B4-BE49-F238E27FC236}">
+                <a16:creationId xmlns:a16="http://schemas.microsoft.com/office/drawing/2014/main" id="{5760102D-7801-5740-8ECF-B54D06E9F1EA}"/>
+              </a:ext>
+            </a:extLst>
+          </p:cNvPr>
+          <p:cNvSpPr txBox="1"/>
+          <p:nvPr/>
+        </p:nvSpPr>
+        <p:spPr>
+          <a:xfrm>
+            <a:off x="3474369" y="10633"/>
+            <a:ext cx="5310478" cy="1003031"/>
+          </a:xfrm>
+          <a:prstGeom prst="rect">
+            <a:avLst/>
+          </a:prstGeom>
+          <a:noFill/>
+        </p:spPr>
+        <p:txBody>
+          <a:bodyPr wrap="square" rtlCol="0">
+            <a:spAutoFit/>
+          </a:bodyPr>
+          <a:lstStyle/>
+          <a:p>
+            <a:pPr algn="ctr">
+              <a:lnSpc>
+                <a:spcPct val="150000"/>
+              </a:lnSpc>
+            </a:pPr>
+            <a:r>
+              <a:rPr lang="en-US" sz="4400" dirty="0"/>
+              <a:t>Reveal Content</a:t>
+            </a:r>
+          </a:p>
+        </p:txBody>
+      </p:sp>
+      <p:cxnSp>
+        <p:nvCxnSpPr>
+          <p:cNvPr id="9" name="Straight Connector 8">
+            <a:extLst>
+              <a:ext uri="{FF2B5EF4-FFF2-40B4-BE49-F238E27FC236}">
+                <a16:creationId xmlns:a16="http://schemas.microsoft.com/office/drawing/2014/main" id="{646ED5A1-C2B9-0946-81D8-FEC995F80ADC}"/>
+              </a:ext>
+            </a:extLst>
+          </p:cNvPr>
+          <p:cNvCxnSpPr>
+            <a:cxnSpLocks/>
+          </p:cNvCxnSpPr>
+          <p:nvPr/>
+        </p:nvCxnSpPr>
+        <p:spPr>
+          <a:xfrm>
+            <a:off x="5930248" y="1013664"/>
+            <a:ext cx="419986" cy="0"/>
+          </a:xfrm>
+          <a:prstGeom prst="line">
+            <a:avLst/>
+          </a:prstGeom>
+          <a:ln w="28575"/>
+        </p:spPr>
+        <p:style>
+          <a:lnRef idx="1">
+            <a:schemeClr val="dk1"/>
+          </a:lnRef>
+          <a:fillRef idx="0">
+            <a:schemeClr val="dk1"/>
+          </a:fillRef>
+          <a:effectRef idx="0">
+            <a:schemeClr val="dk1"/>
+          </a:effectRef>
+          <a:fontRef idx="minor">
+            <a:schemeClr val="tx1"/>
+          </a:fontRef>
+        </p:style>
+      </p:cxnSp>
+      <p:sp>
+        <p:nvSpPr>
+          <p:cNvPr id="12" name="TextBox 11">
+            <a:extLst>
+              <a:ext uri="{FF2B5EF4-FFF2-40B4-BE49-F238E27FC236}">
+                <a16:creationId xmlns:a16="http://schemas.microsoft.com/office/drawing/2014/main" id="{88122BC7-BB43-A647-B4B5-D6187D2FE320}"/>
+              </a:ext>
+            </a:extLst>
+          </p:cNvPr>
+          <p:cNvSpPr txBox="1"/>
+          <p:nvPr/>
+        </p:nvSpPr>
+        <p:spPr>
+          <a:xfrm>
+            <a:off x="667229" y="1354540"/>
+            <a:ext cx="6452728" cy="464871"/>
+          </a:xfrm>
+          <a:prstGeom prst="rect">
+            <a:avLst/>
+          </a:prstGeom>
+          <a:noFill/>
+        </p:spPr>
+        <p:txBody>
+          <a:bodyPr wrap="none" rtlCol="0">
+            <a:spAutoFit/>
+          </a:bodyPr>
+          <a:lstStyle/>
+          <a:p>
+            <a:pPr>
+              <a:lnSpc>
+                <a:spcPct val="150000"/>
+              </a:lnSpc>
+            </a:pPr>
+            <a:r>
+              <a:rPr lang="en-US" dirty="0"/>
+              <a:t>We can instead specify a min &amp; max height and animate over that: </a:t>
+            </a:r>
+          </a:p>
+        </p:txBody>
+      </p:sp>
+      <p:sp>
+        <p:nvSpPr>
+          <p:cNvPr id="15" name="Rectangle 14">
+            <a:extLst>
+              <a:ext uri="{FF2B5EF4-FFF2-40B4-BE49-F238E27FC236}">
+                <a16:creationId xmlns:a16="http://schemas.microsoft.com/office/drawing/2014/main" id="{D2EC83E7-7C84-FC4F-9BB0-3724B50C8C54}"/>
+              </a:ext>
+            </a:extLst>
+          </p:cNvPr>
+          <p:cNvSpPr/>
+          <p:nvPr/>
+        </p:nvSpPr>
+        <p:spPr>
+          <a:xfrm>
+            <a:off x="751199" y="1819411"/>
+            <a:ext cx="10484937" cy="2428778"/>
+          </a:xfrm>
+          <a:prstGeom prst="rect">
+            <a:avLst/>
+          </a:prstGeom>
+          <a:solidFill>
+            <a:schemeClr val="bg1">
+              <a:lumMod val="95000"/>
+            </a:schemeClr>
+          </a:solidFill>
+          <a:ln w="3175">
+            <a:solidFill>
+              <a:schemeClr val="bg1">
+                <a:lumMod val="85000"/>
+              </a:schemeClr>
+            </a:solidFill>
+          </a:ln>
+        </p:spPr>
+        <p:style>
+          <a:lnRef idx="2">
+            <a:schemeClr val="accent1">
+              <a:shade val="50000"/>
+            </a:schemeClr>
+          </a:lnRef>
+          <a:fillRef idx="1">
+            <a:schemeClr val="accent1"/>
+          </a:fillRef>
+          <a:effectRef idx="0">
+            <a:schemeClr val="accent1"/>
+          </a:effectRef>
+          <a:fontRef idx="minor">
+            <a:schemeClr val="lt1"/>
+          </a:fontRef>
+        </p:style>
+        <p:txBody>
+          <a:bodyPr rtlCol="0" anchor="ctr"/>
+          <a:lstStyle/>
+          <a:p>
+            <a:pPr lvl="1"/>
+            <a:r>
+              <a:rPr lang="en-US" dirty="0">
+                <a:solidFill>
+                  <a:schemeClr val="accent2"/>
+                </a:solidFill>
+              </a:rPr>
+              <a:t>.hidden </a:t>
+            </a:r>
+            <a:r>
+              <a:rPr lang="en-US" dirty="0">
+                <a:solidFill>
+                  <a:schemeClr val="tx1"/>
+                </a:solidFill>
+              </a:rPr>
+              <a:t>{</a:t>
+            </a:r>
+          </a:p>
+          <a:p>
+            <a:pPr lvl="1"/>
+            <a:r>
+              <a:rPr lang="en-US" dirty="0">
+                <a:solidFill>
+                  <a:schemeClr val="tx1"/>
+                </a:solidFill>
+              </a:rPr>
+              <a:t>	</a:t>
+            </a:r>
+            <a:r>
+              <a:rPr lang="en-US" dirty="0">
+                <a:solidFill>
+                  <a:schemeClr val="accent1"/>
+                </a:solidFill>
+              </a:rPr>
+              <a:t>overflow: hidden;</a:t>
+            </a:r>
+          </a:p>
+          <a:p>
+            <a:pPr lvl="1"/>
+            <a:r>
+              <a:rPr lang="en-US" dirty="0">
+                <a:solidFill>
+                  <a:schemeClr val="accent1"/>
+                </a:solidFill>
+              </a:rPr>
+              <a:t>	width: 100%;</a:t>
+            </a:r>
+          </a:p>
+          <a:p>
+            <a:pPr lvl="1"/>
+            <a:r>
+              <a:rPr lang="en-US" dirty="0">
+                <a:solidFill>
+                  <a:schemeClr val="accent1"/>
+                </a:solidFill>
+              </a:rPr>
+              <a:t>	max-height: 100px; </a:t>
+            </a:r>
+            <a:r>
+              <a:rPr lang="en-US" dirty="0">
+                <a:solidFill>
+                  <a:schemeClr val="tx1"/>
+                </a:solidFill>
+              </a:rPr>
+              <a:t>}</a:t>
+            </a:r>
+            <a:endParaRPr lang="en-US" dirty="0">
+              <a:solidFill>
+                <a:schemeClr val="bg1">
+                  <a:lumMod val="65000"/>
+                </a:schemeClr>
+              </a:solidFill>
+            </a:endParaRPr>
+          </a:p>
+          <a:p>
+            <a:pPr lvl="1"/>
+            <a:endParaRPr lang="en-US" dirty="0">
+              <a:solidFill>
+                <a:schemeClr val="tx1"/>
+              </a:solidFill>
+            </a:endParaRPr>
+          </a:p>
+          <a:p>
+            <a:pPr lvl="1"/>
+            <a:r>
+              <a:rPr lang="en-US" dirty="0">
+                <a:solidFill>
+                  <a:schemeClr val="accent2"/>
+                </a:solidFill>
+              </a:rPr>
+              <a:t>.</a:t>
+            </a:r>
+            <a:r>
+              <a:rPr lang="en-US" dirty="0" err="1">
+                <a:solidFill>
+                  <a:schemeClr val="accent2"/>
+                </a:solidFill>
+              </a:rPr>
+              <a:t>hidden</a:t>
+            </a:r>
+            <a:r>
+              <a:rPr lang="en-US" dirty="0" err="1">
+                <a:solidFill>
+                  <a:srgbClr val="00B050"/>
+                </a:solidFill>
+              </a:rPr>
+              <a:t>:hover</a:t>
+            </a:r>
+            <a:r>
+              <a:rPr lang="en-US" dirty="0">
+                <a:solidFill>
+                  <a:srgbClr val="00B050"/>
+                </a:solidFill>
+              </a:rPr>
+              <a:t> </a:t>
+            </a:r>
+            <a:r>
+              <a:rPr lang="en-US" dirty="0">
+                <a:solidFill>
+                  <a:schemeClr val="tx1"/>
+                </a:solidFill>
+              </a:rPr>
+              <a:t>{</a:t>
+            </a:r>
+          </a:p>
+          <a:p>
+            <a:pPr lvl="1"/>
+            <a:r>
+              <a:rPr lang="en-US" dirty="0">
+                <a:solidFill>
+                  <a:schemeClr val="tx1"/>
+                </a:solidFill>
+              </a:rPr>
+              <a:t>	</a:t>
+            </a:r>
+            <a:r>
+              <a:rPr lang="en-US" dirty="0">
+                <a:solidFill>
+                  <a:schemeClr val="accent1"/>
+                </a:solidFill>
+              </a:rPr>
+              <a:t>max-height: 500px;</a:t>
+            </a:r>
+          </a:p>
+          <a:p>
+            <a:pPr lvl="1"/>
+            <a:r>
+              <a:rPr lang="en-US" dirty="0">
+                <a:solidFill>
+                  <a:schemeClr val="accent1"/>
+                </a:solidFill>
+              </a:rPr>
+              <a:t>	transition: all 0.5s; </a:t>
+            </a:r>
+            <a:r>
+              <a:rPr lang="en-US" dirty="0">
+                <a:solidFill>
+                  <a:schemeClr val="tx1"/>
+                </a:solidFill>
+              </a:rPr>
+              <a:t>}</a:t>
+            </a:r>
+          </a:p>
+        </p:txBody>
+      </p:sp>
+      <p:sp>
+        <p:nvSpPr>
+          <p:cNvPr id="10" name="TextBox 9">
+            <a:extLst>
+              <a:ext uri="{FF2B5EF4-FFF2-40B4-BE49-F238E27FC236}">
+                <a16:creationId xmlns:a16="http://schemas.microsoft.com/office/drawing/2014/main" id="{6D36CABA-6DE5-8E4D-A47C-C75B35E6E1EF}"/>
+              </a:ext>
+            </a:extLst>
+          </p:cNvPr>
+          <p:cNvSpPr txBox="1"/>
+          <p:nvPr/>
+        </p:nvSpPr>
+        <p:spPr>
+          <a:xfrm>
+            <a:off x="667229" y="4361068"/>
+            <a:ext cx="9287607" cy="464871"/>
+          </a:xfrm>
+          <a:prstGeom prst="rect">
+            <a:avLst/>
+          </a:prstGeom>
+          <a:noFill/>
+        </p:spPr>
+        <p:txBody>
+          <a:bodyPr wrap="none" rtlCol="0">
+            <a:spAutoFit/>
+          </a:bodyPr>
+          <a:lstStyle/>
+          <a:p>
+            <a:pPr>
+              <a:lnSpc>
+                <a:spcPct val="150000"/>
+              </a:lnSpc>
+            </a:pPr>
+            <a:r>
+              <a:rPr lang="en-US" dirty="0"/>
+              <a:t>Animation speed: (500px – 100px) / 0.5s = 800px/s, despite container being less than 500px high.</a:t>
+            </a:r>
+          </a:p>
+        </p:txBody>
+      </p:sp>
+      <p:sp>
+        <p:nvSpPr>
+          <p:cNvPr id="11" name="TextBox 10">
+            <a:extLst>
+              <a:ext uri="{FF2B5EF4-FFF2-40B4-BE49-F238E27FC236}">
+                <a16:creationId xmlns:a16="http://schemas.microsoft.com/office/drawing/2014/main" id="{1EEB4828-9844-CE48-B2C3-A340FDAAE13E}"/>
+              </a:ext>
+            </a:extLst>
+          </p:cNvPr>
+          <p:cNvSpPr txBox="1"/>
+          <p:nvPr/>
+        </p:nvSpPr>
+        <p:spPr>
+          <a:xfrm>
+            <a:off x="667228" y="4892177"/>
+            <a:ext cx="7761099" cy="1295868"/>
+          </a:xfrm>
+          <a:prstGeom prst="rect">
+            <a:avLst/>
+          </a:prstGeom>
+          <a:noFill/>
+        </p:spPr>
+        <p:txBody>
+          <a:bodyPr wrap="none" rtlCol="0">
+            <a:spAutoFit/>
+          </a:bodyPr>
+          <a:lstStyle/>
+          <a:p>
+            <a:pPr>
+              <a:lnSpc>
+                <a:spcPct val="150000"/>
+              </a:lnSpc>
+            </a:pPr>
+            <a:r>
+              <a:rPr lang="en-US" dirty="0"/>
+              <a:t>Issue: we need to pick an appropriate max-height:</a:t>
+            </a:r>
+          </a:p>
+          <a:p>
+            <a:pPr>
+              <a:lnSpc>
+                <a:spcPct val="150000"/>
+              </a:lnSpc>
+            </a:pPr>
+            <a:r>
+              <a:rPr lang="en-US" dirty="0"/>
+              <a:t>	- Pick to small, and not all our content is shown.</a:t>
+            </a:r>
+          </a:p>
+          <a:p>
+            <a:pPr>
+              <a:lnSpc>
+                <a:spcPct val="150000"/>
+              </a:lnSpc>
+            </a:pPr>
+            <a:r>
+              <a:rPr lang="en-US" dirty="0"/>
+              <a:t>	- Pick to large, and animation speed is high that we don’t even notice it.</a:t>
+            </a:r>
+          </a:p>
+        </p:txBody>
+      </p:sp>
+    </p:spTree>
+    <p:extLst>
+      <p:ext uri="{BB962C8B-B14F-4D97-AF65-F5344CB8AC3E}">
+        <p14:creationId xmlns:p14="http://schemas.microsoft.com/office/powerpoint/2010/main" val="2843968736"/>
+      </p:ext>
+    </p:extLst>
+  </p:cSld>
+  <p:clrMapOvr>
+    <a:masterClrMapping/>
+  </p:clrMapOvr>
+</p:sld>
+</file>
+
+<file path=ppt/slides/slide12.xml><?xml version="1.0" encoding="utf-8"?>
+<p:sld xmlns:a="http://schemas.openxmlformats.org/drawingml/2006/main" xmlns:r="http://schemas.openxmlformats.org/officeDocument/2006/relationships" xmlns:p="http://schemas.openxmlformats.org/presentationml/2006/main">
+  <p:cSld>
+    <p:bg>
+      <p:bgPr>
+        <a:solidFill>
+          <a:schemeClr val="bg2"/>
+        </a:solidFill>
+        <a:effectLst/>
+      </p:bgPr>
+    </p:bg>
+    <p:spTree>
+      <p:nvGrpSpPr>
+        <p:cNvPr id="1" name=""/>
+        <p:cNvGrpSpPr/>
+        <p:nvPr/>
+      </p:nvGrpSpPr>
+      <p:grpSpPr>
+        <a:xfrm>
+          <a:off x="0" y="0"/>
+          <a:ext cx="0" cy="0"/>
+          <a:chOff x="0" y="0"/>
+          <a:chExt cx="0" cy="0"/>
+        </a:xfrm>
+      </p:grpSpPr>
+      <p:sp>
+        <p:nvSpPr>
+          <p:cNvPr id="4" name="Rectangle 3">
+            <a:extLst>
+              <a:ext uri="{FF2B5EF4-FFF2-40B4-BE49-F238E27FC236}">
+                <a16:creationId xmlns:a16="http://schemas.microsoft.com/office/drawing/2014/main" id="{678F1DA2-2833-49FF-9287-44720AC6C8D2}"/>
+              </a:ext>
+            </a:extLst>
+          </p:cNvPr>
+          <p:cNvSpPr/>
+          <p:nvPr/>
+        </p:nvSpPr>
+        <p:spPr>
+          <a:xfrm>
+            <a:off x="0" y="6581001"/>
+            <a:ext cx="9976268" cy="276999"/>
+          </a:xfrm>
+          <a:prstGeom prst="rect">
+            <a:avLst/>
+          </a:prstGeom>
+          <a:solidFill>
+            <a:srgbClr val="92D050"/>
+          </a:solidFill>
+          <a:ln>
+            <a:noFill/>
+          </a:ln>
+        </p:spPr>
+        <p:style>
+          <a:lnRef idx="2">
+            <a:schemeClr val="accent1">
+              <a:shade val="50000"/>
+            </a:schemeClr>
+          </a:lnRef>
+          <a:fillRef idx="1">
+            <a:schemeClr val="accent1"/>
+          </a:fillRef>
+          <a:effectRef idx="0">
+            <a:schemeClr val="accent1"/>
+          </a:effectRef>
+          <a:fontRef idx="minor">
+            <a:schemeClr val="lt1"/>
+          </a:fontRef>
+        </p:style>
+        <p:txBody>
+          <a:bodyPr rtlCol="0" anchor="ctr"/>
+          <a:lstStyle/>
+          <a:p>
+            <a:pPr algn="ctr"/>
+            <a:endParaRPr lang="en-US" dirty="0"/>
+          </a:p>
+        </p:txBody>
+      </p:sp>
+      <p:sp>
+        <p:nvSpPr>
+          <p:cNvPr id="5" name="TextBox 4">
+            <a:extLst>
+              <a:ext uri="{FF2B5EF4-FFF2-40B4-BE49-F238E27FC236}">
+                <a16:creationId xmlns:a16="http://schemas.microsoft.com/office/drawing/2014/main" id="{9758F7A4-2143-4CCD-B8B3-8B4A1461ECF9}"/>
+              </a:ext>
+            </a:extLst>
+          </p:cNvPr>
+          <p:cNvSpPr txBox="1"/>
+          <p:nvPr/>
+        </p:nvSpPr>
+        <p:spPr>
+          <a:xfrm>
+            <a:off x="36674" y="6583215"/>
+            <a:ext cx="2682077" cy="276999"/>
+          </a:xfrm>
+          <a:prstGeom prst="rect">
+            <a:avLst/>
+          </a:prstGeom>
+          <a:noFill/>
+        </p:spPr>
+        <p:txBody>
+          <a:bodyPr wrap="square" rtlCol="0">
+            <a:spAutoFit/>
+          </a:bodyPr>
+          <a:lstStyle/>
+          <a:p>
+            <a:r>
+              <a:rPr lang="en-US" sz="1200" dirty="0">
+                <a:solidFill>
+                  <a:schemeClr val="bg1"/>
+                </a:solidFill>
+              </a:rPr>
+              <a:t>Building Personal Websites</a:t>
+            </a:r>
+          </a:p>
+        </p:txBody>
+      </p:sp>
+      <p:sp>
+        <p:nvSpPr>
+          <p:cNvPr id="6" name="Rectangle 5">
+            <a:extLst>
+              <a:ext uri="{FF2B5EF4-FFF2-40B4-BE49-F238E27FC236}">
+                <a16:creationId xmlns:a16="http://schemas.microsoft.com/office/drawing/2014/main" id="{40845236-8634-4353-BA0D-8817FE36EC7A}"/>
+              </a:ext>
+            </a:extLst>
+          </p:cNvPr>
+          <p:cNvSpPr/>
+          <p:nvPr/>
+        </p:nvSpPr>
+        <p:spPr>
+          <a:xfrm>
+            <a:off x="9921514" y="6581001"/>
+            <a:ext cx="2270485" cy="276999"/>
+          </a:xfrm>
+          <a:prstGeom prst="rect">
+            <a:avLst/>
+          </a:prstGeom>
+          <a:solidFill>
+            <a:srgbClr val="00B0F0"/>
+          </a:solidFill>
+          <a:ln>
+            <a:noFill/>
+          </a:ln>
+        </p:spPr>
+        <p:style>
+          <a:lnRef idx="2">
+            <a:schemeClr val="accent1">
+              <a:shade val="50000"/>
+            </a:schemeClr>
+          </a:lnRef>
+          <a:fillRef idx="1">
+            <a:schemeClr val="accent1"/>
+          </a:fillRef>
+          <a:effectRef idx="0">
+            <a:schemeClr val="accent1"/>
+          </a:effectRef>
+          <a:fontRef idx="minor">
+            <a:schemeClr val="lt1"/>
+          </a:fontRef>
+        </p:style>
+        <p:txBody>
+          <a:bodyPr rtlCol="0" anchor="ctr"/>
+          <a:lstStyle/>
+          <a:p>
+            <a:pPr algn="ctr"/>
+            <a:endParaRPr lang="en-US" dirty="0"/>
+          </a:p>
+        </p:txBody>
+      </p:sp>
+      <p:sp>
+        <p:nvSpPr>
+          <p:cNvPr id="8" name="TextBox 7">
+            <a:extLst>
+              <a:ext uri="{FF2B5EF4-FFF2-40B4-BE49-F238E27FC236}">
+                <a16:creationId xmlns:a16="http://schemas.microsoft.com/office/drawing/2014/main" id="{6403EA4A-E7EB-4525-B0D2-13B3997D5780}"/>
+              </a:ext>
+            </a:extLst>
+          </p:cNvPr>
+          <p:cNvSpPr txBox="1"/>
+          <p:nvPr/>
+        </p:nvSpPr>
+        <p:spPr>
+          <a:xfrm>
+            <a:off x="9958188" y="6578787"/>
+            <a:ext cx="2682077" cy="276999"/>
+          </a:xfrm>
+          <a:prstGeom prst="rect">
+            <a:avLst/>
+          </a:prstGeom>
+          <a:noFill/>
+        </p:spPr>
+        <p:txBody>
+          <a:bodyPr wrap="square" rtlCol="0">
+            <a:spAutoFit/>
+          </a:bodyPr>
+          <a:lstStyle/>
+          <a:p>
+            <a:r>
+              <a:rPr lang="en-US" sz="1200" dirty="0">
+                <a:solidFill>
+                  <a:schemeClr val="bg1"/>
+                </a:solidFill>
+              </a:rPr>
+              <a:t>Lecture 14 | Interactive Elements</a:t>
+            </a:r>
+          </a:p>
+        </p:txBody>
+      </p:sp>
+      <p:sp>
+        <p:nvSpPr>
+          <p:cNvPr id="7" name="TextBox 6">
+            <a:extLst>
+              <a:ext uri="{FF2B5EF4-FFF2-40B4-BE49-F238E27FC236}">
+                <a16:creationId xmlns:a16="http://schemas.microsoft.com/office/drawing/2014/main" id="{5760102D-7801-5740-8ECF-B54D06E9F1EA}"/>
+              </a:ext>
+            </a:extLst>
+          </p:cNvPr>
+          <p:cNvSpPr txBox="1"/>
+          <p:nvPr/>
+        </p:nvSpPr>
+        <p:spPr>
+          <a:xfrm>
+            <a:off x="3474369" y="10633"/>
+            <a:ext cx="5310478" cy="1003031"/>
+          </a:xfrm>
+          <a:prstGeom prst="rect">
+            <a:avLst/>
+          </a:prstGeom>
+          <a:noFill/>
+        </p:spPr>
+        <p:txBody>
+          <a:bodyPr wrap="square" rtlCol="0">
+            <a:spAutoFit/>
+          </a:bodyPr>
+          <a:lstStyle/>
+          <a:p>
+            <a:pPr algn="ctr">
+              <a:lnSpc>
+                <a:spcPct val="150000"/>
+              </a:lnSpc>
+            </a:pPr>
+            <a:r>
+              <a:rPr lang="en-US" sz="4400" dirty="0"/>
+              <a:t>Buttons Dropdowns</a:t>
+            </a:r>
+          </a:p>
+        </p:txBody>
+      </p:sp>
+      <p:cxnSp>
+        <p:nvCxnSpPr>
+          <p:cNvPr id="9" name="Straight Connector 8">
+            <a:extLst>
+              <a:ext uri="{FF2B5EF4-FFF2-40B4-BE49-F238E27FC236}">
+                <a16:creationId xmlns:a16="http://schemas.microsoft.com/office/drawing/2014/main" id="{646ED5A1-C2B9-0946-81D8-FEC995F80ADC}"/>
+              </a:ext>
+            </a:extLst>
+          </p:cNvPr>
+          <p:cNvCxnSpPr>
+            <a:cxnSpLocks/>
+          </p:cNvCxnSpPr>
+          <p:nvPr/>
+        </p:nvCxnSpPr>
+        <p:spPr>
+          <a:xfrm>
+            <a:off x="5930248" y="1013664"/>
+            <a:ext cx="419986" cy="0"/>
+          </a:xfrm>
+          <a:prstGeom prst="line">
+            <a:avLst/>
+          </a:prstGeom>
+          <a:ln w="28575"/>
+        </p:spPr>
+        <p:style>
+          <a:lnRef idx="1">
+            <a:schemeClr val="dk1"/>
+          </a:lnRef>
+          <a:fillRef idx="0">
+            <a:schemeClr val="dk1"/>
+          </a:fillRef>
+          <a:effectRef idx="0">
+            <a:schemeClr val="dk1"/>
+          </a:effectRef>
+          <a:fontRef idx="minor">
+            <a:schemeClr val="tx1"/>
+          </a:fontRef>
+        </p:style>
+      </p:cxnSp>
+      <p:sp>
+        <p:nvSpPr>
+          <p:cNvPr id="12" name="TextBox 11">
+            <a:extLst>
+              <a:ext uri="{FF2B5EF4-FFF2-40B4-BE49-F238E27FC236}">
+                <a16:creationId xmlns:a16="http://schemas.microsoft.com/office/drawing/2014/main" id="{88122BC7-BB43-A647-B4B5-D6187D2FE320}"/>
+              </a:ext>
+            </a:extLst>
+          </p:cNvPr>
+          <p:cNvSpPr txBox="1"/>
+          <p:nvPr/>
+        </p:nvSpPr>
+        <p:spPr>
+          <a:xfrm>
+            <a:off x="667229" y="1354540"/>
+            <a:ext cx="2625014" cy="464871"/>
+          </a:xfrm>
+          <a:prstGeom prst="rect">
+            <a:avLst/>
+          </a:prstGeom>
+          <a:noFill/>
+        </p:spPr>
+        <p:txBody>
+          <a:bodyPr wrap="none" rtlCol="0">
+            <a:spAutoFit/>
+          </a:bodyPr>
+          <a:lstStyle/>
+          <a:p>
+            <a:pPr>
+              <a:lnSpc>
+                <a:spcPct val="150000"/>
+              </a:lnSpc>
+            </a:pPr>
+            <a:r>
+              <a:rPr lang="en-US" dirty="0"/>
+              <a:t>Creating a custom button:</a:t>
+            </a:r>
+          </a:p>
+        </p:txBody>
+      </p:sp>
+      <p:sp>
+        <p:nvSpPr>
+          <p:cNvPr id="15" name="Rectangle 14">
+            <a:extLst>
+              <a:ext uri="{FF2B5EF4-FFF2-40B4-BE49-F238E27FC236}">
+                <a16:creationId xmlns:a16="http://schemas.microsoft.com/office/drawing/2014/main" id="{D2EC83E7-7C84-FC4F-9BB0-3724B50C8C54}"/>
+              </a:ext>
+            </a:extLst>
+          </p:cNvPr>
+          <p:cNvSpPr/>
+          <p:nvPr/>
+        </p:nvSpPr>
+        <p:spPr>
+          <a:xfrm>
+            <a:off x="751199" y="1819411"/>
+            <a:ext cx="10484937" cy="2428778"/>
+          </a:xfrm>
+          <a:prstGeom prst="rect">
+            <a:avLst/>
+          </a:prstGeom>
+          <a:solidFill>
+            <a:schemeClr val="bg1">
+              <a:lumMod val="95000"/>
+            </a:schemeClr>
+          </a:solidFill>
+          <a:ln w="3175">
+            <a:solidFill>
+              <a:schemeClr val="bg1">
+                <a:lumMod val="85000"/>
+              </a:schemeClr>
+            </a:solidFill>
+          </a:ln>
+        </p:spPr>
+        <p:style>
+          <a:lnRef idx="2">
+            <a:schemeClr val="accent1">
+              <a:shade val="50000"/>
+            </a:schemeClr>
+          </a:lnRef>
+          <a:fillRef idx="1">
+            <a:schemeClr val="accent1"/>
+          </a:fillRef>
+          <a:effectRef idx="0">
+            <a:schemeClr val="accent1"/>
+          </a:effectRef>
+          <a:fontRef idx="minor">
+            <a:schemeClr val="lt1"/>
+          </a:fontRef>
+        </p:style>
+        <p:txBody>
+          <a:bodyPr rtlCol="0" anchor="ctr"/>
+          <a:lstStyle/>
+          <a:p>
+            <a:pPr lvl="1"/>
+            <a:r>
+              <a:rPr lang="en-US" dirty="0">
+                <a:solidFill>
+                  <a:schemeClr val="accent2"/>
+                </a:solidFill>
+              </a:rPr>
+              <a:t>.button {</a:t>
+            </a:r>
+          </a:p>
+          <a:p>
+            <a:pPr lvl="1"/>
+            <a:r>
+              <a:rPr lang="en-US" dirty="0">
+                <a:solidFill>
+                  <a:schemeClr val="accent2"/>
+                </a:solidFill>
+              </a:rPr>
+              <a:t>	width: 100px;</a:t>
+            </a:r>
+          </a:p>
+          <a:p>
+            <a:pPr lvl="1"/>
+            <a:r>
+              <a:rPr lang="en-US" dirty="0">
+                <a:solidFill>
+                  <a:schemeClr val="accent2"/>
+                </a:solidFill>
+              </a:rPr>
+              <a:t>	height: 35px;</a:t>
+            </a:r>
+          </a:p>
+          <a:p>
+            <a:pPr lvl="1"/>
+            <a:r>
+              <a:rPr lang="en-US" dirty="0">
+                <a:solidFill>
+                  <a:schemeClr val="accent2"/>
+                </a:solidFill>
+              </a:rPr>
+              <a:t>	background: grey; }</a:t>
+            </a:r>
+            <a:endParaRPr lang="en-US" dirty="0">
+              <a:solidFill>
+                <a:schemeClr val="tx1"/>
+              </a:solidFill>
+            </a:endParaRPr>
+          </a:p>
+        </p:txBody>
+      </p:sp>
+      <p:sp>
+        <p:nvSpPr>
+          <p:cNvPr id="10" name="TextBox 9">
+            <a:extLst>
+              <a:ext uri="{FF2B5EF4-FFF2-40B4-BE49-F238E27FC236}">
+                <a16:creationId xmlns:a16="http://schemas.microsoft.com/office/drawing/2014/main" id="{6D36CABA-6DE5-8E4D-A47C-C75B35E6E1EF}"/>
+              </a:ext>
+            </a:extLst>
+          </p:cNvPr>
+          <p:cNvSpPr txBox="1"/>
+          <p:nvPr/>
+        </p:nvSpPr>
+        <p:spPr>
+          <a:xfrm>
+            <a:off x="667229" y="4361068"/>
+            <a:ext cx="9287607" cy="464871"/>
+          </a:xfrm>
+          <a:prstGeom prst="rect">
+            <a:avLst/>
+          </a:prstGeom>
+          <a:noFill/>
+        </p:spPr>
+        <p:txBody>
+          <a:bodyPr wrap="none" rtlCol="0">
+            <a:spAutoFit/>
+          </a:bodyPr>
+          <a:lstStyle/>
+          <a:p>
+            <a:pPr>
+              <a:lnSpc>
+                <a:spcPct val="150000"/>
+              </a:lnSpc>
+            </a:pPr>
+            <a:r>
+              <a:rPr lang="en-US" dirty="0"/>
+              <a:t>Animation speed: (500px – 100px) / 0.5s = 800px/s, despite container being less than 500px high.</a:t>
+            </a:r>
+          </a:p>
+        </p:txBody>
+      </p:sp>
+      <p:sp>
+        <p:nvSpPr>
+          <p:cNvPr id="11" name="TextBox 10">
+            <a:extLst>
+              <a:ext uri="{FF2B5EF4-FFF2-40B4-BE49-F238E27FC236}">
+                <a16:creationId xmlns:a16="http://schemas.microsoft.com/office/drawing/2014/main" id="{1EEB4828-9844-CE48-B2C3-A340FDAAE13E}"/>
+              </a:ext>
+            </a:extLst>
+          </p:cNvPr>
+          <p:cNvSpPr txBox="1"/>
+          <p:nvPr/>
+        </p:nvSpPr>
+        <p:spPr>
+          <a:xfrm>
+            <a:off x="667228" y="4892177"/>
+            <a:ext cx="7761099" cy="1295868"/>
+          </a:xfrm>
+          <a:prstGeom prst="rect">
+            <a:avLst/>
+          </a:prstGeom>
+          <a:noFill/>
+        </p:spPr>
+        <p:txBody>
+          <a:bodyPr wrap="none" rtlCol="0">
+            <a:spAutoFit/>
+          </a:bodyPr>
+          <a:lstStyle/>
+          <a:p>
+            <a:pPr>
+              <a:lnSpc>
+                <a:spcPct val="150000"/>
+              </a:lnSpc>
+            </a:pPr>
+            <a:r>
+              <a:rPr lang="en-US" dirty="0"/>
+              <a:t>Issue: we need to pick an appropriate max-height:</a:t>
+            </a:r>
+          </a:p>
+          <a:p>
+            <a:pPr>
+              <a:lnSpc>
+                <a:spcPct val="150000"/>
+              </a:lnSpc>
+            </a:pPr>
+            <a:r>
+              <a:rPr lang="en-US" dirty="0"/>
+              <a:t>	- Pick to small, and not all our content is shown.</a:t>
+            </a:r>
+          </a:p>
+          <a:p>
+            <a:pPr>
+              <a:lnSpc>
+                <a:spcPct val="150000"/>
+              </a:lnSpc>
+            </a:pPr>
+            <a:r>
+              <a:rPr lang="en-US" dirty="0"/>
+              <a:t>	- Pick to large, and animation speed is high that we don’t even notice it.</a:t>
+            </a:r>
+          </a:p>
+        </p:txBody>
+      </p:sp>
+    </p:spTree>
+    <p:extLst>
+      <p:ext uri="{BB962C8B-B14F-4D97-AF65-F5344CB8AC3E}">
+        <p14:creationId xmlns:p14="http://schemas.microsoft.com/office/powerpoint/2010/main" val="1976476790"/>
+      </p:ext>
+    </p:extLst>
+  </p:cSld>
+  <p:clrMapOvr>
+    <a:masterClrMapping/>
+  </p:clrMapOvr>
+</p:sld>
+</file>
+
+<file path=ppt/slides/slide13.xml><?xml version="1.0" encoding="utf-8"?>
+<p:sld xmlns:a="http://schemas.openxmlformats.org/drawingml/2006/main" xmlns:r="http://schemas.openxmlformats.org/officeDocument/2006/relationships" xmlns:p="http://schemas.openxmlformats.org/presentationml/2006/main">
+  <p:cSld>
+    <p:bg>
+      <p:bgPr>
+        <a:solidFill>
+          <a:schemeClr val="bg2"/>
+        </a:solidFill>
+        <a:effectLst/>
+      </p:bgPr>
+    </p:bg>
+    <p:spTree>
+      <p:nvGrpSpPr>
+        <p:cNvPr id="1" name=""/>
+        <p:cNvGrpSpPr/>
+        <p:nvPr/>
+      </p:nvGrpSpPr>
+      <p:grpSpPr>
+        <a:xfrm>
+          <a:off x="0" y="0"/>
+          <a:ext cx="0" cy="0"/>
+          <a:chOff x="0" y="0"/>
+          <a:chExt cx="0" cy="0"/>
+        </a:xfrm>
+      </p:grpSpPr>
+      <p:sp>
+        <p:nvSpPr>
+          <p:cNvPr id="4" name="Rectangle 3">
+            <a:extLst>
+              <a:ext uri="{FF2B5EF4-FFF2-40B4-BE49-F238E27FC236}">
+                <a16:creationId xmlns:a16="http://schemas.microsoft.com/office/drawing/2014/main" id="{678F1DA2-2833-49FF-9287-44720AC6C8D2}"/>
+              </a:ext>
+            </a:extLst>
+          </p:cNvPr>
+          <p:cNvSpPr/>
+          <p:nvPr/>
+        </p:nvSpPr>
+        <p:spPr>
+          <a:xfrm>
+            <a:off x="0" y="6581001"/>
+            <a:ext cx="9976268" cy="276999"/>
+          </a:xfrm>
+          <a:prstGeom prst="rect">
+            <a:avLst/>
+          </a:prstGeom>
+          <a:solidFill>
+            <a:srgbClr val="92D050"/>
+          </a:solidFill>
+          <a:ln>
+            <a:noFill/>
+          </a:ln>
+        </p:spPr>
+        <p:style>
+          <a:lnRef idx="2">
+            <a:schemeClr val="accent1">
+              <a:shade val="50000"/>
+            </a:schemeClr>
+          </a:lnRef>
+          <a:fillRef idx="1">
+            <a:schemeClr val="accent1"/>
+          </a:fillRef>
+          <a:effectRef idx="0">
+            <a:schemeClr val="accent1"/>
+          </a:effectRef>
+          <a:fontRef idx="minor">
+            <a:schemeClr val="lt1"/>
+          </a:fontRef>
+        </p:style>
+        <p:txBody>
+          <a:bodyPr rtlCol="0" anchor="ctr"/>
+          <a:lstStyle/>
+          <a:p>
+            <a:pPr algn="ctr"/>
+            <a:endParaRPr lang="en-US" dirty="0"/>
+          </a:p>
+        </p:txBody>
+      </p:sp>
+      <p:sp>
+        <p:nvSpPr>
+          <p:cNvPr id="5" name="TextBox 4">
+            <a:extLst>
+              <a:ext uri="{FF2B5EF4-FFF2-40B4-BE49-F238E27FC236}">
+                <a16:creationId xmlns:a16="http://schemas.microsoft.com/office/drawing/2014/main" id="{9758F7A4-2143-4CCD-B8B3-8B4A1461ECF9}"/>
+              </a:ext>
+            </a:extLst>
+          </p:cNvPr>
+          <p:cNvSpPr txBox="1"/>
+          <p:nvPr/>
+        </p:nvSpPr>
+        <p:spPr>
+          <a:xfrm>
+            <a:off x="36674" y="6583215"/>
+            <a:ext cx="2682077" cy="276999"/>
+          </a:xfrm>
+          <a:prstGeom prst="rect">
+            <a:avLst/>
+          </a:prstGeom>
+          <a:noFill/>
+        </p:spPr>
+        <p:txBody>
+          <a:bodyPr wrap="square" rtlCol="0">
+            <a:spAutoFit/>
+          </a:bodyPr>
+          <a:lstStyle/>
+          <a:p>
+            <a:r>
+              <a:rPr lang="en-US" sz="1200" dirty="0">
+                <a:solidFill>
+                  <a:schemeClr val="bg1"/>
+                </a:solidFill>
+              </a:rPr>
+              <a:t>Building Personal Websites</a:t>
+            </a:r>
+          </a:p>
+        </p:txBody>
+      </p:sp>
+      <p:sp>
+        <p:nvSpPr>
+          <p:cNvPr id="6" name="Rectangle 5">
+            <a:extLst>
+              <a:ext uri="{FF2B5EF4-FFF2-40B4-BE49-F238E27FC236}">
+                <a16:creationId xmlns:a16="http://schemas.microsoft.com/office/drawing/2014/main" id="{40845236-8634-4353-BA0D-8817FE36EC7A}"/>
+              </a:ext>
+            </a:extLst>
+          </p:cNvPr>
+          <p:cNvSpPr/>
+          <p:nvPr/>
+        </p:nvSpPr>
+        <p:spPr>
+          <a:xfrm>
+            <a:off x="9921514" y="6581001"/>
+            <a:ext cx="2270485" cy="276999"/>
+          </a:xfrm>
+          <a:prstGeom prst="rect">
+            <a:avLst/>
+          </a:prstGeom>
+          <a:solidFill>
+            <a:srgbClr val="00B0F0"/>
+          </a:solidFill>
+          <a:ln>
+            <a:noFill/>
+          </a:ln>
+        </p:spPr>
+        <p:style>
+          <a:lnRef idx="2">
+            <a:schemeClr val="accent1">
+              <a:shade val="50000"/>
+            </a:schemeClr>
+          </a:lnRef>
+          <a:fillRef idx="1">
+            <a:schemeClr val="accent1"/>
+          </a:fillRef>
+          <a:effectRef idx="0">
+            <a:schemeClr val="accent1"/>
+          </a:effectRef>
+          <a:fontRef idx="minor">
+            <a:schemeClr val="lt1"/>
+          </a:fontRef>
+        </p:style>
+        <p:txBody>
+          <a:bodyPr rtlCol="0" anchor="ctr"/>
+          <a:lstStyle/>
+          <a:p>
+            <a:pPr algn="ctr"/>
+            <a:endParaRPr lang="en-US" dirty="0"/>
+          </a:p>
+        </p:txBody>
+      </p:sp>
+      <p:sp>
+        <p:nvSpPr>
+          <p:cNvPr id="8" name="TextBox 7">
+            <a:extLst>
+              <a:ext uri="{FF2B5EF4-FFF2-40B4-BE49-F238E27FC236}">
+                <a16:creationId xmlns:a16="http://schemas.microsoft.com/office/drawing/2014/main" id="{6403EA4A-E7EB-4525-B0D2-13B3997D5780}"/>
+              </a:ext>
+            </a:extLst>
+          </p:cNvPr>
+          <p:cNvSpPr txBox="1"/>
+          <p:nvPr/>
+        </p:nvSpPr>
+        <p:spPr>
+          <a:xfrm>
+            <a:off x="9958188" y="6578787"/>
+            <a:ext cx="2682077" cy="276999"/>
+          </a:xfrm>
+          <a:prstGeom prst="rect">
+            <a:avLst/>
+          </a:prstGeom>
+          <a:noFill/>
+        </p:spPr>
+        <p:txBody>
+          <a:bodyPr wrap="square" rtlCol="0">
+            <a:spAutoFit/>
+          </a:bodyPr>
+          <a:lstStyle/>
+          <a:p>
+            <a:r>
+              <a:rPr lang="en-US" sz="1200" dirty="0">
+                <a:solidFill>
+                  <a:schemeClr val="bg1"/>
+                </a:solidFill>
+              </a:rPr>
+              <a:t>Lecture 14 | Interactive Elements</a:t>
+            </a:r>
+          </a:p>
+        </p:txBody>
+      </p:sp>
+      <p:sp>
+        <p:nvSpPr>
+          <p:cNvPr id="7" name="TextBox 6">
+            <a:extLst>
+              <a:ext uri="{FF2B5EF4-FFF2-40B4-BE49-F238E27FC236}">
+                <a16:creationId xmlns:a16="http://schemas.microsoft.com/office/drawing/2014/main" id="{ED7E96AE-E09B-40E0-8966-5104069C1F43}"/>
+              </a:ext>
+            </a:extLst>
+          </p:cNvPr>
+          <p:cNvSpPr txBox="1"/>
+          <p:nvPr/>
+        </p:nvSpPr>
+        <p:spPr>
+          <a:xfrm>
+            <a:off x="4490305" y="3105834"/>
+            <a:ext cx="3211390" cy="646331"/>
+          </a:xfrm>
+          <a:prstGeom prst="rect">
+            <a:avLst/>
+          </a:prstGeom>
+          <a:noFill/>
+        </p:spPr>
+        <p:txBody>
+          <a:bodyPr wrap="square" rtlCol="0">
+            <a:spAutoFit/>
+          </a:bodyPr>
+          <a:lstStyle/>
+          <a:p>
+            <a:pPr algn="ctr"/>
+            <a:r>
+              <a:rPr lang="en-US" sz="3600" dirty="0"/>
+              <a:t>Live Demo</a:t>
+            </a:r>
+          </a:p>
+        </p:txBody>
+      </p:sp>
+    </p:spTree>
+    <p:extLst>
+      <p:ext uri="{BB962C8B-B14F-4D97-AF65-F5344CB8AC3E}">
+        <p14:creationId xmlns:p14="http://schemas.microsoft.com/office/powerpoint/2010/main" val="1340621748"/>
+      </p:ext>
+    </p:extLst>
+  </p:cSld>
+  <p:clrMapOvr>
+    <a:masterClrMapping/>
+  </p:clrMapOvr>
+</p:sld>
+</file>
+
 <file path=ppt/slides/slide2.xml><?xml version="1.0" encoding="utf-8"?>
 <p:sld xmlns:a="http://schemas.openxmlformats.org/drawingml/2006/main" xmlns:r="http://schemas.openxmlformats.org/officeDocument/2006/relationships" xmlns:p="http://schemas.openxmlformats.org/presentationml/2006/main">
   <p:cSld>
@@ -3810,8 +5786,8 @@
         </p:nvSpPr>
         <p:spPr>
           <a:xfrm>
-            <a:off x="372138" y="2276048"/>
-            <a:ext cx="9976267" cy="4050019"/>
+            <a:off x="372138" y="4147379"/>
+            <a:ext cx="9976267" cy="2018694"/>
           </a:xfrm>
           <a:prstGeom prst="rect">
             <a:avLst/>
@@ -3833,15 +5809,7 @@
             </a:pPr>
             <a:r>
               <a:rPr lang="en-US" sz="4400" dirty="0"/>
-              <a:t> </a:t>
-            </a:r>
-            <a:r>
-              <a:rPr lang="en-US" sz="4400" dirty="0" err="1"/>
-              <a:t>Nav</a:t>
-            </a:r>
-            <a:r>
-              <a:rPr lang="en-US" sz="4400" dirty="0"/>
-              <a:t> Bar Review</a:t>
+              <a:t> Underline Animations</a:t>
             </a:r>
           </a:p>
           <a:p>
@@ -3853,34 +5821,14 @@
               <a:buChar char="•"/>
             </a:pPr>
             <a:r>
-              <a:rPr lang="en-US" sz="4400" dirty="0"/>
-              <a:t> Underline Animations</a:t>
-            </a:r>
-          </a:p>
-          <a:p>
-            <a:pPr marL="285750" indent="-285750">
-              <a:lnSpc>
-                <a:spcPct val="150000"/>
-              </a:lnSpc>
-              <a:buFont typeface="Arial" panose="020B0604020202020204" pitchFamily="34" charset="0"/>
-              <a:buChar char="•"/>
-            </a:pPr>
-            <a:r>
-              <a:rPr lang="en-US" sz="4400" dirty="0"/>
+              <a:rPr lang="en-US" sz="4400" dirty="0">
+                <a:solidFill>
+                  <a:schemeClr val="bg1">
+                    <a:lumMod val="65000"/>
+                  </a:schemeClr>
+                </a:solidFill>
+              </a:rPr>
               <a:t> Reveal Content</a:t>
-            </a:r>
-          </a:p>
-          <a:p>
-            <a:pPr marL="285750" indent="-285750">
-              <a:lnSpc>
-                <a:spcPct val="150000"/>
-              </a:lnSpc>
-              <a:buFont typeface="Arial" panose="020B0604020202020204" pitchFamily="34" charset="0"/>
-              <a:buChar char="•"/>
-            </a:pPr>
-            <a:r>
-              <a:rPr lang="en-US" sz="4400" dirty="0"/>
-              <a:t> Button Dropdowns</a:t>
             </a:r>
           </a:p>
         </p:txBody>
@@ -4119,8 +6067,8 @@
         </p:nvSpPr>
         <p:spPr>
           <a:xfrm>
-            <a:off x="3854787" y="10633"/>
-            <a:ext cx="4570908" cy="1003031"/>
+            <a:off x="3474369" y="10633"/>
+            <a:ext cx="5310478" cy="1003031"/>
           </a:xfrm>
           <a:prstGeom prst="rect">
             <a:avLst/>
@@ -4140,7 +6088,7 @@
             </a:pPr>
             <a:r>
               <a:rPr lang="en-US" sz="4400" dirty="0"/>
-              <a:t>Button Dropdowns</a:t>
+              <a:t>Animating A Line</a:t>
             </a:r>
           </a:p>
         </p:txBody>
@@ -4186,10 +6134,10 @@
       </p:cxnSp>
       <p:sp>
         <p:nvSpPr>
-          <p:cNvPr id="10" name="Rectangle 9">
-            <a:extLst>
-              <a:ext uri="{FF2B5EF4-FFF2-40B4-BE49-F238E27FC236}">
-                <a16:creationId xmlns:a16="http://schemas.microsoft.com/office/drawing/2014/main" id="{ADA341FF-7337-4447-A4A9-B65A16A8AFFE}"/>
+          <p:cNvPr id="11" name="Rectangle 10">
+            <a:extLst>
+              <a:ext uri="{FF2B5EF4-FFF2-40B4-BE49-F238E27FC236}">
+                <a16:creationId xmlns:a16="http://schemas.microsoft.com/office/drawing/2014/main" id="{2ED135E9-7528-404B-92A4-25D448C648DF}"/>
               </a:ext>
             </a:extLst>
           </p:cNvPr>
@@ -4198,8 +6146,8 @@
         </p:nvSpPr>
         <p:spPr>
           <a:xfrm>
-            <a:off x="586425" y="1396929"/>
-            <a:ext cx="10792047" cy="2164980"/>
+            <a:off x="743044" y="1782270"/>
+            <a:ext cx="10484937" cy="1407492"/>
           </a:xfrm>
           <a:prstGeom prst="rect">
             <a:avLst/>
@@ -4237,18 +6185,298 @@
           <a:bodyPr rtlCol="0" anchor="ctr"/>
           <a:lstStyle/>
           <a:p>
-            <a:endParaRPr lang="en-US" i="1" dirty="0">
-              <a:solidFill>
-                <a:schemeClr val="accent1"/>
-              </a:solidFill>
-            </a:endParaRPr>
+            <a:pPr lvl="1"/>
+            <a:r>
+              <a:rPr lang="en-US" dirty="0">
+                <a:solidFill>
+                  <a:schemeClr val="accent2"/>
+                </a:solidFill>
+              </a:rPr>
+              <a:t>.line </a:t>
+            </a:r>
+            <a:r>
+              <a:rPr lang="en-US" dirty="0">
+                <a:solidFill>
+                  <a:schemeClr val="tx1"/>
+                </a:solidFill>
+              </a:rPr>
+              <a:t>{</a:t>
+            </a:r>
+          </a:p>
+          <a:p>
+            <a:pPr lvl="1"/>
+            <a:r>
+              <a:rPr lang="en-US" dirty="0">
+                <a:solidFill>
+                  <a:schemeClr val="tx1"/>
+                </a:solidFill>
+              </a:rPr>
+              <a:t>	</a:t>
+            </a:r>
+            <a:r>
+              <a:rPr lang="en-US" dirty="0">
+                <a:solidFill>
+                  <a:schemeClr val="accent1"/>
+                </a:solidFill>
+              </a:rPr>
+              <a:t>width: 0px;</a:t>
+            </a:r>
+          </a:p>
+          <a:p>
+            <a:pPr lvl="1"/>
+            <a:r>
+              <a:rPr lang="en-US" dirty="0">
+                <a:solidFill>
+                  <a:schemeClr val="accent1"/>
+                </a:solidFill>
+              </a:rPr>
+              <a:t>	height: 1px;</a:t>
+            </a:r>
+          </a:p>
+          <a:p>
+            <a:pPr lvl="1"/>
+            <a:r>
+              <a:rPr lang="en-US" dirty="0">
+                <a:solidFill>
+                  <a:schemeClr val="accent1"/>
+                </a:solidFill>
+              </a:rPr>
+              <a:t>	background: white; </a:t>
+            </a:r>
+            <a:r>
+              <a:rPr lang="en-US" dirty="0">
+                <a:solidFill>
+                  <a:schemeClr val="tx1"/>
+                </a:solidFill>
+              </a:rPr>
+              <a:t>}</a:t>
+            </a:r>
+          </a:p>
+        </p:txBody>
+      </p:sp>
+      <p:sp>
+        <p:nvSpPr>
+          <p:cNvPr id="12" name="TextBox 11">
+            <a:extLst>
+              <a:ext uri="{FF2B5EF4-FFF2-40B4-BE49-F238E27FC236}">
+                <a16:creationId xmlns:a16="http://schemas.microsoft.com/office/drawing/2014/main" id="{88122BC7-BB43-A647-B4B5-D6187D2FE320}"/>
+              </a:ext>
+            </a:extLst>
+          </p:cNvPr>
+          <p:cNvSpPr txBox="1"/>
+          <p:nvPr/>
+        </p:nvSpPr>
+        <p:spPr>
+          <a:xfrm>
+            <a:off x="667229" y="1354540"/>
+            <a:ext cx="3352584" cy="464871"/>
+          </a:xfrm>
+          <a:prstGeom prst="rect">
+            <a:avLst/>
+          </a:prstGeom>
+          <a:noFill/>
+        </p:spPr>
+        <p:txBody>
+          <a:bodyPr wrap="none" rtlCol="0">
+            <a:spAutoFit/>
+          </a:bodyPr>
+          <a:lstStyle/>
+          <a:p>
+            <a:pPr>
+              <a:lnSpc>
+                <a:spcPct val="150000"/>
+              </a:lnSpc>
+            </a:pPr>
+            <a:r>
+              <a:rPr lang="en-US" dirty="0"/>
+              <a:t>Create a line with no initial width:</a:t>
+            </a:r>
+          </a:p>
+        </p:txBody>
+      </p:sp>
+      <p:sp>
+        <p:nvSpPr>
+          <p:cNvPr id="13" name="Rectangle 12">
+            <a:extLst>
+              <a:ext uri="{FF2B5EF4-FFF2-40B4-BE49-F238E27FC236}">
+                <a16:creationId xmlns:a16="http://schemas.microsoft.com/office/drawing/2014/main" id="{A01EA093-587E-6E47-8854-7131BB5B1366}"/>
+              </a:ext>
+            </a:extLst>
+          </p:cNvPr>
+          <p:cNvSpPr/>
+          <p:nvPr/>
+        </p:nvSpPr>
+        <p:spPr>
+          <a:xfrm>
+            <a:off x="743044" y="3729377"/>
+            <a:ext cx="10484937" cy="1407492"/>
+          </a:xfrm>
+          <a:prstGeom prst="rect">
+            <a:avLst/>
+          </a:prstGeom>
+          <a:solidFill>
+            <a:schemeClr val="bg1">
+              <a:lumMod val="95000"/>
+            </a:schemeClr>
+          </a:solidFill>
+          <a:ln w="3175">
+            <a:solidFill>
+              <a:schemeClr val="bg1">
+                <a:lumMod val="85000"/>
+              </a:schemeClr>
+            </a:solidFill>
+          </a:ln>
+        </p:spPr>
+        <p:style>
+          <a:lnRef idx="2">
+            <a:schemeClr val="accent1">
+              <a:shade val="50000"/>
+            </a:schemeClr>
+          </a:lnRef>
+          <a:fillRef idx="1">
+            <a:schemeClr val="accent1"/>
+          </a:fillRef>
+          <a:effectRef idx="0">
+            <a:schemeClr val="accent1"/>
+          </a:effectRef>
+          <a:fontRef idx="minor">
+            <a:schemeClr val="lt1"/>
+          </a:fontRef>
+        </p:style>
+        <p:txBody>
+          <a:bodyPr rtlCol="0" anchor="ctr"/>
+          <a:lstStyle/>
+          <a:p>
+            <a:pPr lvl="1"/>
+            <a:r>
+              <a:rPr lang="en-US" dirty="0">
+                <a:solidFill>
+                  <a:schemeClr val="accent2"/>
+                </a:solidFill>
+              </a:rPr>
+              <a:t>.</a:t>
+            </a:r>
+            <a:r>
+              <a:rPr lang="en-US" dirty="0" err="1">
+                <a:solidFill>
+                  <a:schemeClr val="accent2"/>
+                </a:solidFill>
+              </a:rPr>
+              <a:t>button</a:t>
+            </a:r>
+            <a:r>
+              <a:rPr lang="en-US" dirty="0" err="1">
+                <a:solidFill>
+                  <a:srgbClr val="00B050"/>
+                </a:solidFill>
+              </a:rPr>
+              <a:t>:hover</a:t>
+            </a:r>
+            <a:r>
+              <a:rPr lang="en-US" dirty="0">
+                <a:solidFill>
+                  <a:schemeClr val="accent2"/>
+                </a:solidFill>
+              </a:rPr>
+              <a:t> .line </a:t>
+            </a:r>
+            <a:r>
+              <a:rPr lang="en-US" dirty="0">
+                <a:solidFill>
+                  <a:schemeClr val="tx1"/>
+                </a:solidFill>
+              </a:rPr>
+              <a:t>{</a:t>
+            </a:r>
+          </a:p>
+          <a:p>
+            <a:pPr lvl="1"/>
+            <a:r>
+              <a:rPr lang="en-US" dirty="0">
+                <a:solidFill>
+                  <a:schemeClr val="tx1"/>
+                </a:solidFill>
+              </a:rPr>
+              <a:t>	</a:t>
+            </a:r>
+            <a:r>
+              <a:rPr lang="en-US" dirty="0">
+                <a:solidFill>
+                  <a:schemeClr val="accent1"/>
+                </a:solidFill>
+              </a:rPr>
+              <a:t>width: 200px;</a:t>
+            </a:r>
+          </a:p>
+          <a:p>
+            <a:pPr lvl="1"/>
+            <a:r>
+              <a:rPr lang="en-US" dirty="0">
+                <a:solidFill>
+                  <a:schemeClr val="accent1"/>
+                </a:solidFill>
+              </a:rPr>
+              <a:t>	transition: all 0.25s; </a:t>
+            </a:r>
+            <a:r>
+              <a:rPr lang="en-US" dirty="0">
+                <a:solidFill>
+                  <a:schemeClr val="tx1"/>
+                </a:solidFill>
+              </a:rPr>
+              <a:t>}</a:t>
+            </a:r>
+          </a:p>
+        </p:txBody>
+      </p:sp>
+      <p:sp>
+        <p:nvSpPr>
+          <p:cNvPr id="14" name="TextBox 13">
+            <a:extLst>
+              <a:ext uri="{FF2B5EF4-FFF2-40B4-BE49-F238E27FC236}">
+                <a16:creationId xmlns:a16="http://schemas.microsoft.com/office/drawing/2014/main" id="{0F500B91-51C7-E942-ACAA-9559CB8987F0}"/>
+              </a:ext>
+            </a:extLst>
+          </p:cNvPr>
+          <p:cNvSpPr txBox="1"/>
+          <p:nvPr/>
+        </p:nvSpPr>
+        <p:spPr>
+          <a:xfrm>
+            <a:off x="667229" y="3280381"/>
+            <a:ext cx="7299947" cy="464871"/>
+          </a:xfrm>
+          <a:prstGeom prst="rect">
+            <a:avLst/>
+          </a:prstGeom>
+          <a:noFill/>
+        </p:spPr>
+        <p:txBody>
+          <a:bodyPr wrap="none" rtlCol="0">
+            <a:spAutoFit/>
+          </a:bodyPr>
+          <a:lstStyle/>
+          <a:p>
+            <a:pPr>
+              <a:lnSpc>
+                <a:spcPct val="150000"/>
+              </a:lnSpc>
+            </a:pPr>
+            <a:r>
+              <a:rPr lang="en-US" dirty="0"/>
+              <a:t>Line expands to 200px linearly in 0.25s when hovering over element </a:t>
+            </a:r>
+            <a:r>
+              <a:rPr lang="en-US" i="1" dirty="0"/>
+              <a:t>.button</a:t>
+            </a:r>
           </a:p>
         </p:txBody>
       </p:sp>
     </p:spTree>
     <p:extLst>
       <p:ext uri="{BB962C8B-B14F-4D97-AF65-F5344CB8AC3E}">
-        <p14:creationId xmlns:p14="http://schemas.microsoft.com/office/powerpoint/2010/main" val="3810911466"/>
+        <p14:creationId xmlns:p14="http://schemas.microsoft.com/office/powerpoint/2010/main" val="3236295035"/>
       </p:ext>
     </p:extLst>
   </p:cSld>
@@ -4467,10 +6695,10 @@
       </p:sp>
       <p:sp>
         <p:nvSpPr>
-          <p:cNvPr id="12" name="TextBox 11">
-            <a:extLst>
-              <a:ext uri="{FF2B5EF4-FFF2-40B4-BE49-F238E27FC236}">
-                <a16:creationId xmlns:a16="http://schemas.microsoft.com/office/drawing/2014/main" id="{5602F6A3-A78C-8740-9D5D-72ACA7086EE6}"/>
+          <p:cNvPr id="7" name="TextBox 6">
+            <a:extLst>
+              <a:ext uri="{FF2B5EF4-FFF2-40B4-BE49-F238E27FC236}">
+                <a16:creationId xmlns:a16="http://schemas.microsoft.com/office/drawing/2014/main" id="{5760102D-7801-5740-8ECF-B54D06E9F1EA}"/>
               </a:ext>
             </a:extLst>
           </p:cNvPr>
@@ -4479,58 +6707,8 @@
         </p:nvSpPr>
         <p:spPr>
           <a:xfrm>
-            <a:off x="536954" y="1318963"/>
-            <a:ext cx="10579395" cy="967957"/>
-          </a:xfrm>
-          <a:prstGeom prst="rect">
-            <a:avLst/>
-          </a:prstGeom>
-          <a:noFill/>
-        </p:spPr>
-        <p:txBody>
-          <a:bodyPr wrap="square" rtlCol="0">
-            <a:spAutoFit/>
-          </a:bodyPr>
-          <a:lstStyle/>
-          <a:p>
-            <a:pPr marL="342900" indent="-342900">
-              <a:lnSpc>
-                <a:spcPct val="150000"/>
-              </a:lnSpc>
-              <a:buFont typeface="Wingdings" pitchFamily="2" charset="2"/>
-              <a:buChar char="q"/>
-            </a:pPr>
-            <a:r>
-              <a:rPr lang="en-US" sz="2000" dirty="0"/>
-              <a:t>Pending…</a:t>
-            </a:r>
-          </a:p>
-          <a:p>
-            <a:pPr>
-              <a:lnSpc>
-                <a:spcPct val="150000"/>
-              </a:lnSpc>
-            </a:pPr>
-            <a:endParaRPr lang="en-US" sz="2000" dirty="0"/>
-          </a:p>
-        </p:txBody>
-      </p:sp>
-      <p:sp>
-        <p:nvSpPr>
-          <p:cNvPr id="13" name="TextBox 12">
-            <a:extLst>
-              <a:ext uri="{FF2B5EF4-FFF2-40B4-BE49-F238E27FC236}">
-                <a16:creationId xmlns:a16="http://schemas.microsoft.com/office/drawing/2014/main" id="{24C9015D-552E-364C-9990-ABBA60B6F4FA}"/>
-              </a:ext>
-            </a:extLst>
-          </p:cNvPr>
-          <p:cNvSpPr txBox="1"/>
-          <p:nvPr/>
-        </p:nvSpPr>
-        <p:spPr>
-          <a:xfrm>
-            <a:off x="3703675" y="9526"/>
-            <a:ext cx="4784649" cy="1003031"/>
+            <a:off x="3474369" y="10633"/>
+            <a:ext cx="5310478" cy="1003031"/>
           </a:xfrm>
           <a:prstGeom prst="rect">
             <a:avLst/>
@@ -4550,17 +6728,17 @@
             </a:pPr>
             <a:r>
               <a:rPr lang="en-US" sz="4400" dirty="0"/>
-              <a:t>Homework Ideas</a:t>
+              <a:t>Underline Animations</a:t>
             </a:r>
           </a:p>
         </p:txBody>
       </p:sp>
       <p:cxnSp>
         <p:nvCxnSpPr>
-          <p:cNvPr id="15" name="Straight Connector 14">
-            <a:extLst>
-              <a:ext uri="{FF2B5EF4-FFF2-40B4-BE49-F238E27FC236}">
-                <a16:creationId xmlns:a16="http://schemas.microsoft.com/office/drawing/2014/main" id="{1359242C-2BAB-1D46-86D4-44BD91B54098}"/>
+          <p:cNvPr id="9" name="Straight Connector 8">
+            <a:extLst>
+              <a:ext uri="{FF2B5EF4-FFF2-40B4-BE49-F238E27FC236}">
+                <a16:creationId xmlns:a16="http://schemas.microsoft.com/office/drawing/2014/main" id="{646ED5A1-C2B9-0946-81D8-FEC995F80ADC}"/>
               </a:ext>
             </a:extLst>
           </p:cNvPr>
@@ -4594,10 +6772,320 @@
           </a:fontRef>
         </p:style>
       </p:cxnSp>
+      <p:sp>
+        <p:nvSpPr>
+          <p:cNvPr id="11" name="Rectangle 10">
+            <a:extLst>
+              <a:ext uri="{FF2B5EF4-FFF2-40B4-BE49-F238E27FC236}">
+                <a16:creationId xmlns:a16="http://schemas.microsoft.com/office/drawing/2014/main" id="{2ED135E9-7528-404B-92A4-25D448C648DF}"/>
+              </a:ext>
+            </a:extLst>
+          </p:cNvPr>
+          <p:cNvSpPr/>
+          <p:nvPr/>
+        </p:nvSpPr>
+        <p:spPr>
+          <a:xfrm>
+            <a:off x="711145" y="1782270"/>
+            <a:ext cx="10781727" cy="1407492"/>
+          </a:xfrm>
+          <a:prstGeom prst="rect">
+            <a:avLst/>
+          </a:prstGeom>
+          <a:solidFill>
+            <a:schemeClr val="bg1">
+              <a:lumMod val="95000"/>
+            </a:schemeClr>
+          </a:solidFill>
+          <a:ln w="3175">
+            <a:solidFill>
+              <a:schemeClr val="bg1">
+                <a:lumMod val="85000"/>
+              </a:schemeClr>
+            </a:solidFill>
+          </a:ln>
+        </p:spPr>
+        <p:style>
+          <a:lnRef idx="2">
+            <a:schemeClr val="accent1">
+              <a:shade val="50000"/>
+            </a:schemeClr>
+          </a:lnRef>
+          <a:fillRef idx="1">
+            <a:schemeClr val="accent1"/>
+          </a:fillRef>
+          <a:effectRef idx="0">
+            <a:schemeClr val="accent1"/>
+          </a:effectRef>
+          <a:fontRef idx="minor">
+            <a:schemeClr val="lt1"/>
+          </a:fontRef>
+        </p:style>
+        <p:txBody>
+          <a:bodyPr rtlCol="0" anchor="ctr"/>
+          <a:lstStyle/>
+          <a:p>
+            <a:pPr lvl="1"/>
+            <a:r>
+              <a:rPr lang="en-US" dirty="0">
+                <a:solidFill>
+                  <a:schemeClr val="tx1"/>
+                </a:solidFill>
+              </a:rPr>
+              <a:t>&lt;</a:t>
+            </a:r>
+            <a:r>
+              <a:rPr lang="en-US" dirty="0">
+                <a:solidFill>
+                  <a:srgbClr val="FF0000"/>
+                </a:solidFill>
+              </a:rPr>
+              <a:t>div</a:t>
+            </a:r>
+            <a:r>
+              <a:rPr lang="en-US" dirty="0">
+                <a:solidFill>
+                  <a:schemeClr val="tx1"/>
+                </a:solidFill>
+              </a:rPr>
+              <a:t> </a:t>
+            </a:r>
+            <a:r>
+              <a:rPr lang="en-US" dirty="0">
+                <a:solidFill>
+                  <a:schemeClr val="accent2"/>
+                </a:solidFill>
+              </a:rPr>
+              <a:t>class=button</a:t>
+            </a:r>
+            <a:r>
+              <a:rPr lang="en-US" dirty="0">
+                <a:solidFill>
+                  <a:schemeClr val="tx1"/>
+                </a:solidFill>
+              </a:rPr>
+              <a:t>&gt;</a:t>
+            </a:r>
+          </a:p>
+          <a:p>
+            <a:pPr lvl="1"/>
+            <a:r>
+              <a:rPr lang="en-US" dirty="0">
+                <a:solidFill>
+                  <a:schemeClr val="tx1"/>
+                </a:solidFill>
+              </a:rPr>
+              <a:t>	&lt;</a:t>
+            </a:r>
+            <a:r>
+              <a:rPr lang="en-US" dirty="0">
+                <a:solidFill>
+                  <a:srgbClr val="FF0000"/>
+                </a:solidFill>
+              </a:rPr>
+              <a:t>p</a:t>
+            </a:r>
+            <a:r>
+              <a:rPr lang="en-US" dirty="0">
+                <a:solidFill>
+                  <a:schemeClr val="tx1"/>
+                </a:solidFill>
+              </a:rPr>
+              <a:t>&gt; Hello World &lt;/</a:t>
+            </a:r>
+            <a:r>
+              <a:rPr lang="en-US" dirty="0">
+                <a:solidFill>
+                  <a:srgbClr val="FF0000"/>
+                </a:solidFill>
+              </a:rPr>
+              <a:t>p</a:t>
+            </a:r>
+            <a:r>
+              <a:rPr lang="en-US" dirty="0">
+                <a:solidFill>
+                  <a:schemeClr val="tx1"/>
+                </a:solidFill>
+              </a:rPr>
+              <a:t>&gt;</a:t>
+            </a:r>
+          </a:p>
+          <a:p>
+            <a:pPr lvl="1"/>
+            <a:r>
+              <a:rPr lang="en-US" dirty="0">
+                <a:solidFill>
+                  <a:schemeClr val="tx1"/>
+                </a:solidFill>
+              </a:rPr>
+              <a:t>	&lt;</a:t>
+            </a:r>
+            <a:r>
+              <a:rPr lang="en-US" dirty="0">
+                <a:solidFill>
+                  <a:srgbClr val="FF0000"/>
+                </a:solidFill>
+              </a:rPr>
+              <a:t>div</a:t>
+            </a:r>
+            <a:r>
+              <a:rPr lang="en-US" dirty="0">
+                <a:solidFill>
+                  <a:schemeClr val="tx1"/>
+                </a:solidFill>
+              </a:rPr>
+              <a:t> </a:t>
+            </a:r>
+            <a:r>
+              <a:rPr lang="en-US" dirty="0">
+                <a:solidFill>
+                  <a:schemeClr val="accent2"/>
+                </a:solidFill>
+              </a:rPr>
+              <a:t>class=line</a:t>
+            </a:r>
+            <a:r>
+              <a:rPr lang="en-US" dirty="0">
+                <a:solidFill>
+                  <a:schemeClr val="tx1"/>
+                </a:solidFill>
+              </a:rPr>
+              <a:t>&gt;&lt;/</a:t>
+            </a:r>
+            <a:r>
+              <a:rPr lang="en-US" dirty="0">
+                <a:solidFill>
+                  <a:srgbClr val="FF0000"/>
+                </a:solidFill>
+              </a:rPr>
+              <a:t>div</a:t>
+            </a:r>
+            <a:r>
+              <a:rPr lang="en-US" dirty="0">
+                <a:solidFill>
+                  <a:schemeClr val="tx1"/>
+                </a:solidFill>
+              </a:rPr>
+              <a:t>&gt;</a:t>
+            </a:r>
+          </a:p>
+          <a:p>
+            <a:pPr lvl="1"/>
+            <a:r>
+              <a:rPr lang="en-US" dirty="0">
+                <a:solidFill>
+                  <a:schemeClr val="tx1"/>
+                </a:solidFill>
+              </a:rPr>
+              <a:t>&lt;/</a:t>
+            </a:r>
+            <a:r>
+              <a:rPr lang="en-US" dirty="0">
+                <a:solidFill>
+                  <a:srgbClr val="FF0000"/>
+                </a:solidFill>
+              </a:rPr>
+              <a:t>div</a:t>
+            </a:r>
+            <a:r>
+              <a:rPr lang="en-US" dirty="0">
+                <a:solidFill>
+                  <a:schemeClr val="tx1"/>
+                </a:solidFill>
+              </a:rPr>
+              <a:t>&gt; </a:t>
+            </a:r>
+          </a:p>
+        </p:txBody>
+      </p:sp>
+      <p:sp>
+        <p:nvSpPr>
+          <p:cNvPr id="12" name="TextBox 11">
+            <a:extLst>
+              <a:ext uri="{FF2B5EF4-FFF2-40B4-BE49-F238E27FC236}">
+                <a16:creationId xmlns:a16="http://schemas.microsoft.com/office/drawing/2014/main" id="{88122BC7-BB43-A647-B4B5-D6187D2FE320}"/>
+              </a:ext>
+            </a:extLst>
+          </p:cNvPr>
+          <p:cNvSpPr txBox="1"/>
+          <p:nvPr/>
+        </p:nvSpPr>
+        <p:spPr>
+          <a:xfrm>
+            <a:off x="656596" y="1354540"/>
+            <a:ext cx="11109644" cy="464871"/>
+          </a:xfrm>
+          <a:prstGeom prst="rect">
+            <a:avLst/>
+          </a:prstGeom>
+          <a:noFill/>
+        </p:spPr>
+        <p:txBody>
+          <a:bodyPr wrap="none" rtlCol="0">
+            <a:spAutoFit/>
+          </a:bodyPr>
+          <a:lstStyle/>
+          <a:p>
+            <a:pPr>
+              <a:lnSpc>
+                <a:spcPct val="150000"/>
+              </a:lnSpc>
+            </a:pPr>
+            <a:r>
+              <a:rPr lang="en-US" dirty="0"/>
+              <a:t>Underline animations are line animations underneath text/buttons that activate when hovering over text/buttons:</a:t>
+            </a:r>
+          </a:p>
+        </p:txBody>
+      </p:sp>
+      <p:sp>
+        <p:nvSpPr>
+          <p:cNvPr id="15" name="TextBox 14">
+            <a:extLst>
+              <a:ext uri="{FF2B5EF4-FFF2-40B4-BE49-F238E27FC236}">
+                <a16:creationId xmlns:a16="http://schemas.microsoft.com/office/drawing/2014/main" id="{12DFCE76-3902-0D46-95F1-37C1B3F01BE4}"/>
+              </a:ext>
+            </a:extLst>
+          </p:cNvPr>
+          <p:cNvSpPr txBox="1"/>
+          <p:nvPr/>
+        </p:nvSpPr>
+        <p:spPr>
+          <a:xfrm>
+            <a:off x="656596" y="3203368"/>
+            <a:ext cx="9012147" cy="464871"/>
+          </a:xfrm>
+          <a:prstGeom prst="rect">
+            <a:avLst/>
+          </a:prstGeom>
+          <a:noFill/>
+        </p:spPr>
+        <p:txBody>
+          <a:bodyPr wrap="none" rtlCol="0">
+            <a:spAutoFit/>
+          </a:bodyPr>
+          <a:lstStyle/>
+          <a:p>
+            <a:pPr>
+              <a:lnSpc>
+                <a:spcPct val="150000"/>
+              </a:lnSpc>
+            </a:pPr>
+            <a:r>
+              <a:rPr lang="en-US" i="1" dirty="0"/>
+              <a:t>.button </a:t>
+            </a:r>
+            <a:r>
+              <a:rPr lang="en-US" dirty="0"/>
+              <a:t>is the entire active area of the text and line. Hovering over this area will reveal the line.</a:t>
+            </a:r>
+          </a:p>
+        </p:txBody>
+      </p:sp>
     </p:spTree>
     <p:extLst>
       <p:ext uri="{BB962C8B-B14F-4D97-AF65-F5344CB8AC3E}">
-        <p14:creationId xmlns:p14="http://schemas.microsoft.com/office/powerpoint/2010/main" val="1428014379"/>
+        <p14:creationId xmlns:p14="http://schemas.microsoft.com/office/powerpoint/2010/main" val="2328278773"/>
       </p:ext>
     </p:extLst>
   </p:cSld>
@@ -4819,7 +7307,7 @@
           <p:cNvPr id="7" name="TextBox 6">
             <a:extLst>
               <a:ext uri="{FF2B5EF4-FFF2-40B4-BE49-F238E27FC236}">
-                <a16:creationId xmlns:a16="http://schemas.microsoft.com/office/drawing/2014/main" id="{ED7E96AE-E09B-40E0-8966-5104069C1F43}"/>
+                <a16:creationId xmlns:a16="http://schemas.microsoft.com/office/drawing/2014/main" id="{5760102D-7801-5740-8ECF-B54D06E9F1EA}"/>
               </a:ext>
             </a:extLst>
           </p:cNvPr>
@@ -4828,8 +7316,8 @@
         </p:nvSpPr>
         <p:spPr>
           <a:xfrm>
-            <a:off x="4490305" y="3105834"/>
-            <a:ext cx="3211390" cy="646331"/>
+            <a:off x="3474369" y="10633"/>
+            <a:ext cx="5310478" cy="1003031"/>
           </a:xfrm>
           <a:prstGeom prst="rect">
             <a:avLst/>
@@ -4842,24 +7330,2907 @@
           </a:bodyPr>
           <a:lstStyle/>
           <a:p>
-            <a:pPr algn="ctr"/>
-            <a:r>
-              <a:rPr lang="en-US" sz="3600" dirty="0"/>
-              <a:t>Live Demo</a:t>
-            </a:r>
+            <a:pPr algn="ctr">
+              <a:lnSpc>
+                <a:spcPct val="150000"/>
+              </a:lnSpc>
+            </a:pPr>
+            <a:r>
+              <a:rPr lang="en-US" sz="4400" dirty="0"/>
+              <a:t>Underline Animations</a:t>
+            </a:r>
+          </a:p>
+        </p:txBody>
+      </p:sp>
+      <p:cxnSp>
+        <p:nvCxnSpPr>
+          <p:cNvPr id="9" name="Straight Connector 8">
+            <a:extLst>
+              <a:ext uri="{FF2B5EF4-FFF2-40B4-BE49-F238E27FC236}">
+                <a16:creationId xmlns:a16="http://schemas.microsoft.com/office/drawing/2014/main" id="{646ED5A1-C2B9-0946-81D8-FEC995F80ADC}"/>
+              </a:ext>
+            </a:extLst>
+          </p:cNvPr>
+          <p:cNvCxnSpPr>
+            <a:cxnSpLocks/>
+          </p:cNvCxnSpPr>
+          <p:nvPr/>
+        </p:nvCxnSpPr>
+        <p:spPr>
+          <a:xfrm>
+            <a:off x="5930248" y="1013664"/>
+            <a:ext cx="419986" cy="0"/>
+          </a:xfrm>
+          <a:prstGeom prst="line">
+            <a:avLst/>
+          </a:prstGeom>
+          <a:ln w="28575"/>
+        </p:spPr>
+        <p:style>
+          <a:lnRef idx="1">
+            <a:schemeClr val="dk1"/>
+          </a:lnRef>
+          <a:fillRef idx="0">
+            <a:schemeClr val="dk1"/>
+          </a:fillRef>
+          <a:effectRef idx="0">
+            <a:schemeClr val="dk1"/>
+          </a:effectRef>
+          <a:fontRef idx="minor">
+            <a:schemeClr val="tx1"/>
+          </a:fontRef>
+        </p:style>
+      </p:cxnSp>
+      <p:sp>
+        <p:nvSpPr>
+          <p:cNvPr id="11" name="Rectangle 10">
+            <a:extLst>
+              <a:ext uri="{FF2B5EF4-FFF2-40B4-BE49-F238E27FC236}">
+                <a16:creationId xmlns:a16="http://schemas.microsoft.com/office/drawing/2014/main" id="{2ED135E9-7528-404B-92A4-25D448C648DF}"/>
+              </a:ext>
+            </a:extLst>
+          </p:cNvPr>
+          <p:cNvSpPr/>
+          <p:nvPr/>
+        </p:nvSpPr>
+        <p:spPr>
+          <a:xfrm>
+            <a:off x="711145" y="3491697"/>
+            <a:ext cx="10781727" cy="2866573"/>
+          </a:xfrm>
+          <a:prstGeom prst="rect">
+            <a:avLst/>
+          </a:prstGeom>
+          <a:solidFill>
+            <a:schemeClr val="bg1">
+              <a:lumMod val="95000"/>
+            </a:schemeClr>
+          </a:solidFill>
+          <a:ln w="3175">
+            <a:solidFill>
+              <a:schemeClr val="bg1">
+                <a:lumMod val="85000"/>
+              </a:schemeClr>
+            </a:solidFill>
+          </a:ln>
+        </p:spPr>
+        <p:style>
+          <a:lnRef idx="2">
+            <a:schemeClr val="accent1">
+              <a:shade val="50000"/>
+            </a:schemeClr>
+          </a:lnRef>
+          <a:fillRef idx="1">
+            <a:schemeClr val="accent1"/>
+          </a:fillRef>
+          <a:effectRef idx="0">
+            <a:schemeClr val="accent1"/>
+          </a:effectRef>
+          <a:fontRef idx="minor">
+            <a:schemeClr val="lt1"/>
+          </a:fontRef>
+        </p:style>
+        <p:txBody>
+          <a:bodyPr rtlCol="0" anchor="ctr"/>
+          <a:lstStyle/>
+          <a:p>
+            <a:pPr lvl="1"/>
+            <a:r>
+              <a:rPr lang="en-US" dirty="0">
+                <a:solidFill>
+                  <a:schemeClr val="tx1"/>
+                </a:solidFill>
+              </a:rPr>
+              <a:t>&lt;</a:t>
+            </a:r>
+            <a:r>
+              <a:rPr lang="en-US" dirty="0">
+                <a:solidFill>
+                  <a:srgbClr val="FF0000"/>
+                </a:solidFill>
+              </a:rPr>
+              <a:t>div</a:t>
+            </a:r>
+            <a:r>
+              <a:rPr lang="en-US" dirty="0">
+                <a:solidFill>
+                  <a:schemeClr val="tx1"/>
+                </a:solidFill>
+              </a:rPr>
+              <a:t> </a:t>
+            </a:r>
+            <a:r>
+              <a:rPr lang="en-US" dirty="0">
+                <a:solidFill>
+                  <a:schemeClr val="accent2"/>
+                </a:solidFill>
+              </a:rPr>
+              <a:t>class=button id=button-01</a:t>
+            </a:r>
+            <a:r>
+              <a:rPr lang="en-US" dirty="0">
+                <a:solidFill>
+                  <a:schemeClr val="tx1"/>
+                </a:solidFill>
+              </a:rPr>
+              <a:t>&gt;</a:t>
+            </a:r>
+          </a:p>
+          <a:p>
+            <a:pPr lvl="1"/>
+            <a:r>
+              <a:rPr lang="en-US" dirty="0">
+                <a:solidFill>
+                  <a:schemeClr val="tx1"/>
+                </a:solidFill>
+              </a:rPr>
+              <a:t>	&lt;</a:t>
+            </a:r>
+            <a:r>
+              <a:rPr lang="en-US" dirty="0">
+                <a:solidFill>
+                  <a:srgbClr val="FF0000"/>
+                </a:solidFill>
+              </a:rPr>
+              <a:t>p</a:t>
+            </a:r>
+            <a:r>
+              <a:rPr lang="en-US" dirty="0">
+                <a:solidFill>
+                  <a:schemeClr val="tx1"/>
+                </a:solidFill>
+              </a:rPr>
+              <a:t>&gt; Hello World &lt;/</a:t>
+            </a:r>
+            <a:r>
+              <a:rPr lang="en-US" dirty="0">
+                <a:solidFill>
+                  <a:srgbClr val="FF0000"/>
+                </a:solidFill>
+              </a:rPr>
+              <a:t>p</a:t>
+            </a:r>
+            <a:r>
+              <a:rPr lang="en-US" dirty="0">
+                <a:solidFill>
+                  <a:schemeClr val="tx1"/>
+                </a:solidFill>
+              </a:rPr>
+              <a:t>&gt;</a:t>
+            </a:r>
+          </a:p>
+          <a:p>
+            <a:pPr lvl="1"/>
+            <a:r>
+              <a:rPr lang="en-US" dirty="0">
+                <a:solidFill>
+                  <a:schemeClr val="tx1"/>
+                </a:solidFill>
+              </a:rPr>
+              <a:t>	&lt;</a:t>
+            </a:r>
+            <a:r>
+              <a:rPr lang="en-US" dirty="0">
+                <a:solidFill>
+                  <a:srgbClr val="FF0000"/>
+                </a:solidFill>
+              </a:rPr>
+              <a:t>div</a:t>
+            </a:r>
+            <a:r>
+              <a:rPr lang="en-US" dirty="0">
+                <a:solidFill>
+                  <a:schemeClr val="tx1"/>
+                </a:solidFill>
+              </a:rPr>
+              <a:t> </a:t>
+            </a:r>
+            <a:r>
+              <a:rPr lang="en-US" dirty="0">
+                <a:solidFill>
+                  <a:schemeClr val="accent2"/>
+                </a:solidFill>
+              </a:rPr>
+              <a:t>class=line</a:t>
+            </a:r>
+            <a:r>
+              <a:rPr lang="en-US" dirty="0">
+                <a:solidFill>
+                  <a:schemeClr val="tx1"/>
+                </a:solidFill>
+              </a:rPr>
+              <a:t>&gt;&lt;/</a:t>
+            </a:r>
+            <a:r>
+              <a:rPr lang="en-US" dirty="0">
+                <a:solidFill>
+                  <a:srgbClr val="FF0000"/>
+                </a:solidFill>
+              </a:rPr>
+              <a:t>div</a:t>
+            </a:r>
+            <a:r>
+              <a:rPr lang="en-US" dirty="0">
+                <a:solidFill>
+                  <a:schemeClr val="tx1"/>
+                </a:solidFill>
+              </a:rPr>
+              <a:t>&gt;</a:t>
+            </a:r>
+          </a:p>
+          <a:p>
+            <a:pPr lvl="1"/>
+            <a:r>
+              <a:rPr lang="en-US" dirty="0">
+                <a:solidFill>
+                  <a:schemeClr val="tx1"/>
+                </a:solidFill>
+              </a:rPr>
+              <a:t>&lt;/</a:t>
+            </a:r>
+            <a:r>
+              <a:rPr lang="en-US" dirty="0">
+                <a:solidFill>
+                  <a:srgbClr val="FF0000"/>
+                </a:solidFill>
+              </a:rPr>
+              <a:t>div</a:t>
+            </a:r>
+            <a:r>
+              <a:rPr lang="en-US" dirty="0">
+                <a:solidFill>
+                  <a:schemeClr val="tx1"/>
+                </a:solidFill>
+              </a:rPr>
+              <a:t>&gt; </a:t>
+            </a:r>
+          </a:p>
+          <a:p>
+            <a:pPr lvl="1"/>
+            <a:endParaRPr lang="en-US" dirty="0">
+              <a:solidFill>
+                <a:schemeClr val="tx1"/>
+              </a:solidFill>
+            </a:endParaRPr>
+          </a:p>
+          <a:p>
+            <a:pPr lvl="1"/>
+            <a:r>
+              <a:rPr lang="en-US" dirty="0">
+                <a:solidFill>
+                  <a:schemeClr val="tx1"/>
+                </a:solidFill>
+              </a:rPr>
+              <a:t>&lt;</a:t>
+            </a:r>
+            <a:r>
+              <a:rPr lang="en-US" dirty="0">
+                <a:solidFill>
+                  <a:srgbClr val="FF0000"/>
+                </a:solidFill>
+              </a:rPr>
+              <a:t>div</a:t>
+            </a:r>
+            <a:r>
+              <a:rPr lang="en-US" dirty="0">
+                <a:solidFill>
+                  <a:schemeClr val="tx1"/>
+                </a:solidFill>
+              </a:rPr>
+              <a:t> </a:t>
+            </a:r>
+            <a:r>
+              <a:rPr lang="en-US" dirty="0">
+                <a:solidFill>
+                  <a:schemeClr val="accent2"/>
+                </a:solidFill>
+              </a:rPr>
+              <a:t>class=button id=button-02</a:t>
+            </a:r>
+            <a:r>
+              <a:rPr lang="en-US" dirty="0">
+                <a:solidFill>
+                  <a:schemeClr val="tx1"/>
+                </a:solidFill>
+              </a:rPr>
+              <a:t>&gt;</a:t>
+            </a:r>
+          </a:p>
+          <a:p>
+            <a:pPr lvl="1"/>
+            <a:r>
+              <a:rPr lang="en-US" dirty="0">
+                <a:solidFill>
+                  <a:schemeClr val="tx1"/>
+                </a:solidFill>
+              </a:rPr>
+              <a:t>	&lt;</a:t>
+            </a:r>
+            <a:r>
+              <a:rPr lang="en-US" dirty="0">
+                <a:solidFill>
+                  <a:srgbClr val="FF0000"/>
+                </a:solidFill>
+              </a:rPr>
+              <a:t>p</a:t>
+            </a:r>
+            <a:r>
+              <a:rPr lang="en-US" dirty="0">
+                <a:solidFill>
+                  <a:schemeClr val="tx1"/>
+                </a:solidFill>
+              </a:rPr>
+              <a:t>&gt; How Are You &lt;/</a:t>
+            </a:r>
+            <a:r>
+              <a:rPr lang="en-US" dirty="0">
+                <a:solidFill>
+                  <a:srgbClr val="FF0000"/>
+                </a:solidFill>
+              </a:rPr>
+              <a:t>p</a:t>
+            </a:r>
+            <a:r>
+              <a:rPr lang="en-US" dirty="0">
+                <a:solidFill>
+                  <a:schemeClr val="tx1"/>
+                </a:solidFill>
+              </a:rPr>
+              <a:t>&gt;</a:t>
+            </a:r>
+          </a:p>
+          <a:p>
+            <a:pPr lvl="1"/>
+            <a:r>
+              <a:rPr lang="en-US" dirty="0">
+                <a:solidFill>
+                  <a:schemeClr val="tx1"/>
+                </a:solidFill>
+              </a:rPr>
+              <a:t>	&lt;</a:t>
+            </a:r>
+            <a:r>
+              <a:rPr lang="en-US" dirty="0">
+                <a:solidFill>
+                  <a:srgbClr val="FF0000"/>
+                </a:solidFill>
+              </a:rPr>
+              <a:t>div</a:t>
+            </a:r>
+            <a:r>
+              <a:rPr lang="en-US" dirty="0">
+                <a:solidFill>
+                  <a:schemeClr val="tx1"/>
+                </a:solidFill>
+              </a:rPr>
+              <a:t> </a:t>
+            </a:r>
+            <a:r>
+              <a:rPr lang="en-US" dirty="0">
+                <a:solidFill>
+                  <a:schemeClr val="accent2"/>
+                </a:solidFill>
+              </a:rPr>
+              <a:t>class=line</a:t>
+            </a:r>
+            <a:r>
+              <a:rPr lang="en-US" dirty="0">
+                <a:solidFill>
+                  <a:schemeClr val="tx1"/>
+                </a:solidFill>
+              </a:rPr>
+              <a:t>&gt;&lt;/</a:t>
+            </a:r>
+            <a:r>
+              <a:rPr lang="en-US" dirty="0">
+                <a:solidFill>
+                  <a:srgbClr val="FF0000"/>
+                </a:solidFill>
+              </a:rPr>
+              <a:t>div</a:t>
+            </a:r>
+            <a:r>
+              <a:rPr lang="en-US" dirty="0">
+                <a:solidFill>
+                  <a:schemeClr val="tx1"/>
+                </a:solidFill>
+              </a:rPr>
+              <a:t>&gt;</a:t>
+            </a:r>
+          </a:p>
+          <a:p>
+            <a:pPr lvl="1"/>
+            <a:r>
+              <a:rPr lang="en-US" dirty="0">
+                <a:solidFill>
+                  <a:schemeClr val="tx1"/>
+                </a:solidFill>
+              </a:rPr>
+              <a:t>&lt;/</a:t>
+            </a:r>
+            <a:r>
+              <a:rPr lang="en-US" dirty="0">
+                <a:solidFill>
+                  <a:srgbClr val="FF0000"/>
+                </a:solidFill>
+              </a:rPr>
+              <a:t>div</a:t>
+            </a:r>
+            <a:r>
+              <a:rPr lang="en-US" dirty="0">
+                <a:solidFill>
+                  <a:schemeClr val="tx1"/>
+                </a:solidFill>
+              </a:rPr>
+              <a:t>&gt; </a:t>
+            </a:r>
+          </a:p>
+        </p:txBody>
+      </p:sp>
+      <p:sp>
+        <p:nvSpPr>
+          <p:cNvPr id="12" name="TextBox 11">
+            <a:extLst>
+              <a:ext uri="{FF2B5EF4-FFF2-40B4-BE49-F238E27FC236}">
+                <a16:creationId xmlns:a16="http://schemas.microsoft.com/office/drawing/2014/main" id="{88122BC7-BB43-A647-B4B5-D6187D2FE320}"/>
+              </a:ext>
+            </a:extLst>
+          </p:cNvPr>
+          <p:cNvSpPr txBox="1"/>
+          <p:nvPr/>
+        </p:nvSpPr>
+        <p:spPr>
+          <a:xfrm>
+            <a:off x="656596" y="3063968"/>
+            <a:ext cx="9090565" cy="464871"/>
+          </a:xfrm>
+          <a:prstGeom prst="rect">
+            <a:avLst/>
+          </a:prstGeom>
+          <a:noFill/>
+        </p:spPr>
+        <p:txBody>
+          <a:bodyPr wrap="none" rtlCol="0">
+            <a:spAutoFit/>
+          </a:bodyPr>
+          <a:lstStyle/>
+          <a:p>
+            <a:pPr>
+              <a:lnSpc>
+                <a:spcPct val="150000"/>
+              </a:lnSpc>
+            </a:pPr>
+            <a:r>
+              <a:rPr lang="en-US" dirty="0"/>
+              <a:t>Then we can have multiple .button elements, where each reveals their respective line on hover:</a:t>
+            </a:r>
+          </a:p>
+        </p:txBody>
+      </p:sp>
+      <p:sp>
+        <p:nvSpPr>
+          <p:cNvPr id="13" name="Rectangle 12">
+            <a:extLst>
+              <a:ext uri="{FF2B5EF4-FFF2-40B4-BE49-F238E27FC236}">
+                <a16:creationId xmlns:a16="http://schemas.microsoft.com/office/drawing/2014/main" id="{1CA9316B-6F71-834E-BFB5-A7BDF94F5F57}"/>
+              </a:ext>
+            </a:extLst>
+          </p:cNvPr>
+          <p:cNvSpPr/>
+          <p:nvPr/>
+        </p:nvSpPr>
+        <p:spPr>
+          <a:xfrm>
+            <a:off x="732411" y="1656476"/>
+            <a:ext cx="10760461" cy="1407492"/>
+          </a:xfrm>
+          <a:prstGeom prst="rect">
+            <a:avLst/>
+          </a:prstGeom>
+          <a:solidFill>
+            <a:schemeClr val="bg1">
+              <a:lumMod val="95000"/>
+            </a:schemeClr>
+          </a:solidFill>
+          <a:ln w="3175">
+            <a:solidFill>
+              <a:schemeClr val="bg1">
+                <a:lumMod val="85000"/>
+              </a:schemeClr>
+            </a:solidFill>
+          </a:ln>
+        </p:spPr>
+        <p:style>
+          <a:lnRef idx="2">
+            <a:schemeClr val="accent1">
+              <a:shade val="50000"/>
+            </a:schemeClr>
+          </a:lnRef>
+          <a:fillRef idx="1">
+            <a:schemeClr val="accent1"/>
+          </a:fillRef>
+          <a:effectRef idx="0">
+            <a:schemeClr val="accent1"/>
+          </a:effectRef>
+          <a:fontRef idx="minor">
+            <a:schemeClr val="lt1"/>
+          </a:fontRef>
+        </p:style>
+        <p:txBody>
+          <a:bodyPr rtlCol="0" anchor="ctr"/>
+          <a:lstStyle/>
+          <a:p>
+            <a:pPr lvl="1"/>
+            <a:r>
+              <a:rPr lang="en-US" dirty="0">
+                <a:solidFill>
+                  <a:schemeClr val="accent2"/>
+                </a:solidFill>
+              </a:rPr>
+              <a:t>.</a:t>
+            </a:r>
+            <a:r>
+              <a:rPr lang="en-US" dirty="0" err="1">
+                <a:solidFill>
+                  <a:schemeClr val="accent2"/>
+                </a:solidFill>
+              </a:rPr>
+              <a:t>button</a:t>
+            </a:r>
+            <a:r>
+              <a:rPr lang="en-US" dirty="0" err="1">
+                <a:solidFill>
+                  <a:srgbClr val="00B050"/>
+                </a:solidFill>
+              </a:rPr>
+              <a:t>:hover</a:t>
+            </a:r>
+            <a:r>
+              <a:rPr lang="en-US" dirty="0">
+                <a:solidFill>
+                  <a:schemeClr val="accent2"/>
+                </a:solidFill>
+              </a:rPr>
+              <a:t> </a:t>
+            </a:r>
+            <a:r>
+              <a:rPr lang="en-US" dirty="0">
+                <a:solidFill>
+                  <a:schemeClr val="tx1"/>
+                </a:solidFill>
+              </a:rPr>
+              <a:t>&gt;</a:t>
+            </a:r>
+            <a:r>
+              <a:rPr lang="en-US" dirty="0">
+                <a:solidFill>
+                  <a:schemeClr val="accent2"/>
+                </a:solidFill>
+              </a:rPr>
+              <a:t> .line </a:t>
+            </a:r>
+            <a:r>
+              <a:rPr lang="en-US" dirty="0">
+                <a:solidFill>
+                  <a:schemeClr val="tx1"/>
+                </a:solidFill>
+              </a:rPr>
+              <a:t>{</a:t>
+            </a:r>
+          </a:p>
+          <a:p>
+            <a:pPr lvl="1"/>
+            <a:r>
+              <a:rPr lang="en-US" dirty="0">
+                <a:solidFill>
+                  <a:schemeClr val="tx1"/>
+                </a:solidFill>
+              </a:rPr>
+              <a:t>	</a:t>
+            </a:r>
+            <a:r>
+              <a:rPr lang="en-US" dirty="0">
+                <a:solidFill>
+                  <a:schemeClr val="accent1"/>
+                </a:solidFill>
+              </a:rPr>
+              <a:t>width: 200px;</a:t>
+            </a:r>
+          </a:p>
+          <a:p>
+            <a:pPr lvl="1"/>
+            <a:r>
+              <a:rPr lang="en-US" dirty="0">
+                <a:solidFill>
+                  <a:schemeClr val="accent1"/>
+                </a:solidFill>
+              </a:rPr>
+              <a:t>	transition: all 0.25s; </a:t>
+            </a:r>
+            <a:r>
+              <a:rPr lang="en-US" dirty="0">
+                <a:solidFill>
+                  <a:schemeClr val="tx1"/>
+                </a:solidFill>
+              </a:rPr>
+              <a:t>}</a:t>
+            </a:r>
+          </a:p>
+        </p:txBody>
+      </p:sp>
+      <p:sp>
+        <p:nvSpPr>
+          <p:cNvPr id="14" name="TextBox 13">
+            <a:extLst>
+              <a:ext uri="{FF2B5EF4-FFF2-40B4-BE49-F238E27FC236}">
+                <a16:creationId xmlns:a16="http://schemas.microsoft.com/office/drawing/2014/main" id="{D26A03DE-223A-7B4E-9BAD-A90996603A68}"/>
+              </a:ext>
+            </a:extLst>
+          </p:cNvPr>
+          <p:cNvSpPr txBox="1"/>
+          <p:nvPr/>
+        </p:nvSpPr>
+        <p:spPr>
+          <a:xfrm>
+            <a:off x="656596" y="1207480"/>
+            <a:ext cx="2761525" cy="464871"/>
+          </a:xfrm>
+          <a:prstGeom prst="rect">
+            <a:avLst/>
+          </a:prstGeom>
+          <a:noFill/>
+        </p:spPr>
+        <p:txBody>
+          <a:bodyPr wrap="none" rtlCol="0">
+            <a:spAutoFit/>
+          </a:bodyPr>
+          <a:lstStyle/>
+          <a:p>
+            <a:pPr>
+              <a:lnSpc>
+                <a:spcPct val="150000"/>
+              </a:lnSpc>
+            </a:pPr>
+            <a:r>
+              <a:rPr lang="en-US" dirty="0"/>
+              <a:t>If we redefine the hover as:</a:t>
+            </a:r>
+            <a:endParaRPr lang="en-US" i="1" dirty="0"/>
           </a:p>
         </p:txBody>
       </p:sp>
     </p:spTree>
     <p:extLst>
       <p:ext uri="{BB962C8B-B14F-4D97-AF65-F5344CB8AC3E}">
-        <p14:creationId xmlns:p14="http://schemas.microsoft.com/office/powerpoint/2010/main" val="1340621748"/>
+        <p14:creationId xmlns:p14="http://schemas.microsoft.com/office/powerpoint/2010/main" val="3321705852"/>
       </p:ext>
     </p:extLst>
   </p:cSld>
   <p:clrMapOvr>
     <a:masterClrMapping/>
   </p:clrMapOvr>
+</p:sld>
+</file>
+
+<file path=ppt/slides/slide6.xml><?xml version="1.0" encoding="utf-8"?>
+<p:sld xmlns:a="http://schemas.openxmlformats.org/drawingml/2006/main" xmlns:r="http://schemas.openxmlformats.org/officeDocument/2006/relationships" xmlns:p="http://schemas.openxmlformats.org/presentationml/2006/main">
+  <p:cSld>
+    <p:bg>
+      <p:bgPr>
+        <a:solidFill>
+          <a:schemeClr val="bg2"/>
+        </a:solidFill>
+        <a:effectLst/>
+      </p:bgPr>
+    </p:bg>
+    <p:spTree>
+      <p:nvGrpSpPr>
+        <p:cNvPr id="1" name=""/>
+        <p:cNvGrpSpPr/>
+        <p:nvPr/>
+      </p:nvGrpSpPr>
+      <p:grpSpPr>
+        <a:xfrm>
+          <a:off x="0" y="0"/>
+          <a:ext cx="0" cy="0"/>
+          <a:chOff x="0" y="0"/>
+          <a:chExt cx="0" cy="0"/>
+        </a:xfrm>
+      </p:grpSpPr>
+      <p:sp>
+        <p:nvSpPr>
+          <p:cNvPr id="4" name="Rectangle 3">
+            <a:extLst>
+              <a:ext uri="{FF2B5EF4-FFF2-40B4-BE49-F238E27FC236}">
+                <a16:creationId xmlns:a16="http://schemas.microsoft.com/office/drawing/2014/main" id="{678F1DA2-2833-49FF-9287-44720AC6C8D2}"/>
+              </a:ext>
+            </a:extLst>
+          </p:cNvPr>
+          <p:cNvSpPr/>
+          <p:nvPr/>
+        </p:nvSpPr>
+        <p:spPr>
+          <a:xfrm>
+            <a:off x="0" y="6581001"/>
+            <a:ext cx="9976268" cy="276999"/>
+          </a:xfrm>
+          <a:prstGeom prst="rect">
+            <a:avLst/>
+          </a:prstGeom>
+          <a:solidFill>
+            <a:srgbClr val="92D050"/>
+          </a:solidFill>
+          <a:ln>
+            <a:noFill/>
+          </a:ln>
+        </p:spPr>
+        <p:style>
+          <a:lnRef idx="2">
+            <a:schemeClr val="accent1">
+              <a:shade val="50000"/>
+            </a:schemeClr>
+          </a:lnRef>
+          <a:fillRef idx="1">
+            <a:schemeClr val="accent1"/>
+          </a:fillRef>
+          <a:effectRef idx="0">
+            <a:schemeClr val="accent1"/>
+          </a:effectRef>
+          <a:fontRef idx="minor">
+            <a:schemeClr val="lt1"/>
+          </a:fontRef>
+        </p:style>
+        <p:txBody>
+          <a:bodyPr rtlCol="0" anchor="ctr"/>
+          <a:lstStyle/>
+          <a:p>
+            <a:pPr algn="ctr"/>
+            <a:endParaRPr lang="en-US" dirty="0"/>
+          </a:p>
+        </p:txBody>
+      </p:sp>
+      <p:sp>
+        <p:nvSpPr>
+          <p:cNvPr id="5" name="TextBox 4">
+            <a:extLst>
+              <a:ext uri="{FF2B5EF4-FFF2-40B4-BE49-F238E27FC236}">
+                <a16:creationId xmlns:a16="http://schemas.microsoft.com/office/drawing/2014/main" id="{9758F7A4-2143-4CCD-B8B3-8B4A1461ECF9}"/>
+              </a:ext>
+            </a:extLst>
+          </p:cNvPr>
+          <p:cNvSpPr txBox="1"/>
+          <p:nvPr/>
+        </p:nvSpPr>
+        <p:spPr>
+          <a:xfrm>
+            <a:off x="36674" y="6583215"/>
+            <a:ext cx="2682077" cy="276999"/>
+          </a:xfrm>
+          <a:prstGeom prst="rect">
+            <a:avLst/>
+          </a:prstGeom>
+          <a:noFill/>
+        </p:spPr>
+        <p:txBody>
+          <a:bodyPr wrap="square" rtlCol="0">
+            <a:spAutoFit/>
+          </a:bodyPr>
+          <a:lstStyle/>
+          <a:p>
+            <a:r>
+              <a:rPr lang="en-US" sz="1200" dirty="0">
+                <a:solidFill>
+                  <a:schemeClr val="bg1"/>
+                </a:solidFill>
+              </a:rPr>
+              <a:t>Building Personal Websites</a:t>
+            </a:r>
+          </a:p>
+        </p:txBody>
+      </p:sp>
+      <p:sp>
+        <p:nvSpPr>
+          <p:cNvPr id="6" name="Rectangle 5">
+            <a:extLst>
+              <a:ext uri="{FF2B5EF4-FFF2-40B4-BE49-F238E27FC236}">
+                <a16:creationId xmlns:a16="http://schemas.microsoft.com/office/drawing/2014/main" id="{40845236-8634-4353-BA0D-8817FE36EC7A}"/>
+              </a:ext>
+            </a:extLst>
+          </p:cNvPr>
+          <p:cNvSpPr/>
+          <p:nvPr/>
+        </p:nvSpPr>
+        <p:spPr>
+          <a:xfrm>
+            <a:off x="9921514" y="6581001"/>
+            <a:ext cx="2270485" cy="276999"/>
+          </a:xfrm>
+          <a:prstGeom prst="rect">
+            <a:avLst/>
+          </a:prstGeom>
+          <a:solidFill>
+            <a:srgbClr val="00B0F0"/>
+          </a:solidFill>
+          <a:ln>
+            <a:noFill/>
+          </a:ln>
+        </p:spPr>
+        <p:style>
+          <a:lnRef idx="2">
+            <a:schemeClr val="accent1">
+              <a:shade val="50000"/>
+            </a:schemeClr>
+          </a:lnRef>
+          <a:fillRef idx="1">
+            <a:schemeClr val="accent1"/>
+          </a:fillRef>
+          <a:effectRef idx="0">
+            <a:schemeClr val="accent1"/>
+          </a:effectRef>
+          <a:fontRef idx="minor">
+            <a:schemeClr val="lt1"/>
+          </a:fontRef>
+        </p:style>
+        <p:txBody>
+          <a:bodyPr rtlCol="0" anchor="ctr"/>
+          <a:lstStyle/>
+          <a:p>
+            <a:pPr algn="ctr"/>
+            <a:endParaRPr lang="en-US" dirty="0"/>
+          </a:p>
+        </p:txBody>
+      </p:sp>
+      <p:sp>
+        <p:nvSpPr>
+          <p:cNvPr id="8" name="TextBox 7">
+            <a:extLst>
+              <a:ext uri="{FF2B5EF4-FFF2-40B4-BE49-F238E27FC236}">
+                <a16:creationId xmlns:a16="http://schemas.microsoft.com/office/drawing/2014/main" id="{6403EA4A-E7EB-4525-B0D2-13B3997D5780}"/>
+              </a:ext>
+            </a:extLst>
+          </p:cNvPr>
+          <p:cNvSpPr txBox="1"/>
+          <p:nvPr/>
+        </p:nvSpPr>
+        <p:spPr>
+          <a:xfrm>
+            <a:off x="9958188" y="6578787"/>
+            <a:ext cx="2682077" cy="276999"/>
+          </a:xfrm>
+          <a:prstGeom prst="rect">
+            <a:avLst/>
+          </a:prstGeom>
+          <a:noFill/>
+        </p:spPr>
+        <p:txBody>
+          <a:bodyPr wrap="square" rtlCol="0">
+            <a:spAutoFit/>
+          </a:bodyPr>
+          <a:lstStyle/>
+          <a:p>
+            <a:r>
+              <a:rPr lang="en-US" sz="1200" dirty="0">
+                <a:solidFill>
+                  <a:schemeClr val="bg1"/>
+                </a:solidFill>
+              </a:rPr>
+              <a:t>Lecture 14 | Interactive Elements</a:t>
+            </a:r>
+          </a:p>
+        </p:txBody>
+      </p:sp>
+      <p:sp>
+        <p:nvSpPr>
+          <p:cNvPr id="3" name="TextBox 2">
+            <a:extLst>
+              <a:ext uri="{FF2B5EF4-FFF2-40B4-BE49-F238E27FC236}">
+                <a16:creationId xmlns:a16="http://schemas.microsoft.com/office/drawing/2014/main" id="{3720B5D8-AC15-4502-8D58-9C3FDF958DB1}"/>
+              </a:ext>
+            </a:extLst>
+          </p:cNvPr>
+          <p:cNvSpPr txBox="1"/>
+          <p:nvPr/>
+        </p:nvSpPr>
+        <p:spPr>
+          <a:xfrm>
+            <a:off x="372138" y="4147379"/>
+            <a:ext cx="9976267" cy="2018694"/>
+          </a:xfrm>
+          <a:prstGeom prst="rect">
+            <a:avLst/>
+          </a:prstGeom>
+          <a:noFill/>
+        </p:spPr>
+        <p:txBody>
+          <a:bodyPr wrap="square" rtlCol="0">
+            <a:spAutoFit/>
+          </a:bodyPr>
+          <a:lstStyle/>
+          <a:p>
+            <a:pPr marL="285750" indent="-285750">
+              <a:lnSpc>
+                <a:spcPct val="150000"/>
+              </a:lnSpc>
+              <a:buFont typeface="Arial" panose="020B0604020202020204" pitchFamily="34" charset="0"/>
+              <a:buChar char="•"/>
+            </a:pPr>
+            <a:r>
+              <a:rPr lang="en-US" sz="4400" strike="sngStrike" dirty="0">
+                <a:solidFill>
+                  <a:schemeClr val="bg1">
+                    <a:lumMod val="65000"/>
+                  </a:schemeClr>
+                </a:solidFill>
+              </a:rPr>
+              <a:t> Underline Animations</a:t>
+            </a:r>
+          </a:p>
+          <a:p>
+            <a:pPr marL="285750" indent="-285750">
+              <a:lnSpc>
+                <a:spcPct val="150000"/>
+              </a:lnSpc>
+              <a:buFont typeface="Arial" panose="020B0604020202020204" pitchFamily="34" charset="0"/>
+              <a:buChar char="•"/>
+            </a:pPr>
+            <a:r>
+              <a:rPr lang="en-US" sz="4400" dirty="0"/>
+              <a:t> Reveal Content</a:t>
+            </a:r>
+          </a:p>
+        </p:txBody>
+      </p:sp>
+    </p:spTree>
+    <p:extLst>
+      <p:ext uri="{BB962C8B-B14F-4D97-AF65-F5344CB8AC3E}">
+        <p14:creationId xmlns:p14="http://schemas.microsoft.com/office/powerpoint/2010/main" val="799226950"/>
+      </p:ext>
+    </p:extLst>
+  </p:cSld>
+  <p:clrMapOvr>
+    <a:masterClrMapping/>
+  </p:clrMapOvr>
+</p:sld>
+</file>
+
+<file path=ppt/slides/slide7.xml><?xml version="1.0" encoding="utf-8"?>
+<p:sld xmlns:a="http://schemas.openxmlformats.org/drawingml/2006/main" xmlns:r="http://schemas.openxmlformats.org/officeDocument/2006/relationships" xmlns:p="http://schemas.openxmlformats.org/presentationml/2006/main">
+  <p:cSld>
+    <p:bg>
+      <p:bgPr>
+        <a:solidFill>
+          <a:schemeClr val="bg2"/>
+        </a:solidFill>
+        <a:effectLst/>
+      </p:bgPr>
+    </p:bg>
+    <p:spTree>
+      <p:nvGrpSpPr>
+        <p:cNvPr id="1" name=""/>
+        <p:cNvGrpSpPr/>
+        <p:nvPr/>
+      </p:nvGrpSpPr>
+      <p:grpSpPr>
+        <a:xfrm>
+          <a:off x="0" y="0"/>
+          <a:ext cx="0" cy="0"/>
+          <a:chOff x="0" y="0"/>
+          <a:chExt cx="0" cy="0"/>
+        </a:xfrm>
+      </p:grpSpPr>
+      <p:sp>
+        <p:nvSpPr>
+          <p:cNvPr id="4" name="Rectangle 3">
+            <a:extLst>
+              <a:ext uri="{FF2B5EF4-FFF2-40B4-BE49-F238E27FC236}">
+                <a16:creationId xmlns:a16="http://schemas.microsoft.com/office/drawing/2014/main" id="{678F1DA2-2833-49FF-9287-44720AC6C8D2}"/>
+              </a:ext>
+            </a:extLst>
+          </p:cNvPr>
+          <p:cNvSpPr/>
+          <p:nvPr/>
+        </p:nvSpPr>
+        <p:spPr>
+          <a:xfrm>
+            <a:off x="0" y="6581001"/>
+            <a:ext cx="9976268" cy="276999"/>
+          </a:xfrm>
+          <a:prstGeom prst="rect">
+            <a:avLst/>
+          </a:prstGeom>
+          <a:solidFill>
+            <a:srgbClr val="92D050"/>
+          </a:solidFill>
+          <a:ln>
+            <a:noFill/>
+          </a:ln>
+        </p:spPr>
+        <p:style>
+          <a:lnRef idx="2">
+            <a:schemeClr val="accent1">
+              <a:shade val="50000"/>
+            </a:schemeClr>
+          </a:lnRef>
+          <a:fillRef idx="1">
+            <a:schemeClr val="accent1"/>
+          </a:fillRef>
+          <a:effectRef idx="0">
+            <a:schemeClr val="accent1"/>
+          </a:effectRef>
+          <a:fontRef idx="minor">
+            <a:schemeClr val="lt1"/>
+          </a:fontRef>
+        </p:style>
+        <p:txBody>
+          <a:bodyPr rtlCol="0" anchor="ctr"/>
+          <a:lstStyle/>
+          <a:p>
+            <a:pPr algn="ctr"/>
+            <a:endParaRPr lang="en-US" dirty="0"/>
+          </a:p>
+        </p:txBody>
+      </p:sp>
+      <p:sp>
+        <p:nvSpPr>
+          <p:cNvPr id="5" name="TextBox 4">
+            <a:extLst>
+              <a:ext uri="{FF2B5EF4-FFF2-40B4-BE49-F238E27FC236}">
+                <a16:creationId xmlns:a16="http://schemas.microsoft.com/office/drawing/2014/main" id="{9758F7A4-2143-4CCD-B8B3-8B4A1461ECF9}"/>
+              </a:ext>
+            </a:extLst>
+          </p:cNvPr>
+          <p:cNvSpPr txBox="1"/>
+          <p:nvPr/>
+        </p:nvSpPr>
+        <p:spPr>
+          <a:xfrm>
+            <a:off x="36674" y="6583215"/>
+            <a:ext cx="2682077" cy="276999"/>
+          </a:xfrm>
+          <a:prstGeom prst="rect">
+            <a:avLst/>
+          </a:prstGeom>
+          <a:noFill/>
+        </p:spPr>
+        <p:txBody>
+          <a:bodyPr wrap="square" rtlCol="0">
+            <a:spAutoFit/>
+          </a:bodyPr>
+          <a:lstStyle/>
+          <a:p>
+            <a:r>
+              <a:rPr lang="en-US" sz="1200" dirty="0">
+                <a:solidFill>
+                  <a:schemeClr val="bg1"/>
+                </a:solidFill>
+              </a:rPr>
+              <a:t>Building Personal Websites</a:t>
+            </a:r>
+          </a:p>
+        </p:txBody>
+      </p:sp>
+      <p:sp>
+        <p:nvSpPr>
+          <p:cNvPr id="6" name="Rectangle 5">
+            <a:extLst>
+              <a:ext uri="{FF2B5EF4-FFF2-40B4-BE49-F238E27FC236}">
+                <a16:creationId xmlns:a16="http://schemas.microsoft.com/office/drawing/2014/main" id="{40845236-8634-4353-BA0D-8817FE36EC7A}"/>
+              </a:ext>
+            </a:extLst>
+          </p:cNvPr>
+          <p:cNvSpPr/>
+          <p:nvPr/>
+        </p:nvSpPr>
+        <p:spPr>
+          <a:xfrm>
+            <a:off x="9921514" y="6581001"/>
+            <a:ext cx="2270485" cy="276999"/>
+          </a:xfrm>
+          <a:prstGeom prst="rect">
+            <a:avLst/>
+          </a:prstGeom>
+          <a:solidFill>
+            <a:srgbClr val="00B0F0"/>
+          </a:solidFill>
+          <a:ln>
+            <a:noFill/>
+          </a:ln>
+        </p:spPr>
+        <p:style>
+          <a:lnRef idx="2">
+            <a:schemeClr val="accent1">
+              <a:shade val="50000"/>
+            </a:schemeClr>
+          </a:lnRef>
+          <a:fillRef idx="1">
+            <a:schemeClr val="accent1"/>
+          </a:fillRef>
+          <a:effectRef idx="0">
+            <a:schemeClr val="accent1"/>
+          </a:effectRef>
+          <a:fontRef idx="minor">
+            <a:schemeClr val="lt1"/>
+          </a:fontRef>
+        </p:style>
+        <p:txBody>
+          <a:bodyPr rtlCol="0" anchor="ctr"/>
+          <a:lstStyle/>
+          <a:p>
+            <a:pPr algn="ctr"/>
+            <a:endParaRPr lang="en-US" dirty="0"/>
+          </a:p>
+        </p:txBody>
+      </p:sp>
+      <p:sp>
+        <p:nvSpPr>
+          <p:cNvPr id="8" name="TextBox 7">
+            <a:extLst>
+              <a:ext uri="{FF2B5EF4-FFF2-40B4-BE49-F238E27FC236}">
+                <a16:creationId xmlns:a16="http://schemas.microsoft.com/office/drawing/2014/main" id="{6403EA4A-E7EB-4525-B0D2-13B3997D5780}"/>
+              </a:ext>
+            </a:extLst>
+          </p:cNvPr>
+          <p:cNvSpPr txBox="1"/>
+          <p:nvPr/>
+        </p:nvSpPr>
+        <p:spPr>
+          <a:xfrm>
+            <a:off x="9958188" y="6578787"/>
+            <a:ext cx="2682077" cy="276999"/>
+          </a:xfrm>
+          <a:prstGeom prst="rect">
+            <a:avLst/>
+          </a:prstGeom>
+          <a:noFill/>
+        </p:spPr>
+        <p:txBody>
+          <a:bodyPr wrap="square" rtlCol="0">
+            <a:spAutoFit/>
+          </a:bodyPr>
+          <a:lstStyle/>
+          <a:p>
+            <a:r>
+              <a:rPr lang="en-US" sz="1200" dirty="0">
+                <a:solidFill>
+                  <a:schemeClr val="bg1"/>
+                </a:solidFill>
+              </a:rPr>
+              <a:t>Lecture 14 | Interactive Elements</a:t>
+            </a:r>
+          </a:p>
+        </p:txBody>
+      </p:sp>
+      <p:sp>
+        <p:nvSpPr>
+          <p:cNvPr id="7" name="TextBox 6">
+            <a:extLst>
+              <a:ext uri="{FF2B5EF4-FFF2-40B4-BE49-F238E27FC236}">
+                <a16:creationId xmlns:a16="http://schemas.microsoft.com/office/drawing/2014/main" id="{5760102D-7801-5740-8ECF-B54D06E9F1EA}"/>
+              </a:ext>
+            </a:extLst>
+          </p:cNvPr>
+          <p:cNvSpPr txBox="1"/>
+          <p:nvPr/>
+        </p:nvSpPr>
+        <p:spPr>
+          <a:xfrm>
+            <a:off x="3474369" y="10633"/>
+            <a:ext cx="5310478" cy="1003031"/>
+          </a:xfrm>
+          <a:prstGeom prst="rect">
+            <a:avLst/>
+          </a:prstGeom>
+          <a:noFill/>
+        </p:spPr>
+        <p:txBody>
+          <a:bodyPr wrap="square" rtlCol="0">
+            <a:spAutoFit/>
+          </a:bodyPr>
+          <a:lstStyle/>
+          <a:p>
+            <a:pPr algn="ctr">
+              <a:lnSpc>
+                <a:spcPct val="150000"/>
+              </a:lnSpc>
+            </a:pPr>
+            <a:r>
+              <a:rPr lang="en-US" sz="4400" dirty="0"/>
+              <a:t>Overflow</a:t>
+            </a:r>
+          </a:p>
+        </p:txBody>
+      </p:sp>
+      <p:cxnSp>
+        <p:nvCxnSpPr>
+          <p:cNvPr id="9" name="Straight Connector 8">
+            <a:extLst>
+              <a:ext uri="{FF2B5EF4-FFF2-40B4-BE49-F238E27FC236}">
+                <a16:creationId xmlns:a16="http://schemas.microsoft.com/office/drawing/2014/main" id="{646ED5A1-C2B9-0946-81D8-FEC995F80ADC}"/>
+              </a:ext>
+            </a:extLst>
+          </p:cNvPr>
+          <p:cNvCxnSpPr>
+            <a:cxnSpLocks/>
+          </p:cNvCxnSpPr>
+          <p:nvPr/>
+        </p:nvCxnSpPr>
+        <p:spPr>
+          <a:xfrm>
+            <a:off x="5930248" y="1013664"/>
+            <a:ext cx="419986" cy="0"/>
+          </a:xfrm>
+          <a:prstGeom prst="line">
+            <a:avLst/>
+          </a:prstGeom>
+          <a:ln w="28575"/>
+        </p:spPr>
+        <p:style>
+          <a:lnRef idx="1">
+            <a:schemeClr val="dk1"/>
+          </a:lnRef>
+          <a:fillRef idx="0">
+            <a:schemeClr val="dk1"/>
+          </a:fillRef>
+          <a:effectRef idx="0">
+            <a:schemeClr val="dk1"/>
+          </a:effectRef>
+          <a:fontRef idx="minor">
+            <a:schemeClr val="tx1"/>
+          </a:fontRef>
+        </p:style>
+      </p:cxnSp>
+      <p:sp>
+        <p:nvSpPr>
+          <p:cNvPr id="12" name="TextBox 11">
+            <a:extLst>
+              <a:ext uri="{FF2B5EF4-FFF2-40B4-BE49-F238E27FC236}">
+                <a16:creationId xmlns:a16="http://schemas.microsoft.com/office/drawing/2014/main" id="{88122BC7-BB43-A647-B4B5-D6187D2FE320}"/>
+              </a:ext>
+            </a:extLst>
+          </p:cNvPr>
+          <p:cNvSpPr txBox="1"/>
+          <p:nvPr/>
+        </p:nvSpPr>
+        <p:spPr>
+          <a:xfrm>
+            <a:off x="667229" y="1354540"/>
+            <a:ext cx="10738645" cy="464871"/>
+          </a:xfrm>
+          <a:prstGeom prst="rect">
+            <a:avLst/>
+          </a:prstGeom>
+          <a:noFill/>
+        </p:spPr>
+        <p:txBody>
+          <a:bodyPr wrap="none" rtlCol="0">
+            <a:spAutoFit/>
+          </a:bodyPr>
+          <a:lstStyle/>
+          <a:p>
+            <a:pPr>
+              <a:lnSpc>
+                <a:spcPct val="150000"/>
+              </a:lnSpc>
+            </a:pPr>
+            <a:r>
+              <a:rPr lang="en-US" dirty="0"/>
+              <a:t>Overflow is a CSS property that defines how overflowed content (content outside div bounds) should be handled.</a:t>
+            </a:r>
+          </a:p>
+        </p:txBody>
+      </p:sp>
+      <p:sp>
+        <p:nvSpPr>
+          <p:cNvPr id="15" name="Rectangle 14">
+            <a:extLst>
+              <a:ext uri="{FF2B5EF4-FFF2-40B4-BE49-F238E27FC236}">
+                <a16:creationId xmlns:a16="http://schemas.microsoft.com/office/drawing/2014/main" id="{D2EC83E7-7C84-FC4F-9BB0-3724B50C8C54}"/>
+              </a:ext>
+            </a:extLst>
+          </p:cNvPr>
+          <p:cNvSpPr/>
+          <p:nvPr/>
+        </p:nvSpPr>
+        <p:spPr>
+          <a:xfrm>
+            <a:off x="751199" y="2387771"/>
+            <a:ext cx="10484937" cy="673312"/>
+          </a:xfrm>
+          <a:prstGeom prst="rect">
+            <a:avLst/>
+          </a:prstGeom>
+          <a:solidFill>
+            <a:schemeClr val="bg1">
+              <a:lumMod val="95000"/>
+            </a:schemeClr>
+          </a:solidFill>
+          <a:ln w="3175">
+            <a:solidFill>
+              <a:schemeClr val="bg1">
+                <a:lumMod val="85000"/>
+              </a:schemeClr>
+            </a:solidFill>
+          </a:ln>
+        </p:spPr>
+        <p:style>
+          <a:lnRef idx="2">
+            <a:schemeClr val="accent1">
+              <a:shade val="50000"/>
+            </a:schemeClr>
+          </a:lnRef>
+          <a:fillRef idx="1">
+            <a:schemeClr val="accent1"/>
+          </a:fillRef>
+          <a:effectRef idx="0">
+            <a:schemeClr val="accent1"/>
+          </a:effectRef>
+          <a:fontRef idx="minor">
+            <a:schemeClr val="lt1"/>
+          </a:fontRef>
+        </p:style>
+        <p:txBody>
+          <a:bodyPr rtlCol="0" anchor="ctr"/>
+          <a:lstStyle/>
+          <a:p>
+            <a:pPr lvl="1"/>
+            <a:r>
+              <a:rPr lang="en-US" dirty="0">
+                <a:solidFill>
+                  <a:schemeClr val="accent1"/>
+                </a:solidFill>
+              </a:rPr>
+              <a:t>overflow: visible;</a:t>
+            </a:r>
+          </a:p>
+        </p:txBody>
+      </p:sp>
+      <p:sp>
+        <p:nvSpPr>
+          <p:cNvPr id="16" name="TextBox 15">
+            <a:extLst>
+              <a:ext uri="{FF2B5EF4-FFF2-40B4-BE49-F238E27FC236}">
+                <a16:creationId xmlns:a16="http://schemas.microsoft.com/office/drawing/2014/main" id="{5D91C9F7-BCF2-F84A-98B9-D98E90915AA5}"/>
+              </a:ext>
+            </a:extLst>
+          </p:cNvPr>
+          <p:cNvSpPr txBox="1"/>
+          <p:nvPr/>
+        </p:nvSpPr>
+        <p:spPr>
+          <a:xfrm>
+            <a:off x="675384" y="1960041"/>
+            <a:ext cx="5508239" cy="464871"/>
+          </a:xfrm>
+          <a:prstGeom prst="rect">
+            <a:avLst/>
+          </a:prstGeom>
+          <a:noFill/>
+        </p:spPr>
+        <p:txBody>
+          <a:bodyPr wrap="none" rtlCol="0">
+            <a:spAutoFit/>
+          </a:bodyPr>
+          <a:lstStyle/>
+          <a:p>
+            <a:pPr>
+              <a:lnSpc>
+                <a:spcPct val="150000"/>
+              </a:lnSpc>
+            </a:pPr>
+            <a:r>
+              <a:rPr lang="en-US" dirty="0"/>
+              <a:t>Overflowed content is visible outside container (default).</a:t>
+            </a:r>
+          </a:p>
+        </p:txBody>
+      </p:sp>
+      <p:sp>
+        <p:nvSpPr>
+          <p:cNvPr id="17" name="Rectangle 16">
+            <a:extLst>
+              <a:ext uri="{FF2B5EF4-FFF2-40B4-BE49-F238E27FC236}">
+                <a16:creationId xmlns:a16="http://schemas.microsoft.com/office/drawing/2014/main" id="{7EB79739-F1D9-2445-8603-65C23110D6FC}"/>
+              </a:ext>
+            </a:extLst>
+          </p:cNvPr>
+          <p:cNvSpPr/>
+          <p:nvPr/>
+        </p:nvSpPr>
+        <p:spPr>
+          <a:xfrm>
+            <a:off x="751199" y="3594995"/>
+            <a:ext cx="10484937" cy="673312"/>
+          </a:xfrm>
+          <a:prstGeom prst="rect">
+            <a:avLst/>
+          </a:prstGeom>
+          <a:solidFill>
+            <a:schemeClr val="bg1">
+              <a:lumMod val="95000"/>
+            </a:schemeClr>
+          </a:solidFill>
+          <a:ln w="3175">
+            <a:solidFill>
+              <a:schemeClr val="bg1">
+                <a:lumMod val="85000"/>
+              </a:schemeClr>
+            </a:solidFill>
+          </a:ln>
+        </p:spPr>
+        <p:style>
+          <a:lnRef idx="2">
+            <a:schemeClr val="accent1">
+              <a:shade val="50000"/>
+            </a:schemeClr>
+          </a:lnRef>
+          <a:fillRef idx="1">
+            <a:schemeClr val="accent1"/>
+          </a:fillRef>
+          <a:effectRef idx="0">
+            <a:schemeClr val="accent1"/>
+          </a:effectRef>
+          <a:fontRef idx="minor">
+            <a:schemeClr val="lt1"/>
+          </a:fontRef>
+        </p:style>
+        <p:txBody>
+          <a:bodyPr rtlCol="0" anchor="ctr"/>
+          <a:lstStyle/>
+          <a:p>
+            <a:pPr lvl="1"/>
+            <a:r>
+              <a:rPr lang="en-US" dirty="0">
+                <a:solidFill>
+                  <a:schemeClr val="accent1"/>
+                </a:solidFill>
+              </a:rPr>
+              <a:t>overflow: hidden;</a:t>
+            </a:r>
+          </a:p>
+        </p:txBody>
+      </p:sp>
+      <p:sp>
+        <p:nvSpPr>
+          <p:cNvPr id="18" name="TextBox 17">
+            <a:extLst>
+              <a:ext uri="{FF2B5EF4-FFF2-40B4-BE49-F238E27FC236}">
+                <a16:creationId xmlns:a16="http://schemas.microsoft.com/office/drawing/2014/main" id="{4927BFED-B0E0-FD4E-ABE3-6FCAAE012807}"/>
+              </a:ext>
+            </a:extLst>
+          </p:cNvPr>
+          <p:cNvSpPr txBox="1"/>
+          <p:nvPr/>
+        </p:nvSpPr>
+        <p:spPr>
+          <a:xfrm>
+            <a:off x="675384" y="3167265"/>
+            <a:ext cx="3676327" cy="464871"/>
+          </a:xfrm>
+          <a:prstGeom prst="rect">
+            <a:avLst/>
+          </a:prstGeom>
+          <a:noFill/>
+        </p:spPr>
+        <p:txBody>
+          <a:bodyPr wrap="none" rtlCol="0">
+            <a:spAutoFit/>
+          </a:bodyPr>
+          <a:lstStyle/>
+          <a:p>
+            <a:pPr>
+              <a:lnSpc>
+                <a:spcPct val="150000"/>
+              </a:lnSpc>
+            </a:pPr>
+            <a:r>
+              <a:rPr lang="en-US" dirty="0"/>
+              <a:t>Overflowed content does not display.</a:t>
+            </a:r>
+          </a:p>
+        </p:txBody>
+      </p:sp>
+      <p:sp>
+        <p:nvSpPr>
+          <p:cNvPr id="19" name="Rectangle 18">
+            <a:extLst>
+              <a:ext uri="{FF2B5EF4-FFF2-40B4-BE49-F238E27FC236}">
+                <a16:creationId xmlns:a16="http://schemas.microsoft.com/office/drawing/2014/main" id="{D48293CD-5D6B-2B43-98F7-9F5C92854D39}"/>
+              </a:ext>
+            </a:extLst>
+          </p:cNvPr>
+          <p:cNvSpPr/>
+          <p:nvPr/>
+        </p:nvSpPr>
+        <p:spPr>
+          <a:xfrm>
+            <a:off x="751199" y="4802219"/>
+            <a:ext cx="10484937" cy="673312"/>
+          </a:xfrm>
+          <a:prstGeom prst="rect">
+            <a:avLst/>
+          </a:prstGeom>
+          <a:solidFill>
+            <a:schemeClr val="bg1">
+              <a:lumMod val="95000"/>
+            </a:schemeClr>
+          </a:solidFill>
+          <a:ln w="3175">
+            <a:solidFill>
+              <a:schemeClr val="bg1">
+                <a:lumMod val="85000"/>
+              </a:schemeClr>
+            </a:solidFill>
+          </a:ln>
+        </p:spPr>
+        <p:style>
+          <a:lnRef idx="2">
+            <a:schemeClr val="accent1">
+              <a:shade val="50000"/>
+            </a:schemeClr>
+          </a:lnRef>
+          <a:fillRef idx="1">
+            <a:schemeClr val="accent1"/>
+          </a:fillRef>
+          <a:effectRef idx="0">
+            <a:schemeClr val="accent1"/>
+          </a:effectRef>
+          <a:fontRef idx="minor">
+            <a:schemeClr val="lt1"/>
+          </a:fontRef>
+        </p:style>
+        <p:txBody>
+          <a:bodyPr rtlCol="0" anchor="ctr"/>
+          <a:lstStyle/>
+          <a:p>
+            <a:pPr lvl="1"/>
+            <a:r>
+              <a:rPr lang="en-US" dirty="0">
+                <a:solidFill>
+                  <a:schemeClr val="accent1"/>
+                </a:solidFill>
+              </a:rPr>
+              <a:t>overflow: scroll;</a:t>
+            </a:r>
+          </a:p>
+        </p:txBody>
+      </p:sp>
+      <p:sp>
+        <p:nvSpPr>
+          <p:cNvPr id="20" name="TextBox 19">
+            <a:extLst>
+              <a:ext uri="{FF2B5EF4-FFF2-40B4-BE49-F238E27FC236}">
+                <a16:creationId xmlns:a16="http://schemas.microsoft.com/office/drawing/2014/main" id="{31854217-60AD-514E-9E60-EC4C16328648}"/>
+              </a:ext>
+            </a:extLst>
+          </p:cNvPr>
+          <p:cNvSpPr txBox="1"/>
+          <p:nvPr/>
+        </p:nvSpPr>
+        <p:spPr>
+          <a:xfrm>
+            <a:off x="675384" y="4374489"/>
+            <a:ext cx="8919301" cy="464871"/>
+          </a:xfrm>
+          <a:prstGeom prst="rect">
+            <a:avLst/>
+          </a:prstGeom>
+          <a:noFill/>
+        </p:spPr>
+        <p:txBody>
+          <a:bodyPr wrap="none" rtlCol="0">
+            <a:spAutoFit/>
+          </a:bodyPr>
+          <a:lstStyle/>
+          <a:p>
+            <a:pPr>
+              <a:lnSpc>
+                <a:spcPct val="150000"/>
+              </a:lnSpc>
+            </a:pPr>
+            <a:r>
+              <a:rPr lang="en-US" dirty="0"/>
+              <a:t>Overflowed content does not display, but a scroll wheel appears to the side to allow scrolling.</a:t>
+            </a:r>
+          </a:p>
+        </p:txBody>
+      </p:sp>
+    </p:spTree>
+    <p:extLst>
+      <p:ext uri="{BB962C8B-B14F-4D97-AF65-F5344CB8AC3E}">
+        <p14:creationId xmlns:p14="http://schemas.microsoft.com/office/powerpoint/2010/main" val="158184378"/>
+      </p:ext>
+    </p:extLst>
+  </p:cSld>
+  <p:clrMapOvr>
+    <a:masterClrMapping/>
+  </p:clrMapOvr>
+</p:sld>
+</file>
+
+<file path=ppt/slides/slide8.xml><?xml version="1.0" encoding="utf-8"?>
+<p:sld xmlns:a="http://schemas.openxmlformats.org/drawingml/2006/main" xmlns:r="http://schemas.openxmlformats.org/officeDocument/2006/relationships" xmlns:p="http://schemas.openxmlformats.org/presentationml/2006/main">
+  <p:cSld>
+    <p:bg>
+      <p:bgPr>
+        <a:solidFill>
+          <a:schemeClr val="bg2"/>
+        </a:solidFill>
+        <a:effectLst/>
+      </p:bgPr>
+    </p:bg>
+    <p:spTree>
+      <p:nvGrpSpPr>
+        <p:cNvPr id="1" name=""/>
+        <p:cNvGrpSpPr/>
+        <p:nvPr/>
+      </p:nvGrpSpPr>
+      <p:grpSpPr>
+        <a:xfrm>
+          <a:off x="0" y="0"/>
+          <a:ext cx="0" cy="0"/>
+          <a:chOff x="0" y="0"/>
+          <a:chExt cx="0" cy="0"/>
+        </a:xfrm>
+      </p:grpSpPr>
+      <p:sp>
+        <p:nvSpPr>
+          <p:cNvPr id="4" name="Rectangle 3">
+            <a:extLst>
+              <a:ext uri="{FF2B5EF4-FFF2-40B4-BE49-F238E27FC236}">
+                <a16:creationId xmlns:a16="http://schemas.microsoft.com/office/drawing/2014/main" id="{678F1DA2-2833-49FF-9287-44720AC6C8D2}"/>
+              </a:ext>
+            </a:extLst>
+          </p:cNvPr>
+          <p:cNvSpPr/>
+          <p:nvPr/>
+        </p:nvSpPr>
+        <p:spPr>
+          <a:xfrm>
+            <a:off x="0" y="6581001"/>
+            <a:ext cx="9976268" cy="276999"/>
+          </a:xfrm>
+          <a:prstGeom prst="rect">
+            <a:avLst/>
+          </a:prstGeom>
+          <a:solidFill>
+            <a:srgbClr val="92D050"/>
+          </a:solidFill>
+          <a:ln>
+            <a:noFill/>
+          </a:ln>
+        </p:spPr>
+        <p:style>
+          <a:lnRef idx="2">
+            <a:schemeClr val="accent1">
+              <a:shade val="50000"/>
+            </a:schemeClr>
+          </a:lnRef>
+          <a:fillRef idx="1">
+            <a:schemeClr val="accent1"/>
+          </a:fillRef>
+          <a:effectRef idx="0">
+            <a:schemeClr val="accent1"/>
+          </a:effectRef>
+          <a:fontRef idx="minor">
+            <a:schemeClr val="lt1"/>
+          </a:fontRef>
+        </p:style>
+        <p:txBody>
+          <a:bodyPr rtlCol="0" anchor="ctr"/>
+          <a:lstStyle/>
+          <a:p>
+            <a:pPr algn="ctr"/>
+            <a:endParaRPr lang="en-US" dirty="0"/>
+          </a:p>
+        </p:txBody>
+      </p:sp>
+      <p:sp>
+        <p:nvSpPr>
+          <p:cNvPr id="5" name="TextBox 4">
+            <a:extLst>
+              <a:ext uri="{FF2B5EF4-FFF2-40B4-BE49-F238E27FC236}">
+                <a16:creationId xmlns:a16="http://schemas.microsoft.com/office/drawing/2014/main" id="{9758F7A4-2143-4CCD-B8B3-8B4A1461ECF9}"/>
+              </a:ext>
+            </a:extLst>
+          </p:cNvPr>
+          <p:cNvSpPr txBox="1"/>
+          <p:nvPr/>
+        </p:nvSpPr>
+        <p:spPr>
+          <a:xfrm>
+            <a:off x="36674" y="6583215"/>
+            <a:ext cx="2682077" cy="276999"/>
+          </a:xfrm>
+          <a:prstGeom prst="rect">
+            <a:avLst/>
+          </a:prstGeom>
+          <a:noFill/>
+        </p:spPr>
+        <p:txBody>
+          <a:bodyPr wrap="square" rtlCol="0">
+            <a:spAutoFit/>
+          </a:bodyPr>
+          <a:lstStyle/>
+          <a:p>
+            <a:r>
+              <a:rPr lang="en-US" sz="1200" dirty="0">
+                <a:solidFill>
+                  <a:schemeClr val="bg1"/>
+                </a:solidFill>
+              </a:rPr>
+              <a:t>Building Personal Websites</a:t>
+            </a:r>
+          </a:p>
+        </p:txBody>
+      </p:sp>
+      <p:sp>
+        <p:nvSpPr>
+          <p:cNvPr id="6" name="Rectangle 5">
+            <a:extLst>
+              <a:ext uri="{FF2B5EF4-FFF2-40B4-BE49-F238E27FC236}">
+                <a16:creationId xmlns:a16="http://schemas.microsoft.com/office/drawing/2014/main" id="{40845236-8634-4353-BA0D-8817FE36EC7A}"/>
+              </a:ext>
+            </a:extLst>
+          </p:cNvPr>
+          <p:cNvSpPr/>
+          <p:nvPr/>
+        </p:nvSpPr>
+        <p:spPr>
+          <a:xfrm>
+            <a:off x="9921514" y="6581001"/>
+            <a:ext cx="2270485" cy="276999"/>
+          </a:xfrm>
+          <a:prstGeom prst="rect">
+            <a:avLst/>
+          </a:prstGeom>
+          <a:solidFill>
+            <a:srgbClr val="00B0F0"/>
+          </a:solidFill>
+          <a:ln>
+            <a:noFill/>
+          </a:ln>
+        </p:spPr>
+        <p:style>
+          <a:lnRef idx="2">
+            <a:schemeClr val="accent1">
+              <a:shade val="50000"/>
+            </a:schemeClr>
+          </a:lnRef>
+          <a:fillRef idx="1">
+            <a:schemeClr val="accent1"/>
+          </a:fillRef>
+          <a:effectRef idx="0">
+            <a:schemeClr val="accent1"/>
+          </a:effectRef>
+          <a:fontRef idx="minor">
+            <a:schemeClr val="lt1"/>
+          </a:fontRef>
+        </p:style>
+        <p:txBody>
+          <a:bodyPr rtlCol="0" anchor="ctr"/>
+          <a:lstStyle/>
+          <a:p>
+            <a:pPr algn="ctr"/>
+            <a:endParaRPr lang="en-US" dirty="0"/>
+          </a:p>
+        </p:txBody>
+      </p:sp>
+      <p:sp>
+        <p:nvSpPr>
+          <p:cNvPr id="8" name="TextBox 7">
+            <a:extLst>
+              <a:ext uri="{FF2B5EF4-FFF2-40B4-BE49-F238E27FC236}">
+                <a16:creationId xmlns:a16="http://schemas.microsoft.com/office/drawing/2014/main" id="{6403EA4A-E7EB-4525-B0D2-13B3997D5780}"/>
+              </a:ext>
+            </a:extLst>
+          </p:cNvPr>
+          <p:cNvSpPr txBox="1"/>
+          <p:nvPr/>
+        </p:nvSpPr>
+        <p:spPr>
+          <a:xfrm>
+            <a:off x="9958188" y="6578787"/>
+            <a:ext cx="2682077" cy="276999"/>
+          </a:xfrm>
+          <a:prstGeom prst="rect">
+            <a:avLst/>
+          </a:prstGeom>
+          <a:noFill/>
+        </p:spPr>
+        <p:txBody>
+          <a:bodyPr wrap="square" rtlCol="0">
+            <a:spAutoFit/>
+          </a:bodyPr>
+          <a:lstStyle/>
+          <a:p>
+            <a:r>
+              <a:rPr lang="en-US" sz="1200" dirty="0">
+                <a:solidFill>
+                  <a:schemeClr val="bg1"/>
+                </a:solidFill>
+              </a:rPr>
+              <a:t>Lecture 14 | Interactive Elements</a:t>
+            </a:r>
+          </a:p>
+        </p:txBody>
+      </p:sp>
+      <p:sp>
+        <p:nvSpPr>
+          <p:cNvPr id="7" name="TextBox 6">
+            <a:extLst>
+              <a:ext uri="{FF2B5EF4-FFF2-40B4-BE49-F238E27FC236}">
+                <a16:creationId xmlns:a16="http://schemas.microsoft.com/office/drawing/2014/main" id="{5760102D-7801-5740-8ECF-B54D06E9F1EA}"/>
+              </a:ext>
+            </a:extLst>
+          </p:cNvPr>
+          <p:cNvSpPr txBox="1"/>
+          <p:nvPr/>
+        </p:nvSpPr>
+        <p:spPr>
+          <a:xfrm>
+            <a:off x="3474369" y="10633"/>
+            <a:ext cx="5310478" cy="1003031"/>
+          </a:xfrm>
+          <a:prstGeom prst="rect">
+            <a:avLst/>
+          </a:prstGeom>
+          <a:noFill/>
+        </p:spPr>
+        <p:txBody>
+          <a:bodyPr wrap="square" rtlCol="0">
+            <a:spAutoFit/>
+          </a:bodyPr>
+          <a:lstStyle/>
+          <a:p>
+            <a:pPr algn="ctr">
+              <a:lnSpc>
+                <a:spcPct val="150000"/>
+              </a:lnSpc>
+            </a:pPr>
+            <a:r>
+              <a:rPr lang="en-US" sz="4400" dirty="0"/>
+              <a:t>Reveal Content</a:t>
+            </a:r>
+          </a:p>
+        </p:txBody>
+      </p:sp>
+      <p:cxnSp>
+        <p:nvCxnSpPr>
+          <p:cNvPr id="9" name="Straight Connector 8">
+            <a:extLst>
+              <a:ext uri="{FF2B5EF4-FFF2-40B4-BE49-F238E27FC236}">
+                <a16:creationId xmlns:a16="http://schemas.microsoft.com/office/drawing/2014/main" id="{646ED5A1-C2B9-0946-81D8-FEC995F80ADC}"/>
+              </a:ext>
+            </a:extLst>
+          </p:cNvPr>
+          <p:cNvCxnSpPr>
+            <a:cxnSpLocks/>
+          </p:cNvCxnSpPr>
+          <p:nvPr/>
+        </p:nvCxnSpPr>
+        <p:spPr>
+          <a:xfrm>
+            <a:off x="5930248" y="1013664"/>
+            <a:ext cx="419986" cy="0"/>
+          </a:xfrm>
+          <a:prstGeom prst="line">
+            <a:avLst/>
+          </a:prstGeom>
+          <a:ln w="28575"/>
+        </p:spPr>
+        <p:style>
+          <a:lnRef idx="1">
+            <a:schemeClr val="dk1"/>
+          </a:lnRef>
+          <a:fillRef idx="0">
+            <a:schemeClr val="dk1"/>
+          </a:fillRef>
+          <a:effectRef idx="0">
+            <a:schemeClr val="dk1"/>
+          </a:effectRef>
+          <a:fontRef idx="minor">
+            <a:schemeClr val="tx1"/>
+          </a:fontRef>
+        </p:style>
+      </p:cxnSp>
+      <p:sp>
+        <p:nvSpPr>
+          <p:cNvPr id="12" name="TextBox 11">
+            <a:extLst>
+              <a:ext uri="{FF2B5EF4-FFF2-40B4-BE49-F238E27FC236}">
+                <a16:creationId xmlns:a16="http://schemas.microsoft.com/office/drawing/2014/main" id="{88122BC7-BB43-A647-B4B5-D6187D2FE320}"/>
+              </a:ext>
+            </a:extLst>
+          </p:cNvPr>
+          <p:cNvSpPr txBox="1"/>
+          <p:nvPr/>
+        </p:nvSpPr>
+        <p:spPr>
+          <a:xfrm>
+            <a:off x="667229" y="1354540"/>
+            <a:ext cx="8272073" cy="464871"/>
+          </a:xfrm>
+          <a:prstGeom prst="rect">
+            <a:avLst/>
+          </a:prstGeom>
+          <a:noFill/>
+        </p:spPr>
+        <p:txBody>
+          <a:bodyPr wrap="none" rtlCol="0">
+            <a:spAutoFit/>
+          </a:bodyPr>
+          <a:lstStyle/>
+          <a:p>
+            <a:pPr>
+              <a:lnSpc>
+                <a:spcPct val="150000"/>
+              </a:lnSpc>
+            </a:pPr>
+            <a:r>
+              <a:rPr lang="en-US" dirty="0"/>
+              <a:t>We can hide content outside div and expand the div to show hidden content on event.</a:t>
+            </a:r>
+          </a:p>
+        </p:txBody>
+      </p:sp>
+      <p:sp>
+        <p:nvSpPr>
+          <p:cNvPr id="15" name="Rectangle 14">
+            <a:extLst>
+              <a:ext uri="{FF2B5EF4-FFF2-40B4-BE49-F238E27FC236}">
+                <a16:creationId xmlns:a16="http://schemas.microsoft.com/office/drawing/2014/main" id="{D2EC83E7-7C84-FC4F-9BB0-3724B50C8C54}"/>
+              </a:ext>
+            </a:extLst>
+          </p:cNvPr>
+          <p:cNvSpPr/>
+          <p:nvPr/>
+        </p:nvSpPr>
+        <p:spPr>
+          <a:xfrm>
+            <a:off x="751199" y="1819411"/>
+            <a:ext cx="10484937" cy="2428778"/>
+          </a:xfrm>
+          <a:prstGeom prst="rect">
+            <a:avLst/>
+          </a:prstGeom>
+          <a:solidFill>
+            <a:schemeClr val="bg1">
+              <a:lumMod val="95000"/>
+            </a:schemeClr>
+          </a:solidFill>
+          <a:ln w="3175">
+            <a:solidFill>
+              <a:schemeClr val="bg1">
+                <a:lumMod val="85000"/>
+              </a:schemeClr>
+            </a:solidFill>
+          </a:ln>
+        </p:spPr>
+        <p:style>
+          <a:lnRef idx="2">
+            <a:schemeClr val="accent1">
+              <a:shade val="50000"/>
+            </a:schemeClr>
+          </a:lnRef>
+          <a:fillRef idx="1">
+            <a:schemeClr val="accent1"/>
+          </a:fillRef>
+          <a:effectRef idx="0">
+            <a:schemeClr val="accent1"/>
+          </a:effectRef>
+          <a:fontRef idx="minor">
+            <a:schemeClr val="lt1"/>
+          </a:fontRef>
+        </p:style>
+        <p:txBody>
+          <a:bodyPr rtlCol="0" anchor="ctr"/>
+          <a:lstStyle/>
+          <a:p>
+            <a:pPr lvl="1"/>
+            <a:r>
+              <a:rPr lang="en-US" dirty="0">
+                <a:solidFill>
+                  <a:schemeClr val="accent2"/>
+                </a:solidFill>
+              </a:rPr>
+              <a:t>.hidden </a:t>
+            </a:r>
+            <a:r>
+              <a:rPr lang="en-US" dirty="0">
+                <a:solidFill>
+                  <a:schemeClr val="tx1"/>
+                </a:solidFill>
+              </a:rPr>
+              <a:t>{</a:t>
+            </a:r>
+          </a:p>
+          <a:p>
+            <a:pPr lvl="1"/>
+            <a:r>
+              <a:rPr lang="en-US" dirty="0">
+                <a:solidFill>
+                  <a:schemeClr val="tx1"/>
+                </a:solidFill>
+              </a:rPr>
+              <a:t>	</a:t>
+            </a:r>
+            <a:r>
+              <a:rPr lang="en-US" dirty="0">
+                <a:solidFill>
+                  <a:schemeClr val="accent1"/>
+                </a:solidFill>
+              </a:rPr>
+              <a:t>overflow: hidden;</a:t>
+            </a:r>
+          </a:p>
+          <a:p>
+            <a:pPr lvl="1"/>
+            <a:r>
+              <a:rPr lang="en-US" dirty="0">
+                <a:solidFill>
+                  <a:schemeClr val="accent1"/>
+                </a:solidFill>
+              </a:rPr>
+              <a:t>	width: 100%;</a:t>
+            </a:r>
+          </a:p>
+          <a:p>
+            <a:pPr lvl="1"/>
+            <a:r>
+              <a:rPr lang="en-US" dirty="0">
+                <a:solidFill>
+                  <a:schemeClr val="accent1"/>
+                </a:solidFill>
+              </a:rPr>
+              <a:t>	height: 100px; </a:t>
+            </a:r>
+            <a:r>
+              <a:rPr lang="en-US" dirty="0">
+                <a:solidFill>
+                  <a:schemeClr val="tx1"/>
+                </a:solidFill>
+              </a:rPr>
+              <a:t>}            </a:t>
+            </a:r>
+            <a:r>
+              <a:rPr lang="en-US" dirty="0">
+                <a:solidFill>
+                  <a:schemeClr val="bg1">
+                    <a:lumMod val="65000"/>
+                  </a:schemeClr>
+                </a:solidFill>
+              </a:rPr>
+              <a:t>/* show a little content */</a:t>
+            </a:r>
+          </a:p>
+          <a:p>
+            <a:pPr lvl="1"/>
+            <a:endParaRPr lang="en-US" dirty="0">
+              <a:solidFill>
+                <a:schemeClr val="tx1"/>
+              </a:solidFill>
+            </a:endParaRPr>
+          </a:p>
+          <a:p>
+            <a:pPr lvl="1"/>
+            <a:r>
+              <a:rPr lang="en-US" dirty="0">
+                <a:solidFill>
+                  <a:schemeClr val="accent2"/>
+                </a:solidFill>
+              </a:rPr>
+              <a:t>.</a:t>
+            </a:r>
+            <a:r>
+              <a:rPr lang="en-US" dirty="0" err="1">
+                <a:solidFill>
+                  <a:schemeClr val="accent2"/>
+                </a:solidFill>
+              </a:rPr>
+              <a:t>hidden</a:t>
+            </a:r>
+            <a:r>
+              <a:rPr lang="en-US" dirty="0" err="1">
+                <a:solidFill>
+                  <a:srgbClr val="00B050"/>
+                </a:solidFill>
+              </a:rPr>
+              <a:t>:hover</a:t>
+            </a:r>
+            <a:r>
+              <a:rPr lang="en-US" dirty="0">
+                <a:solidFill>
+                  <a:srgbClr val="00B050"/>
+                </a:solidFill>
+              </a:rPr>
+              <a:t> </a:t>
+            </a:r>
+            <a:r>
+              <a:rPr lang="en-US" dirty="0">
+                <a:solidFill>
+                  <a:schemeClr val="tx1"/>
+                </a:solidFill>
+              </a:rPr>
+              <a:t>{</a:t>
+            </a:r>
+          </a:p>
+          <a:p>
+            <a:pPr lvl="1"/>
+            <a:r>
+              <a:rPr lang="en-US" dirty="0">
+                <a:solidFill>
+                  <a:schemeClr val="tx1"/>
+                </a:solidFill>
+              </a:rPr>
+              <a:t>	</a:t>
+            </a:r>
+            <a:r>
+              <a:rPr lang="en-US" dirty="0">
+                <a:solidFill>
+                  <a:schemeClr val="accent1"/>
+                </a:solidFill>
+              </a:rPr>
+              <a:t>height: unset; </a:t>
+            </a:r>
+            <a:r>
+              <a:rPr lang="en-US" dirty="0">
+                <a:solidFill>
+                  <a:schemeClr val="tx1"/>
+                </a:solidFill>
+              </a:rPr>
+              <a:t>}</a:t>
+            </a:r>
+          </a:p>
+        </p:txBody>
+      </p:sp>
+      <p:sp>
+        <p:nvSpPr>
+          <p:cNvPr id="21" name="TextBox 20">
+            <a:extLst>
+              <a:ext uri="{FF2B5EF4-FFF2-40B4-BE49-F238E27FC236}">
+                <a16:creationId xmlns:a16="http://schemas.microsoft.com/office/drawing/2014/main" id="{94CA0208-B36C-064A-8AE8-CBDA273AEC95}"/>
+              </a:ext>
+            </a:extLst>
+          </p:cNvPr>
+          <p:cNvSpPr txBox="1"/>
+          <p:nvPr/>
+        </p:nvSpPr>
+        <p:spPr>
+          <a:xfrm>
+            <a:off x="667228" y="4248189"/>
+            <a:ext cx="5430910" cy="464871"/>
+          </a:xfrm>
+          <a:prstGeom prst="rect">
+            <a:avLst/>
+          </a:prstGeom>
+          <a:noFill/>
+        </p:spPr>
+        <p:txBody>
+          <a:bodyPr wrap="none" rtlCol="0">
+            <a:spAutoFit/>
+          </a:bodyPr>
+          <a:lstStyle/>
+          <a:p>
+            <a:pPr>
+              <a:lnSpc>
+                <a:spcPct val="150000"/>
+              </a:lnSpc>
+            </a:pPr>
+            <a:r>
+              <a:rPr lang="en-US" dirty="0"/>
+              <a:t>Unset returns height to its default value, which is ‘auto’.</a:t>
+            </a:r>
+          </a:p>
+        </p:txBody>
+      </p:sp>
+    </p:spTree>
+    <p:extLst>
+      <p:ext uri="{BB962C8B-B14F-4D97-AF65-F5344CB8AC3E}">
+        <p14:creationId xmlns:p14="http://schemas.microsoft.com/office/powerpoint/2010/main" val="1362414877"/>
+      </p:ext>
+    </p:extLst>
+  </p:cSld>
+  <p:clrMapOvr>
+    <a:masterClrMapping/>
+  </p:clrMapOvr>
+</p:sld>
+</file>
+
+<file path=ppt/slides/slide9.xml><?xml version="1.0" encoding="utf-8"?>
+<p:sld xmlns:a="http://schemas.openxmlformats.org/drawingml/2006/main" xmlns:r="http://schemas.openxmlformats.org/officeDocument/2006/relationships" xmlns:p="http://schemas.openxmlformats.org/presentationml/2006/main">
+  <p:cSld>
+    <p:bg>
+      <p:bgPr>
+        <a:solidFill>
+          <a:schemeClr val="bg2"/>
+        </a:solidFill>
+        <a:effectLst/>
+      </p:bgPr>
+    </p:bg>
+    <p:spTree>
+      <p:nvGrpSpPr>
+        <p:cNvPr id="1" name=""/>
+        <p:cNvGrpSpPr/>
+        <p:nvPr/>
+      </p:nvGrpSpPr>
+      <p:grpSpPr>
+        <a:xfrm>
+          <a:off x="0" y="0"/>
+          <a:ext cx="0" cy="0"/>
+          <a:chOff x="0" y="0"/>
+          <a:chExt cx="0" cy="0"/>
+        </a:xfrm>
+      </p:grpSpPr>
+      <p:sp>
+        <p:nvSpPr>
+          <p:cNvPr id="4" name="Rectangle 3">
+            <a:extLst>
+              <a:ext uri="{FF2B5EF4-FFF2-40B4-BE49-F238E27FC236}">
+                <a16:creationId xmlns:a16="http://schemas.microsoft.com/office/drawing/2014/main" id="{678F1DA2-2833-49FF-9287-44720AC6C8D2}"/>
+              </a:ext>
+            </a:extLst>
+          </p:cNvPr>
+          <p:cNvSpPr/>
+          <p:nvPr/>
+        </p:nvSpPr>
+        <p:spPr>
+          <a:xfrm>
+            <a:off x="0" y="6581001"/>
+            <a:ext cx="9976268" cy="276999"/>
+          </a:xfrm>
+          <a:prstGeom prst="rect">
+            <a:avLst/>
+          </a:prstGeom>
+          <a:solidFill>
+            <a:srgbClr val="92D050"/>
+          </a:solidFill>
+          <a:ln>
+            <a:noFill/>
+          </a:ln>
+        </p:spPr>
+        <p:style>
+          <a:lnRef idx="2">
+            <a:schemeClr val="accent1">
+              <a:shade val="50000"/>
+            </a:schemeClr>
+          </a:lnRef>
+          <a:fillRef idx="1">
+            <a:schemeClr val="accent1"/>
+          </a:fillRef>
+          <a:effectRef idx="0">
+            <a:schemeClr val="accent1"/>
+          </a:effectRef>
+          <a:fontRef idx="minor">
+            <a:schemeClr val="lt1"/>
+          </a:fontRef>
+        </p:style>
+        <p:txBody>
+          <a:bodyPr rtlCol="0" anchor="ctr"/>
+          <a:lstStyle/>
+          <a:p>
+            <a:pPr algn="ctr"/>
+            <a:endParaRPr lang="en-US" dirty="0"/>
+          </a:p>
+        </p:txBody>
+      </p:sp>
+      <p:sp>
+        <p:nvSpPr>
+          <p:cNvPr id="5" name="TextBox 4">
+            <a:extLst>
+              <a:ext uri="{FF2B5EF4-FFF2-40B4-BE49-F238E27FC236}">
+                <a16:creationId xmlns:a16="http://schemas.microsoft.com/office/drawing/2014/main" id="{9758F7A4-2143-4CCD-B8B3-8B4A1461ECF9}"/>
+              </a:ext>
+            </a:extLst>
+          </p:cNvPr>
+          <p:cNvSpPr txBox="1"/>
+          <p:nvPr/>
+        </p:nvSpPr>
+        <p:spPr>
+          <a:xfrm>
+            <a:off x="36674" y="6583215"/>
+            <a:ext cx="2682077" cy="276999"/>
+          </a:xfrm>
+          <a:prstGeom prst="rect">
+            <a:avLst/>
+          </a:prstGeom>
+          <a:noFill/>
+        </p:spPr>
+        <p:txBody>
+          <a:bodyPr wrap="square" rtlCol="0">
+            <a:spAutoFit/>
+          </a:bodyPr>
+          <a:lstStyle/>
+          <a:p>
+            <a:r>
+              <a:rPr lang="en-US" sz="1200" dirty="0">
+                <a:solidFill>
+                  <a:schemeClr val="bg1"/>
+                </a:solidFill>
+              </a:rPr>
+              <a:t>Building Personal Websites</a:t>
+            </a:r>
+          </a:p>
+        </p:txBody>
+      </p:sp>
+      <p:sp>
+        <p:nvSpPr>
+          <p:cNvPr id="6" name="Rectangle 5">
+            <a:extLst>
+              <a:ext uri="{FF2B5EF4-FFF2-40B4-BE49-F238E27FC236}">
+                <a16:creationId xmlns:a16="http://schemas.microsoft.com/office/drawing/2014/main" id="{40845236-8634-4353-BA0D-8817FE36EC7A}"/>
+              </a:ext>
+            </a:extLst>
+          </p:cNvPr>
+          <p:cNvSpPr/>
+          <p:nvPr/>
+        </p:nvSpPr>
+        <p:spPr>
+          <a:xfrm>
+            <a:off x="9921514" y="6581001"/>
+            <a:ext cx="2270485" cy="276999"/>
+          </a:xfrm>
+          <a:prstGeom prst="rect">
+            <a:avLst/>
+          </a:prstGeom>
+          <a:solidFill>
+            <a:srgbClr val="00B0F0"/>
+          </a:solidFill>
+          <a:ln>
+            <a:noFill/>
+          </a:ln>
+        </p:spPr>
+        <p:style>
+          <a:lnRef idx="2">
+            <a:schemeClr val="accent1">
+              <a:shade val="50000"/>
+            </a:schemeClr>
+          </a:lnRef>
+          <a:fillRef idx="1">
+            <a:schemeClr val="accent1"/>
+          </a:fillRef>
+          <a:effectRef idx="0">
+            <a:schemeClr val="accent1"/>
+          </a:effectRef>
+          <a:fontRef idx="minor">
+            <a:schemeClr val="lt1"/>
+          </a:fontRef>
+        </p:style>
+        <p:txBody>
+          <a:bodyPr rtlCol="0" anchor="ctr"/>
+          <a:lstStyle/>
+          <a:p>
+            <a:pPr algn="ctr"/>
+            <a:endParaRPr lang="en-US" dirty="0"/>
+          </a:p>
+        </p:txBody>
+      </p:sp>
+      <p:sp>
+        <p:nvSpPr>
+          <p:cNvPr id="8" name="TextBox 7">
+            <a:extLst>
+              <a:ext uri="{FF2B5EF4-FFF2-40B4-BE49-F238E27FC236}">
+                <a16:creationId xmlns:a16="http://schemas.microsoft.com/office/drawing/2014/main" id="{6403EA4A-E7EB-4525-B0D2-13B3997D5780}"/>
+              </a:ext>
+            </a:extLst>
+          </p:cNvPr>
+          <p:cNvSpPr txBox="1"/>
+          <p:nvPr/>
+        </p:nvSpPr>
+        <p:spPr>
+          <a:xfrm>
+            <a:off x="9958188" y="6578787"/>
+            <a:ext cx="2682077" cy="276999"/>
+          </a:xfrm>
+          <a:prstGeom prst="rect">
+            <a:avLst/>
+          </a:prstGeom>
+          <a:noFill/>
+        </p:spPr>
+        <p:txBody>
+          <a:bodyPr wrap="square" rtlCol="0">
+            <a:spAutoFit/>
+          </a:bodyPr>
+          <a:lstStyle/>
+          <a:p>
+            <a:r>
+              <a:rPr lang="en-US" sz="1200" dirty="0">
+                <a:solidFill>
+                  <a:schemeClr val="bg1"/>
+                </a:solidFill>
+              </a:rPr>
+              <a:t>Lecture 14 | Interactive Elements</a:t>
+            </a:r>
+          </a:p>
+        </p:txBody>
+      </p:sp>
+      <p:sp>
+        <p:nvSpPr>
+          <p:cNvPr id="7" name="TextBox 6">
+            <a:extLst>
+              <a:ext uri="{FF2B5EF4-FFF2-40B4-BE49-F238E27FC236}">
+                <a16:creationId xmlns:a16="http://schemas.microsoft.com/office/drawing/2014/main" id="{5760102D-7801-5740-8ECF-B54D06E9F1EA}"/>
+              </a:ext>
+            </a:extLst>
+          </p:cNvPr>
+          <p:cNvSpPr txBox="1"/>
+          <p:nvPr/>
+        </p:nvSpPr>
+        <p:spPr>
+          <a:xfrm>
+            <a:off x="3474369" y="10633"/>
+            <a:ext cx="5310478" cy="1003031"/>
+          </a:xfrm>
+          <a:prstGeom prst="rect">
+            <a:avLst/>
+          </a:prstGeom>
+          <a:noFill/>
+        </p:spPr>
+        <p:txBody>
+          <a:bodyPr wrap="square" rtlCol="0">
+            <a:spAutoFit/>
+          </a:bodyPr>
+          <a:lstStyle/>
+          <a:p>
+            <a:pPr algn="ctr">
+              <a:lnSpc>
+                <a:spcPct val="150000"/>
+              </a:lnSpc>
+            </a:pPr>
+            <a:r>
+              <a:rPr lang="en-US" sz="4400" dirty="0"/>
+              <a:t>Reveal Content</a:t>
+            </a:r>
+          </a:p>
+        </p:txBody>
+      </p:sp>
+      <p:cxnSp>
+        <p:nvCxnSpPr>
+          <p:cNvPr id="9" name="Straight Connector 8">
+            <a:extLst>
+              <a:ext uri="{FF2B5EF4-FFF2-40B4-BE49-F238E27FC236}">
+                <a16:creationId xmlns:a16="http://schemas.microsoft.com/office/drawing/2014/main" id="{646ED5A1-C2B9-0946-81D8-FEC995F80ADC}"/>
+              </a:ext>
+            </a:extLst>
+          </p:cNvPr>
+          <p:cNvCxnSpPr>
+            <a:cxnSpLocks/>
+          </p:cNvCxnSpPr>
+          <p:nvPr/>
+        </p:nvCxnSpPr>
+        <p:spPr>
+          <a:xfrm>
+            <a:off x="5930248" y="1013664"/>
+            <a:ext cx="419986" cy="0"/>
+          </a:xfrm>
+          <a:prstGeom prst="line">
+            <a:avLst/>
+          </a:prstGeom>
+          <a:ln w="28575"/>
+        </p:spPr>
+        <p:style>
+          <a:lnRef idx="1">
+            <a:schemeClr val="dk1"/>
+          </a:lnRef>
+          <a:fillRef idx="0">
+            <a:schemeClr val="dk1"/>
+          </a:fillRef>
+          <a:effectRef idx="0">
+            <a:schemeClr val="dk1"/>
+          </a:effectRef>
+          <a:fontRef idx="minor">
+            <a:schemeClr val="tx1"/>
+          </a:fontRef>
+        </p:style>
+      </p:cxnSp>
+      <p:sp>
+        <p:nvSpPr>
+          <p:cNvPr id="12" name="TextBox 11">
+            <a:extLst>
+              <a:ext uri="{FF2B5EF4-FFF2-40B4-BE49-F238E27FC236}">
+                <a16:creationId xmlns:a16="http://schemas.microsoft.com/office/drawing/2014/main" id="{88122BC7-BB43-A647-B4B5-D6187D2FE320}"/>
+              </a:ext>
+            </a:extLst>
+          </p:cNvPr>
+          <p:cNvSpPr txBox="1"/>
+          <p:nvPr/>
+        </p:nvSpPr>
+        <p:spPr>
+          <a:xfrm>
+            <a:off x="667229" y="1354540"/>
+            <a:ext cx="1572354" cy="464871"/>
+          </a:xfrm>
+          <a:prstGeom prst="rect">
+            <a:avLst/>
+          </a:prstGeom>
+          <a:noFill/>
+        </p:spPr>
+        <p:txBody>
+          <a:bodyPr wrap="none" rtlCol="0">
+            <a:spAutoFit/>
+          </a:bodyPr>
+          <a:lstStyle/>
+          <a:p>
+            <a:pPr>
+              <a:lnSpc>
+                <a:spcPct val="150000"/>
+              </a:lnSpc>
+            </a:pPr>
+            <a:r>
+              <a:rPr lang="en-US" dirty="0"/>
+              <a:t>Will this work?</a:t>
+            </a:r>
+          </a:p>
+        </p:txBody>
+      </p:sp>
+      <p:sp>
+        <p:nvSpPr>
+          <p:cNvPr id="15" name="Rectangle 14">
+            <a:extLst>
+              <a:ext uri="{FF2B5EF4-FFF2-40B4-BE49-F238E27FC236}">
+                <a16:creationId xmlns:a16="http://schemas.microsoft.com/office/drawing/2014/main" id="{D2EC83E7-7C84-FC4F-9BB0-3724B50C8C54}"/>
+              </a:ext>
+            </a:extLst>
+          </p:cNvPr>
+          <p:cNvSpPr/>
+          <p:nvPr/>
+        </p:nvSpPr>
+        <p:spPr>
+          <a:xfrm>
+            <a:off x="751199" y="1819411"/>
+            <a:ext cx="10484937" cy="2428778"/>
+          </a:xfrm>
+          <a:prstGeom prst="rect">
+            <a:avLst/>
+          </a:prstGeom>
+          <a:solidFill>
+            <a:schemeClr val="bg1">
+              <a:lumMod val="95000"/>
+            </a:schemeClr>
+          </a:solidFill>
+          <a:ln w="3175">
+            <a:solidFill>
+              <a:schemeClr val="bg1">
+                <a:lumMod val="85000"/>
+              </a:schemeClr>
+            </a:solidFill>
+          </a:ln>
+        </p:spPr>
+        <p:style>
+          <a:lnRef idx="2">
+            <a:schemeClr val="accent1">
+              <a:shade val="50000"/>
+            </a:schemeClr>
+          </a:lnRef>
+          <a:fillRef idx="1">
+            <a:schemeClr val="accent1"/>
+          </a:fillRef>
+          <a:effectRef idx="0">
+            <a:schemeClr val="accent1"/>
+          </a:effectRef>
+          <a:fontRef idx="minor">
+            <a:schemeClr val="lt1"/>
+          </a:fontRef>
+        </p:style>
+        <p:txBody>
+          <a:bodyPr rtlCol="0" anchor="ctr"/>
+          <a:lstStyle/>
+          <a:p>
+            <a:pPr lvl="1"/>
+            <a:r>
+              <a:rPr lang="en-US" dirty="0">
+                <a:solidFill>
+                  <a:schemeClr val="accent2"/>
+                </a:solidFill>
+              </a:rPr>
+              <a:t>.hidden </a:t>
+            </a:r>
+            <a:r>
+              <a:rPr lang="en-US" dirty="0">
+                <a:solidFill>
+                  <a:schemeClr val="tx1"/>
+                </a:solidFill>
+              </a:rPr>
+              <a:t>{</a:t>
+            </a:r>
+          </a:p>
+          <a:p>
+            <a:pPr lvl="1"/>
+            <a:r>
+              <a:rPr lang="en-US" dirty="0">
+                <a:solidFill>
+                  <a:schemeClr val="tx1"/>
+                </a:solidFill>
+              </a:rPr>
+              <a:t>	</a:t>
+            </a:r>
+            <a:r>
+              <a:rPr lang="en-US" dirty="0">
+                <a:solidFill>
+                  <a:schemeClr val="accent1"/>
+                </a:solidFill>
+              </a:rPr>
+              <a:t>overflow: hidden;</a:t>
+            </a:r>
+          </a:p>
+          <a:p>
+            <a:pPr lvl="1"/>
+            <a:r>
+              <a:rPr lang="en-US" dirty="0">
+                <a:solidFill>
+                  <a:schemeClr val="accent1"/>
+                </a:solidFill>
+              </a:rPr>
+              <a:t>	width: 100%;</a:t>
+            </a:r>
+          </a:p>
+          <a:p>
+            <a:pPr lvl="1"/>
+            <a:r>
+              <a:rPr lang="en-US" dirty="0">
+                <a:solidFill>
+                  <a:schemeClr val="accent1"/>
+                </a:solidFill>
+              </a:rPr>
+              <a:t>	height: 100px; </a:t>
+            </a:r>
+            <a:r>
+              <a:rPr lang="en-US" dirty="0">
+                <a:solidFill>
+                  <a:schemeClr val="tx1"/>
+                </a:solidFill>
+              </a:rPr>
+              <a:t>}            </a:t>
+            </a:r>
+            <a:r>
+              <a:rPr lang="en-US" dirty="0">
+                <a:solidFill>
+                  <a:schemeClr val="bg1">
+                    <a:lumMod val="65000"/>
+                  </a:schemeClr>
+                </a:solidFill>
+              </a:rPr>
+              <a:t>/* show a little content */</a:t>
+            </a:r>
+          </a:p>
+          <a:p>
+            <a:pPr lvl="1"/>
+            <a:endParaRPr lang="en-US" dirty="0">
+              <a:solidFill>
+                <a:schemeClr val="tx1"/>
+              </a:solidFill>
+            </a:endParaRPr>
+          </a:p>
+          <a:p>
+            <a:pPr lvl="1"/>
+            <a:r>
+              <a:rPr lang="en-US" dirty="0">
+                <a:solidFill>
+                  <a:schemeClr val="accent2"/>
+                </a:solidFill>
+              </a:rPr>
+              <a:t>.</a:t>
+            </a:r>
+            <a:r>
+              <a:rPr lang="en-US" dirty="0" err="1">
+                <a:solidFill>
+                  <a:schemeClr val="accent2"/>
+                </a:solidFill>
+              </a:rPr>
+              <a:t>hidden</a:t>
+            </a:r>
+            <a:r>
+              <a:rPr lang="en-US" dirty="0" err="1">
+                <a:solidFill>
+                  <a:srgbClr val="00B050"/>
+                </a:solidFill>
+              </a:rPr>
+              <a:t>:hover</a:t>
+            </a:r>
+            <a:r>
+              <a:rPr lang="en-US" dirty="0">
+                <a:solidFill>
+                  <a:srgbClr val="00B050"/>
+                </a:solidFill>
+              </a:rPr>
+              <a:t> </a:t>
+            </a:r>
+            <a:r>
+              <a:rPr lang="en-US" dirty="0">
+                <a:solidFill>
+                  <a:schemeClr val="tx1"/>
+                </a:solidFill>
+              </a:rPr>
+              <a:t>{</a:t>
+            </a:r>
+          </a:p>
+          <a:p>
+            <a:pPr lvl="1"/>
+            <a:r>
+              <a:rPr lang="en-US" dirty="0">
+                <a:solidFill>
+                  <a:schemeClr val="tx1"/>
+                </a:solidFill>
+              </a:rPr>
+              <a:t>	</a:t>
+            </a:r>
+            <a:r>
+              <a:rPr lang="en-US" dirty="0">
+                <a:solidFill>
+                  <a:schemeClr val="accent1"/>
+                </a:solidFill>
+              </a:rPr>
+              <a:t>height: unset;</a:t>
+            </a:r>
+          </a:p>
+          <a:p>
+            <a:pPr lvl="1"/>
+            <a:r>
+              <a:rPr lang="en-US" dirty="0">
+                <a:solidFill>
+                  <a:schemeClr val="accent1"/>
+                </a:solidFill>
+              </a:rPr>
+              <a:t>	transition: all 0.5s; </a:t>
+            </a:r>
+            <a:r>
+              <a:rPr lang="en-US" dirty="0">
+                <a:solidFill>
+                  <a:schemeClr val="tx1"/>
+                </a:solidFill>
+              </a:rPr>
+              <a:t>}</a:t>
+            </a:r>
+          </a:p>
+        </p:txBody>
+      </p:sp>
+      <p:sp>
+        <p:nvSpPr>
+          <p:cNvPr id="10" name="TextBox 9">
+            <a:extLst>
+              <a:ext uri="{FF2B5EF4-FFF2-40B4-BE49-F238E27FC236}">
+                <a16:creationId xmlns:a16="http://schemas.microsoft.com/office/drawing/2014/main" id="{6D36CABA-6DE5-8E4D-A47C-C75B35E6E1EF}"/>
+              </a:ext>
+            </a:extLst>
+          </p:cNvPr>
+          <p:cNvSpPr txBox="1"/>
+          <p:nvPr/>
+        </p:nvSpPr>
+        <p:spPr>
+          <a:xfrm>
+            <a:off x="667229" y="4573719"/>
+            <a:ext cx="5199693" cy="464871"/>
+          </a:xfrm>
+          <a:prstGeom prst="rect">
+            <a:avLst/>
+          </a:prstGeom>
+          <a:noFill/>
+        </p:spPr>
+        <p:txBody>
+          <a:bodyPr wrap="none" rtlCol="0">
+            <a:spAutoFit/>
+          </a:bodyPr>
+          <a:lstStyle/>
+          <a:p>
+            <a:pPr>
+              <a:lnSpc>
+                <a:spcPct val="150000"/>
+              </a:lnSpc>
+            </a:pPr>
+            <a:r>
+              <a:rPr lang="en-US" dirty="0"/>
+              <a:t>No. Compiler doesn’t know numerical value of ’auto’. </a:t>
+            </a:r>
+          </a:p>
+        </p:txBody>
+      </p:sp>
+    </p:spTree>
+    <p:extLst>
+      <p:ext uri="{BB962C8B-B14F-4D97-AF65-F5344CB8AC3E}">
+        <p14:creationId xmlns:p14="http://schemas.microsoft.com/office/powerpoint/2010/main" val="2695879486"/>
+      </p:ext>
+    </p:extLst>
+  </p:cSld>
+  <p:clrMapOvr>
+    <a:masterClrMapping/>
+  </p:clrMapOvr>
+  <p:timing>
+    <p:tnLst>
+      <p:par>
+        <p:cTn id="1" dur="indefinite" restart="never" nodeType="tmRoot">
+          <p:childTnLst>
+            <p:seq concurrent="1" nextAc="seek">
+              <p:cTn id="2" dur="indefinite" nodeType="mainSeq">
+                <p:childTnLst>
+                  <p:par>
+                    <p:cTn id="3" fill="hold">
+                      <p:stCondLst>
+                        <p:cond delay="indefinite"/>
+                      </p:stCondLst>
+                      <p:childTnLst>
+                        <p:par>
+                          <p:cTn id="4" fill="hold">
+                            <p:stCondLst>
+                              <p:cond delay="0"/>
+                            </p:stCondLst>
+                            <p:childTnLst>
+                              <p:par>
+                                <p:cTn id="5" presetID="1" presetClass="entr" presetSubtype="0" fill="hold" grpId="0" nodeType="clickEffect">
+                                  <p:stCondLst>
+                                    <p:cond delay="0"/>
+                                  </p:stCondLst>
+                                  <p:childTnLst>
+                                    <p:set>
+                                      <p:cBhvr>
+                                        <p:cTn id="6" dur="1" fill="hold">
+                                          <p:stCondLst>
+                                            <p:cond delay="0"/>
+                                          </p:stCondLst>
+                                        </p:cTn>
+                                        <p:tgtEl>
+                                          <p:spTgt spid="10"/>
+                                        </p:tgtEl>
+                                        <p:attrNameLst>
+                                          <p:attrName>style.visibility</p:attrName>
+                                        </p:attrNameLst>
+                                      </p:cBhvr>
+                                      <p:to>
+                                        <p:strVal val="visible"/>
+                                      </p:to>
+                                    </p:set>
+                                  </p:childTnLst>
+                                </p:cTn>
+                              </p:par>
+                            </p:childTnLst>
+                          </p:cTn>
+                        </p:par>
+                      </p:childTnLst>
+                    </p:cTn>
+                  </p:par>
+                </p:childTnLst>
+              </p:cTn>
+              <p:prevCondLst>
+                <p:cond evt="onPrev" delay="0">
+                  <p:tgtEl>
+                    <p:sldTgt/>
+                  </p:tgtEl>
+                </p:cond>
+              </p:prevCondLst>
+              <p:nextCondLst>
+                <p:cond evt="onNext" delay="0">
+                  <p:tgtEl>
+                    <p:sldTgt/>
+                  </p:tgtEl>
+                </p:cond>
+              </p:nextCondLst>
+            </p:seq>
+          </p:childTnLst>
+        </p:cTn>
+      </p:par>
+    </p:tnLst>
+    <p:bldLst>
+      <p:bldP spid="10" grpId="0"/>
+    </p:bldLst>
+  </p:timing>
 </p:sld>
 </file>
 

--- a/assets/lectures/BPW_Lecture_14.pptx
+++ b/assets/lectures/BPW_Lecture_14.pptx
@@ -16,8 +16,7 @@
     <p:sldId id="327" r:id="rId10"/>
     <p:sldId id="329" r:id="rId11"/>
     <p:sldId id="328" r:id="rId12"/>
-    <p:sldId id="330" r:id="rId13"/>
-    <p:sldId id="317" r:id="rId14"/>
+    <p:sldId id="317" r:id="rId13"/>
   </p:sldIdLst>
   <p:sldSz cx="12192000" cy="6858000"/>
   <p:notesSz cx="6858000" cy="9144000"/>
@@ -294,7 +293,7 @@
           <a:p>
             <a:fld id="{F57857CC-207A-4D73-9A20-C856A5068D10}" type="datetimeFigureOut">
               <a:rPr lang="en-US" smtClean="0"/>
-              <a:t>1/7/19</a:t>
+              <a:t>1/8/19</a:t>
             </a:fld>
             <a:endParaRPr lang="en-US"/>
           </a:p>
@@ -492,7 +491,7 @@
           <a:p>
             <a:fld id="{F57857CC-207A-4D73-9A20-C856A5068D10}" type="datetimeFigureOut">
               <a:rPr lang="en-US" smtClean="0"/>
-              <a:t>1/7/19</a:t>
+              <a:t>1/8/19</a:t>
             </a:fld>
             <a:endParaRPr lang="en-US"/>
           </a:p>
@@ -700,7 +699,7 @@
           <a:p>
             <a:fld id="{F57857CC-207A-4D73-9A20-C856A5068D10}" type="datetimeFigureOut">
               <a:rPr lang="en-US" smtClean="0"/>
-              <a:t>1/7/19</a:t>
+              <a:t>1/8/19</a:t>
             </a:fld>
             <a:endParaRPr lang="en-US"/>
           </a:p>
@@ -898,7 +897,7 @@
           <a:p>
             <a:fld id="{F57857CC-207A-4D73-9A20-C856A5068D10}" type="datetimeFigureOut">
               <a:rPr lang="en-US" smtClean="0"/>
-              <a:t>1/7/19</a:t>
+              <a:t>1/8/19</a:t>
             </a:fld>
             <a:endParaRPr lang="en-US"/>
           </a:p>
@@ -1173,7 +1172,7 @@
           <a:p>
             <a:fld id="{F57857CC-207A-4D73-9A20-C856A5068D10}" type="datetimeFigureOut">
               <a:rPr lang="en-US" smtClean="0"/>
-              <a:t>1/7/19</a:t>
+              <a:t>1/8/19</a:t>
             </a:fld>
             <a:endParaRPr lang="en-US"/>
           </a:p>
@@ -1438,7 +1437,7 @@
           <a:p>
             <a:fld id="{F57857CC-207A-4D73-9A20-C856A5068D10}" type="datetimeFigureOut">
               <a:rPr lang="en-US" smtClean="0"/>
-              <a:t>1/7/19</a:t>
+              <a:t>1/8/19</a:t>
             </a:fld>
             <a:endParaRPr lang="en-US"/>
           </a:p>
@@ -1850,7 +1849,7 @@
           <a:p>
             <a:fld id="{F57857CC-207A-4D73-9A20-C856A5068D10}" type="datetimeFigureOut">
               <a:rPr lang="en-US" smtClean="0"/>
-              <a:t>1/7/19</a:t>
+              <a:t>1/8/19</a:t>
             </a:fld>
             <a:endParaRPr lang="en-US"/>
           </a:p>
@@ -1991,7 +1990,7 @@
           <a:p>
             <a:fld id="{F57857CC-207A-4D73-9A20-C856A5068D10}" type="datetimeFigureOut">
               <a:rPr lang="en-US" smtClean="0"/>
-              <a:t>1/7/19</a:t>
+              <a:t>1/8/19</a:t>
             </a:fld>
             <a:endParaRPr lang="en-US"/>
           </a:p>
@@ -2104,7 +2103,7 @@
           <a:p>
             <a:fld id="{F57857CC-207A-4D73-9A20-C856A5068D10}" type="datetimeFigureOut">
               <a:rPr lang="en-US" smtClean="0"/>
-              <a:t>1/7/19</a:t>
+              <a:t>1/8/19</a:t>
             </a:fld>
             <a:endParaRPr lang="en-US"/>
           </a:p>
@@ -2415,7 +2414,7 @@
           <a:p>
             <a:fld id="{F57857CC-207A-4D73-9A20-C856A5068D10}" type="datetimeFigureOut">
               <a:rPr lang="en-US" smtClean="0"/>
-              <a:t>1/7/19</a:t>
+              <a:t>1/8/19</a:t>
             </a:fld>
             <a:endParaRPr lang="en-US"/>
           </a:p>
@@ -2703,7 +2702,7 @@
           <a:p>
             <a:fld id="{F57857CC-207A-4D73-9A20-C856A5068D10}" type="datetimeFigureOut">
               <a:rPr lang="en-US" smtClean="0"/>
-              <a:t>1/7/19</a:t>
+              <a:t>1/8/19</a:t>
             </a:fld>
             <a:endParaRPr lang="en-US"/>
           </a:p>
@@ -2944,7 +2943,7 @@
           <a:p>
             <a:fld id="{F57857CC-207A-4D73-9A20-C856A5068D10}" type="datetimeFigureOut">
               <a:rPr lang="en-US" smtClean="0"/>
-              <a:t>1/7/19</a:t>
+              <a:t>1/8/19</a:t>
             </a:fld>
             <a:endParaRPr lang="en-US"/>
           </a:p>
@@ -4766,550 +4765,6 @@
 </file>
 
 <file path=ppt/slides/slide12.xml><?xml version="1.0" encoding="utf-8"?>
-<p:sld xmlns:a="http://schemas.openxmlformats.org/drawingml/2006/main" xmlns:r="http://schemas.openxmlformats.org/officeDocument/2006/relationships" xmlns:p="http://schemas.openxmlformats.org/presentationml/2006/main">
-  <p:cSld>
-    <p:bg>
-      <p:bgPr>
-        <a:solidFill>
-          <a:schemeClr val="bg2"/>
-        </a:solidFill>
-        <a:effectLst/>
-      </p:bgPr>
-    </p:bg>
-    <p:spTree>
-      <p:nvGrpSpPr>
-        <p:cNvPr id="1" name=""/>
-        <p:cNvGrpSpPr/>
-        <p:nvPr/>
-      </p:nvGrpSpPr>
-      <p:grpSpPr>
-        <a:xfrm>
-          <a:off x="0" y="0"/>
-          <a:ext cx="0" cy="0"/>
-          <a:chOff x="0" y="0"/>
-          <a:chExt cx="0" cy="0"/>
-        </a:xfrm>
-      </p:grpSpPr>
-      <p:sp>
-        <p:nvSpPr>
-          <p:cNvPr id="4" name="Rectangle 3">
-            <a:extLst>
-              <a:ext uri="{FF2B5EF4-FFF2-40B4-BE49-F238E27FC236}">
-                <a16:creationId xmlns:a16="http://schemas.microsoft.com/office/drawing/2014/main" id="{678F1DA2-2833-49FF-9287-44720AC6C8D2}"/>
-              </a:ext>
-            </a:extLst>
-          </p:cNvPr>
-          <p:cNvSpPr/>
-          <p:nvPr/>
-        </p:nvSpPr>
-        <p:spPr>
-          <a:xfrm>
-            <a:off x="0" y="6581001"/>
-            <a:ext cx="9976268" cy="276999"/>
-          </a:xfrm>
-          <a:prstGeom prst="rect">
-            <a:avLst/>
-          </a:prstGeom>
-          <a:solidFill>
-            <a:srgbClr val="92D050"/>
-          </a:solidFill>
-          <a:ln>
-            <a:noFill/>
-          </a:ln>
-        </p:spPr>
-        <p:style>
-          <a:lnRef idx="2">
-            <a:schemeClr val="accent1">
-              <a:shade val="50000"/>
-            </a:schemeClr>
-          </a:lnRef>
-          <a:fillRef idx="1">
-            <a:schemeClr val="accent1"/>
-          </a:fillRef>
-          <a:effectRef idx="0">
-            <a:schemeClr val="accent1"/>
-          </a:effectRef>
-          <a:fontRef idx="minor">
-            <a:schemeClr val="lt1"/>
-          </a:fontRef>
-        </p:style>
-        <p:txBody>
-          <a:bodyPr rtlCol="0" anchor="ctr"/>
-          <a:lstStyle/>
-          <a:p>
-            <a:pPr algn="ctr"/>
-            <a:endParaRPr lang="en-US" dirty="0"/>
-          </a:p>
-        </p:txBody>
-      </p:sp>
-      <p:sp>
-        <p:nvSpPr>
-          <p:cNvPr id="5" name="TextBox 4">
-            <a:extLst>
-              <a:ext uri="{FF2B5EF4-FFF2-40B4-BE49-F238E27FC236}">
-                <a16:creationId xmlns:a16="http://schemas.microsoft.com/office/drawing/2014/main" id="{9758F7A4-2143-4CCD-B8B3-8B4A1461ECF9}"/>
-              </a:ext>
-            </a:extLst>
-          </p:cNvPr>
-          <p:cNvSpPr txBox="1"/>
-          <p:nvPr/>
-        </p:nvSpPr>
-        <p:spPr>
-          <a:xfrm>
-            <a:off x="36674" y="6583215"/>
-            <a:ext cx="2682077" cy="276999"/>
-          </a:xfrm>
-          <a:prstGeom prst="rect">
-            <a:avLst/>
-          </a:prstGeom>
-          <a:noFill/>
-        </p:spPr>
-        <p:txBody>
-          <a:bodyPr wrap="square" rtlCol="0">
-            <a:spAutoFit/>
-          </a:bodyPr>
-          <a:lstStyle/>
-          <a:p>
-            <a:r>
-              <a:rPr lang="en-US" sz="1200" dirty="0">
-                <a:solidFill>
-                  <a:schemeClr val="bg1"/>
-                </a:solidFill>
-              </a:rPr>
-              <a:t>Building Personal Websites</a:t>
-            </a:r>
-          </a:p>
-        </p:txBody>
-      </p:sp>
-      <p:sp>
-        <p:nvSpPr>
-          <p:cNvPr id="6" name="Rectangle 5">
-            <a:extLst>
-              <a:ext uri="{FF2B5EF4-FFF2-40B4-BE49-F238E27FC236}">
-                <a16:creationId xmlns:a16="http://schemas.microsoft.com/office/drawing/2014/main" id="{40845236-8634-4353-BA0D-8817FE36EC7A}"/>
-              </a:ext>
-            </a:extLst>
-          </p:cNvPr>
-          <p:cNvSpPr/>
-          <p:nvPr/>
-        </p:nvSpPr>
-        <p:spPr>
-          <a:xfrm>
-            <a:off x="9921514" y="6581001"/>
-            <a:ext cx="2270485" cy="276999"/>
-          </a:xfrm>
-          <a:prstGeom prst="rect">
-            <a:avLst/>
-          </a:prstGeom>
-          <a:solidFill>
-            <a:srgbClr val="00B0F0"/>
-          </a:solidFill>
-          <a:ln>
-            <a:noFill/>
-          </a:ln>
-        </p:spPr>
-        <p:style>
-          <a:lnRef idx="2">
-            <a:schemeClr val="accent1">
-              <a:shade val="50000"/>
-            </a:schemeClr>
-          </a:lnRef>
-          <a:fillRef idx="1">
-            <a:schemeClr val="accent1"/>
-          </a:fillRef>
-          <a:effectRef idx="0">
-            <a:schemeClr val="accent1"/>
-          </a:effectRef>
-          <a:fontRef idx="minor">
-            <a:schemeClr val="lt1"/>
-          </a:fontRef>
-        </p:style>
-        <p:txBody>
-          <a:bodyPr rtlCol="0" anchor="ctr"/>
-          <a:lstStyle/>
-          <a:p>
-            <a:pPr algn="ctr"/>
-            <a:endParaRPr lang="en-US" dirty="0"/>
-          </a:p>
-        </p:txBody>
-      </p:sp>
-      <p:sp>
-        <p:nvSpPr>
-          <p:cNvPr id="8" name="TextBox 7">
-            <a:extLst>
-              <a:ext uri="{FF2B5EF4-FFF2-40B4-BE49-F238E27FC236}">
-                <a16:creationId xmlns:a16="http://schemas.microsoft.com/office/drawing/2014/main" id="{6403EA4A-E7EB-4525-B0D2-13B3997D5780}"/>
-              </a:ext>
-            </a:extLst>
-          </p:cNvPr>
-          <p:cNvSpPr txBox="1"/>
-          <p:nvPr/>
-        </p:nvSpPr>
-        <p:spPr>
-          <a:xfrm>
-            <a:off x="9958188" y="6578787"/>
-            <a:ext cx="2682077" cy="276999"/>
-          </a:xfrm>
-          <a:prstGeom prst="rect">
-            <a:avLst/>
-          </a:prstGeom>
-          <a:noFill/>
-        </p:spPr>
-        <p:txBody>
-          <a:bodyPr wrap="square" rtlCol="0">
-            <a:spAutoFit/>
-          </a:bodyPr>
-          <a:lstStyle/>
-          <a:p>
-            <a:r>
-              <a:rPr lang="en-US" sz="1200" dirty="0">
-                <a:solidFill>
-                  <a:schemeClr val="bg1"/>
-                </a:solidFill>
-              </a:rPr>
-              <a:t>Lecture 14 | Interactive Elements</a:t>
-            </a:r>
-          </a:p>
-        </p:txBody>
-      </p:sp>
-      <p:sp>
-        <p:nvSpPr>
-          <p:cNvPr id="7" name="TextBox 6">
-            <a:extLst>
-              <a:ext uri="{FF2B5EF4-FFF2-40B4-BE49-F238E27FC236}">
-                <a16:creationId xmlns:a16="http://schemas.microsoft.com/office/drawing/2014/main" id="{5760102D-7801-5740-8ECF-B54D06E9F1EA}"/>
-              </a:ext>
-            </a:extLst>
-          </p:cNvPr>
-          <p:cNvSpPr txBox="1"/>
-          <p:nvPr/>
-        </p:nvSpPr>
-        <p:spPr>
-          <a:xfrm>
-            <a:off x="3474369" y="10633"/>
-            <a:ext cx="5310478" cy="1003031"/>
-          </a:xfrm>
-          <a:prstGeom prst="rect">
-            <a:avLst/>
-          </a:prstGeom>
-          <a:noFill/>
-        </p:spPr>
-        <p:txBody>
-          <a:bodyPr wrap="square" rtlCol="0">
-            <a:spAutoFit/>
-          </a:bodyPr>
-          <a:lstStyle/>
-          <a:p>
-            <a:pPr algn="ctr">
-              <a:lnSpc>
-                <a:spcPct val="150000"/>
-              </a:lnSpc>
-            </a:pPr>
-            <a:r>
-              <a:rPr lang="en-US" sz="4400" dirty="0"/>
-              <a:t>Buttons Dropdowns</a:t>
-            </a:r>
-          </a:p>
-        </p:txBody>
-      </p:sp>
-      <p:cxnSp>
-        <p:nvCxnSpPr>
-          <p:cNvPr id="9" name="Straight Connector 8">
-            <a:extLst>
-              <a:ext uri="{FF2B5EF4-FFF2-40B4-BE49-F238E27FC236}">
-                <a16:creationId xmlns:a16="http://schemas.microsoft.com/office/drawing/2014/main" id="{646ED5A1-C2B9-0946-81D8-FEC995F80ADC}"/>
-              </a:ext>
-            </a:extLst>
-          </p:cNvPr>
-          <p:cNvCxnSpPr>
-            <a:cxnSpLocks/>
-          </p:cNvCxnSpPr>
-          <p:nvPr/>
-        </p:nvCxnSpPr>
-        <p:spPr>
-          <a:xfrm>
-            <a:off x="5930248" y="1013664"/>
-            <a:ext cx="419986" cy="0"/>
-          </a:xfrm>
-          <a:prstGeom prst="line">
-            <a:avLst/>
-          </a:prstGeom>
-          <a:ln w="28575"/>
-        </p:spPr>
-        <p:style>
-          <a:lnRef idx="1">
-            <a:schemeClr val="dk1"/>
-          </a:lnRef>
-          <a:fillRef idx="0">
-            <a:schemeClr val="dk1"/>
-          </a:fillRef>
-          <a:effectRef idx="0">
-            <a:schemeClr val="dk1"/>
-          </a:effectRef>
-          <a:fontRef idx="minor">
-            <a:schemeClr val="tx1"/>
-          </a:fontRef>
-        </p:style>
-      </p:cxnSp>
-      <p:sp>
-        <p:nvSpPr>
-          <p:cNvPr id="12" name="TextBox 11">
-            <a:extLst>
-              <a:ext uri="{FF2B5EF4-FFF2-40B4-BE49-F238E27FC236}">
-                <a16:creationId xmlns:a16="http://schemas.microsoft.com/office/drawing/2014/main" id="{88122BC7-BB43-A647-B4B5-D6187D2FE320}"/>
-              </a:ext>
-            </a:extLst>
-          </p:cNvPr>
-          <p:cNvSpPr txBox="1"/>
-          <p:nvPr/>
-        </p:nvSpPr>
-        <p:spPr>
-          <a:xfrm>
-            <a:off x="667229" y="1354540"/>
-            <a:ext cx="2625014" cy="464871"/>
-          </a:xfrm>
-          <a:prstGeom prst="rect">
-            <a:avLst/>
-          </a:prstGeom>
-          <a:noFill/>
-        </p:spPr>
-        <p:txBody>
-          <a:bodyPr wrap="none" rtlCol="0">
-            <a:spAutoFit/>
-          </a:bodyPr>
-          <a:lstStyle/>
-          <a:p>
-            <a:pPr>
-              <a:lnSpc>
-                <a:spcPct val="150000"/>
-              </a:lnSpc>
-            </a:pPr>
-            <a:r>
-              <a:rPr lang="en-US" dirty="0"/>
-              <a:t>Creating a custom button:</a:t>
-            </a:r>
-          </a:p>
-        </p:txBody>
-      </p:sp>
-      <p:sp>
-        <p:nvSpPr>
-          <p:cNvPr id="15" name="Rectangle 14">
-            <a:extLst>
-              <a:ext uri="{FF2B5EF4-FFF2-40B4-BE49-F238E27FC236}">
-                <a16:creationId xmlns:a16="http://schemas.microsoft.com/office/drawing/2014/main" id="{D2EC83E7-7C84-FC4F-9BB0-3724B50C8C54}"/>
-              </a:ext>
-            </a:extLst>
-          </p:cNvPr>
-          <p:cNvSpPr/>
-          <p:nvPr/>
-        </p:nvSpPr>
-        <p:spPr>
-          <a:xfrm>
-            <a:off x="751199" y="1819411"/>
-            <a:ext cx="10484937" cy="2428778"/>
-          </a:xfrm>
-          <a:prstGeom prst="rect">
-            <a:avLst/>
-          </a:prstGeom>
-          <a:solidFill>
-            <a:schemeClr val="bg1">
-              <a:lumMod val="95000"/>
-            </a:schemeClr>
-          </a:solidFill>
-          <a:ln w="3175">
-            <a:solidFill>
-              <a:schemeClr val="bg1">
-                <a:lumMod val="85000"/>
-              </a:schemeClr>
-            </a:solidFill>
-          </a:ln>
-        </p:spPr>
-        <p:style>
-          <a:lnRef idx="2">
-            <a:schemeClr val="accent1">
-              <a:shade val="50000"/>
-            </a:schemeClr>
-          </a:lnRef>
-          <a:fillRef idx="1">
-            <a:schemeClr val="accent1"/>
-          </a:fillRef>
-          <a:effectRef idx="0">
-            <a:schemeClr val="accent1"/>
-          </a:effectRef>
-          <a:fontRef idx="minor">
-            <a:schemeClr val="lt1"/>
-          </a:fontRef>
-        </p:style>
-        <p:txBody>
-          <a:bodyPr rtlCol="0" anchor="ctr"/>
-          <a:lstStyle/>
-          <a:p>
-            <a:pPr lvl="1"/>
-            <a:r>
-              <a:rPr lang="en-US" dirty="0">
-                <a:solidFill>
-                  <a:schemeClr val="accent2"/>
-                </a:solidFill>
-              </a:rPr>
-              <a:t>.button {</a:t>
-            </a:r>
-          </a:p>
-          <a:p>
-            <a:pPr lvl="1"/>
-            <a:r>
-              <a:rPr lang="en-US" dirty="0">
-                <a:solidFill>
-                  <a:schemeClr val="accent2"/>
-                </a:solidFill>
-              </a:rPr>
-              <a:t>	width: 100px;</a:t>
-            </a:r>
-          </a:p>
-          <a:p>
-            <a:pPr lvl="1"/>
-            <a:r>
-              <a:rPr lang="en-US" dirty="0">
-                <a:solidFill>
-                  <a:schemeClr val="accent2"/>
-                </a:solidFill>
-              </a:rPr>
-              <a:t>	height: 35px;</a:t>
-            </a:r>
-          </a:p>
-          <a:p>
-            <a:pPr lvl="1"/>
-            <a:r>
-              <a:rPr lang="en-US" dirty="0">
-                <a:solidFill>
-                  <a:schemeClr val="accent2"/>
-                </a:solidFill>
-              </a:rPr>
-              <a:t>	background: grey; }</a:t>
-            </a:r>
-            <a:endParaRPr lang="en-US" dirty="0">
-              <a:solidFill>
-                <a:schemeClr val="tx1"/>
-              </a:solidFill>
-            </a:endParaRPr>
-          </a:p>
-        </p:txBody>
-      </p:sp>
-      <p:sp>
-        <p:nvSpPr>
-          <p:cNvPr id="10" name="TextBox 9">
-            <a:extLst>
-              <a:ext uri="{FF2B5EF4-FFF2-40B4-BE49-F238E27FC236}">
-                <a16:creationId xmlns:a16="http://schemas.microsoft.com/office/drawing/2014/main" id="{6D36CABA-6DE5-8E4D-A47C-C75B35E6E1EF}"/>
-              </a:ext>
-            </a:extLst>
-          </p:cNvPr>
-          <p:cNvSpPr txBox="1"/>
-          <p:nvPr/>
-        </p:nvSpPr>
-        <p:spPr>
-          <a:xfrm>
-            <a:off x="667229" y="4361068"/>
-            <a:ext cx="9287607" cy="464871"/>
-          </a:xfrm>
-          <a:prstGeom prst="rect">
-            <a:avLst/>
-          </a:prstGeom>
-          <a:noFill/>
-        </p:spPr>
-        <p:txBody>
-          <a:bodyPr wrap="none" rtlCol="0">
-            <a:spAutoFit/>
-          </a:bodyPr>
-          <a:lstStyle/>
-          <a:p>
-            <a:pPr>
-              <a:lnSpc>
-                <a:spcPct val="150000"/>
-              </a:lnSpc>
-            </a:pPr>
-            <a:r>
-              <a:rPr lang="en-US" dirty="0"/>
-              <a:t>Animation speed: (500px – 100px) / 0.5s = 800px/s, despite container being less than 500px high.</a:t>
-            </a:r>
-          </a:p>
-        </p:txBody>
-      </p:sp>
-      <p:sp>
-        <p:nvSpPr>
-          <p:cNvPr id="11" name="TextBox 10">
-            <a:extLst>
-              <a:ext uri="{FF2B5EF4-FFF2-40B4-BE49-F238E27FC236}">
-                <a16:creationId xmlns:a16="http://schemas.microsoft.com/office/drawing/2014/main" id="{1EEB4828-9844-CE48-B2C3-A340FDAAE13E}"/>
-              </a:ext>
-            </a:extLst>
-          </p:cNvPr>
-          <p:cNvSpPr txBox="1"/>
-          <p:nvPr/>
-        </p:nvSpPr>
-        <p:spPr>
-          <a:xfrm>
-            <a:off x="667228" y="4892177"/>
-            <a:ext cx="7761099" cy="1295868"/>
-          </a:xfrm>
-          <a:prstGeom prst="rect">
-            <a:avLst/>
-          </a:prstGeom>
-          <a:noFill/>
-        </p:spPr>
-        <p:txBody>
-          <a:bodyPr wrap="none" rtlCol="0">
-            <a:spAutoFit/>
-          </a:bodyPr>
-          <a:lstStyle/>
-          <a:p>
-            <a:pPr>
-              <a:lnSpc>
-                <a:spcPct val="150000"/>
-              </a:lnSpc>
-            </a:pPr>
-            <a:r>
-              <a:rPr lang="en-US" dirty="0"/>
-              <a:t>Issue: we need to pick an appropriate max-height:</a:t>
-            </a:r>
-          </a:p>
-          <a:p>
-            <a:pPr>
-              <a:lnSpc>
-                <a:spcPct val="150000"/>
-              </a:lnSpc>
-            </a:pPr>
-            <a:r>
-              <a:rPr lang="en-US" dirty="0"/>
-              <a:t>	- Pick to small, and not all our content is shown.</a:t>
-            </a:r>
-          </a:p>
-          <a:p>
-            <a:pPr>
-              <a:lnSpc>
-                <a:spcPct val="150000"/>
-              </a:lnSpc>
-            </a:pPr>
-            <a:r>
-              <a:rPr lang="en-US" dirty="0"/>
-              <a:t>	- Pick to large, and animation speed is high that we don’t even notice it.</a:t>
-            </a:r>
-          </a:p>
-        </p:txBody>
-      </p:sp>
-    </p:spTree>
-    <p:extLst>
-      <p:ext uri="{BB962C8B-B14F-4D97-AF65-F5344CB8AC3E}">
-        <p14:creationId xmlns:p14="http://schemas.microsoft.com/office/powerpoint/2010/main" val="1976476790"/>
-      </p:ext>
-    </p:extLst>
-  </p:cSld>
-  <p:clrMapOvr>
-    <a:masterClrMapping/>
-  </p:clrMapOvr>
-</p:sld>
-</file>
-
-<file path=ppt/slides/slide13.xml><?xml version="1.0" encoding="utf-8"?>
 <p:sld xmlns:a="http://schemas.openxmlformats.org/drawingml/2006/main" xmlns:r="http://schemas.openxmlformats.org/officeDocument/2006/relationships" xmlns:p="http://schemas.openxmlformats.org/presentationml/2006/main">
   <p:cSld>
     <p:bg>
